--- a/temp/my powerpoint export.pptx
+++ b/temp/my powerpoint export.pptx
@@ -10,6 +10,9 @@
     <p:sldId id="258" r:id="rId10"/>
     <p:sldId id="259" r:id="rId11"/>
     <p:sldId id="260" r:id="rId12"/>
+    <p:sldId id="261" r:id="rId13"/>
+    <p:sldId id="262" r:id="rId14"/>
+    <p:sldId id="263" r:id="rId15"/>
   </p:sldIdLst>
   <p:sldSz cx="9144000" cy="6858000" type="screen4x3"/>
   <p:notesSz cx="6858000" cy="9144000"/>
@@ -112,6 +115,828 @@
     </a:lvl9pPr>
   </p:defaultTextStyle>
 </p:presentation>
+</file>
+
+<file path=ppt/charts/chart147045e43ef.xml><?xml version="1.0" encoding="utf-8"?>
+<c:chartSpace xmlns:c="http://schemas.openxmlformats.org/drawingml/2006/chart" xmlns:a="http://schemas.openxmlformats.org/drawingml/2006/main" xmlns:r="http://schemas.openxmlformats.org/officeDocument/2006/relationships">
+  <c:date1904 val="0"/>
+  <c:lang val="fr-FR"/>
+  <c:roundedCorners val="0"/>
+  <mc:AlternateContent xmlns:mc="http://schemas.openxmlformats.org/markup-compatibility/2006">
+    <mc:Choice xmlns:c14="http://schemas.microsoft.com/office/drawing/2007/8/2/chart" Requires="c14">
+      <c14:style val="118"/>
+    </mc:Choice>
+    <mc:Fallback>
+      <c:style val="18"/>
+    </mc:Fallback>
+  </mc:AlternateContent>
+  <c:chart>
+    <c:autoTitleDeleted val="1"/>
+    <c:plotArea xmlns:c="http://schemas.openxmlformats.org/drawingml/2006/chart" xmlns:a="http://schemas.openxmlformats.org/drawingml/2006/main" xmlns:r="http://schemas.openxmlformats.org/officeDocument/2006/relationships">
+      <c:layout/>
+      <c:barChart>
+        <c:barDir val="col"/>
+        <c:grouping val="clustered"/>
+        <c:varyColors val="0"/>
+        <c:ser>
+          <c:idx val="0"/>
+          <c:order val="0"/>
+          <c:tx>
+            <c:strRef>
+              <c:f>sheet1!$B$1</c:f>
+              <c:strCache>
+                <c:ptCount val="1"/>
+                <c:pt idx="0">
+                  <c:v>Bitter</c:v>
+                </c:pt>
+              </c:strCache>
+            </c:strRef>
+          </c:tx>
+          <c:spPr>
+            <a:solidFill>
+              <a:srgbClr val="4477AA">
+                <a:alpha val="100000"/>
+              </a:srgbClr>
+            </a:solidFill>
+            <a:ln w="25400">
+              <a:solidFill>
+                <a:srgbClr val="4477AA">
+                  <a:alpha val="100000"/>
+                </a:srgbClr>
+              </a:solidFill>
+            </a:ln>
+            <a:effectLst/>
+          </c:spPr>
+          <c:invertIfNegative val="0"/>
+          <c:dLbls>
+            <c:dLblPos val="ctr"/>
+            <c:numFmt formatCode="General" sourceLinked="0"/>
+            <c:separator val=", "/>
+            <c:showBubbleSize val="0"/>
+            <c:showCatName val="0"/>
+            <c:showLegendKey val="0"/>
+            <c:showPercent val="0"/>
+            <c:showSerName val="0"/>
+            <c:showVal val="0"/>
+            <c:txPr>
+              <a:bodyPr/>
+              <a:lstStyle/>
+              <a:p>
+                <a:pPr>
+                  <a:defRPr cap="none" i="0" b="0" u="none">
+                    <a:solidFill>
+                      <a:srgbClr val="000000">
+                        <a:alpha val="100000"/>
+                      </a:srgbClr>
+                    </a:solidFill>
+                    <a:latin typeface="Arial"/>
+                    <a:cs typeface="Arial"/>
+                    <a:ea typeface="Arial"/>
+                    <a:sym typeface="Arial"/>
+                  </a:defRPr>
+                </a:pPr>
+              </a:p>
+            </c:txPr>
+          </c:dLbls>
+          <c:cat>
+            <c:strRef>
+              <c:f>sheet1!$A$2:$A$12</c:f>
+              <c:strCache>
+                <c:ptCount val="11"/>
+                <c:pt idx="0">
+                  <c:v>P01</c:v>
+                </c:pt>
+                <c:pt idx="1">
+                  <c:v>P02</c:v>
+                </c:pt>
+                <c:pt idx="2">
+                  <c:v>P03</c:v>
+                </c:pt>
+                <c:pt idx="3">
+                  <c:v>P04</c:v>
+                </c:pt>
+                <c:pt idx="4">
+                  <c:v>P05</c:v>
+                </c:pt>
+                <c:pt idx="5">
+                  <c:v>P06</c:v>
+                </c:pt>
+                <c:pt idx="6">
+                  <c:v>P07</c:v>
+                </c:pt>
+                <c:pt idx="7">
+                  <c:v>P08</c:v>
+                </c:pt>
+                <c:pt idx="8">
+                  <c:v>P09</c:v>
+                </c:pt>
+                <c:pt idx="9">
+                  <c:v>P10</c:v>
+                </c:pt>
+                <c:pt idx="10">
+                  <c:v>POpt</c:v>
+                </c:pt>
+              </c:strCache>
+            </c:strRef>
+          </c:cat>
+          <c:val>
+            <c:numRef>
+              <c:f>sheet1!$B$2:$B$12</c:f>
+              <c:numCache>
+                <c:ptCount val="11"/>
+                <c:pt idx="0">
+                  <c:v>8.000000</c:v>
+                </c:pt>
+                <c:pt idx="1">
+                  <c:v>4.933333</c:v>
+                </c:pt>
+                <c:pt idx="2">
+                  <c:v>7.800000</c:v>
+                </c:pt>
+                <c:pt idx="3">
+                  <c:v>4.266667</c:v>
+                </c:pt>
+                <c:pt idx="4">
+                  <c:v>6.733333</c:v>
+                </c:pt>
+                <c:pt idx="5">
+                  <c:v>6.533333</c:v>
+                </c:pt>
+                <c:pt idx="6">
+                  <c:v>5.000000</c:v>
+                </c:pt>
+                <c:pt idx="7">
+                  <c:v>11.066667</c:v>
+                </c:pt>
+                <c:pt idx="8">
+                  <c:v>9.266667</c:v>
+                </c:pt>
+                <c:pt idx="9">
+                  <c:v>9.666667</c:v>
+                </c:pt>
+                <c:pt idx="10">
+                  <c:v>15.866667</c:v>
+                </c:pt>
+              </c:numCache>
+            </c:numRef>
+          </c:val>
+        </c:ser>
+        <c:ser>
+          <c:idx val="1"/>
+          <c:order val="1"/>
+          <c:tx>
+            <c:strRef>
+              <c:f>sheet1!$C$1</c:f>
+              <c:strCache>
+                <c:ptCount val="1"/>
+                <c:pt idx="0">
+                  <c:v>Salty</c:v>
+                </c:pt>
+              </c:strCache>
+            </c:strRef>
+          </c:tx>
+          <c:spPr>
+            <a:solidFill>
+              <a:srgbClr val="117733">
+                <a:alpha val="100000"/>
+              </a:srgbClr>
+            </a:solidFill>
+            <a:ln w="25400">
+              <a:solidFill>
+                <a:srgbClr val="117733">
+                  <a:alpha val="100000"/>
+                </a:srgbClr>
+              </a:solidFill>
+            </a:ln>
+            <a:effectLst/>
+          </c:spPr>
+          <c:invertIfNegative val="0"/>
+          <c:dLbls>
+            <c:dLblPos val="ctr"/>
+            <c:numFmt formatCode="General" sourceLinked="0"/>
+            <c:separator val=", "/>
+            <c:showBubbleSize val="0"/>
+            <c:showCatName val="0"/>
+            <c:showLegendKey val="0"/>
+            <c:showPercent val="0"/>
+            <c:showSerName val="0"/>
+            <c:showVal val="0"/>
+            <c:txPr>
+              <a:bodyPr/>
+              <a:lstStyle/>
+              <a:p>
+                <a:pPr>
+                  <a:defRPr cap="none" i="0" b="0" u="none">
+                    <a:solidFill>
+                      <a:srgbClr val="000000">
+                        <a:alpha val="100000"/>
+                      </a:srgbClr>
+                    </a:solidFill>
+                    <a:latin typeface="Arial"/>
+                    <a:cs typeface="Arial"/>
+                    <a:ea typeface="Arial"/>
+                    <a:sym typeface="Arial"/>
+                  </a:defRPr>
+                </a:pPr>
+              </a:p>
+            </c:txPr>
+          </c:dLbls>
+          <c:cat>
+            <c:strRef>
+              <c:f>sheet1!$A$2:$A$12</c:f>
+              <c:strCache>
+                <c:ptCount val="11"/>
+                <c:pt idx="0">
+                  <c:v>P01</c:v>
+                </c:pt>
+                <c:pt idx="1">
+                  <c:v>P02</c:v>
+                </c:pt>
+                <c:pt idx="2">
+                  <c:v>P03</c:v>
+                </c:pt>
+                <c:pt idx="3">
+                  <c:v>P04</c:v>
+                </c:pt>
+                <c:pt idx="4">
+                  <c:v>P05</c:v>
+                </c:pt>
+                <c:pt idx="5">
+                  <c:v>P06</c:v>
+                </c:pt>
+                <c:pt idx="6">
+                  <c:v>P07</c:v>
+                </c:pt>
+                <c:pt idx="7">
+                  <c:v>P08</c:v>
+                </c:pt>
+                <c:pt idx="8">
+                  <c:v>P09</c:v>
+                </c:pt>
+                <c:pt idx="9">
+                  <c:v>P10</c:v>
+                </c:pt>
+                <c:pt idx="10">
+                  <c:v>POpt</c:v>
+                </c:pt>
+              </c:strCache>
+            </c:strRef>
+          </c:cat>
+          <c:val>
+            <c:numRef>
+              <c:f>sheet1!$C$2:$C$12</c:f>
+              <c:numCache>
+                <c:ptCount val="11"/>
+                <c:pt idx="0">
+                  <c:v>5.100000</c:v>
+                </c:pt>
+                <c:pt idx="1">
+                  <c:v>2.933333</c:v>
+                </c:pt>
+                <c:pt idx="2">
+                  <c:v>4.666667</c:v>
+                </c:pt>
+                <c:pt idx="3">
+                  <c:v>3.600000</c:v>
+                </c:pt>
+                <c:pt idx="4">
+                  <c:v>5.866667</c:v>
+                </c:pt>
+                <c:pt idx="5">
+                  <c:v>8.200000</c:v>
+                </c:pt>
+                <c:pt idx="6">
+                  <c:v>2.800000</c:v>
+                </c:pt>
+                <c:pt idx="7">
+                  <c:v>2.466667</c:v>
+                </c:pt>
+                <c:pt idx="8">
+                  <c:v>4.000000</c:v>
+                </c:pt>
+                <c:pt idx="9">
+                  <c:v>9.000000</c:v>
+                </c:pt>
+                <c:pt idx="10">
+                  <c:v>6.666667</c:v>
+                </c:pt>
+              </c:numCache>
+            </c:numRef>
+          </c:val>
+        </c:ser>
+        <c:ser>
+          <c:idx val="2"/>
+          <c:order val="2"/>
+          <c:tx>
+            <c:strRef>
+              <c:f>sheet1!$D$1</c:f>
+              <c:strCache>
+                <c:ptCount val="1"/>
+                <c:pt idx="0">
+                  <c:v>Sour</c:v>
+                </c:pt>
+              </c:strCache>
+            </c:strRef>
+          </c:tx>
+          <c:spPr>
+            <a:solidFill>
+              <a:srgbClr val="DDCC77">
+                <a:alpha val="100000"/>
+              </a:srgbClr>
+            </a:solidFill>
+            <a:ln w="25400">
+              <a:solidFill>
+                <a:srgbClr val="DDCC77">
+                  <a:alpha val="100000"/>
+                </a:srgbClr>
+              </a:solidFill>
+            </a:ln>
+            <a:effectLst/>
+          </c:spPr>
+          <c:invertIfNegative val="0"/>
+          <c:dLbls>
+            <c:dLblPos val="ctr"/>
+            <c:numFmt formatCode="General" sourceLinked="0"/>
+            <c:separator val=", "/>
+            <c:showBubbleSize val="0"/>
+            <c:showCatName val="0"/>
+            <c:showLegendKey val="0"/>
+            <c:showPercent val="0"/>
+            <c:showSerName val="0"/>
+            <c:showVal val="0"/>
+            <c:txPr>
+              <a:bodyPr/>
+              <a:lstStyle/>
+              <a:p>
+                <a:pPr>
+                  <a:defRPr cap="none" i="0" b="0" u="none">
+                    <a:solidFill>
+                      <a:srgbClr val="000000">
+                        <a:alpha val="100000"/>
+                      </a:srgbClr>
+                    </a:solidFill>
+                    <a:latin typeface="Arial"/>
+                    <a:cs typeface="Arial"/>
+                    <a:ea typeface="Arial"/>
+                    <a:sym typeface="Arial"/>
+                  </a:defRPr>
+                </a:pPr>
+              </a:p>
+            </c:txPr>
+          </c:dLbls>
+          <c:cat>
+            <c:strRef>
+              <c:f>sheet1!$A$2:$A$12</c:f>
+              <c:strCache>
+                <c:ptCount val="11"/>
+                <c:pt idx="0">
+                  <c:v>P01</c:v>
+                </c:pt>
+                <c:pt idx="1">
+                  <c:v>P02</c:v>
+                </c:pt>
+                <c:pt idx="2">
+                  <c:v>P03</c:v>
+                </c:pt>
+                <c:pt idx="3">
+                  <c:v>P04</c:v>
+                </c:pt>
+                <c:pt idx="4">
+                  <c:v>P05</c:v>
+                </c:pt>
+                <c:pt idx="5">
+                  <c:v>P06</c:v>
+                </c:pt>
+                <c:pt idx="6">
+                  <c:v>P07</c:v>
+                </c:pt>
+                <c:pt idx="7">
+                  <c:v>P08</c:v>
+                </c:pt>
+                <c:pt idx="8">
+                  <c:v>P09</c:v>
+                </c:pt>
+                <c:pt idx="9">
+                  <c:v>P10</c:v>
+                </c:pt>
+                <c:pt idx="10">
+                  <c:v>POpt</c:v>
+                </c:pt>
+              </c:strCache>
+            </c:strRef>
+          </c:cat>
+          <c:val>
+            <c:numRef>
+              <c:f>sheet1!$D$2:$D$12</c:f>
+              <c:numCache>
+                <c:ptCount val="11"/>
+                <c:pt idx="0">
+                  <c:v>0.0000000</c:v>
+                </c:pt>
+                <c:pt idx="1">
+                  <c:v>0.0000000</c:v>
+                </c:pt>
+                <c:pt idx="2">
+                  <c:v>0.0000000</c:v>
+                </c:pt>
+                <c:pt idx="3">
+                  <c:v>0.0000000</c:v>
+                </c:pt>
+                <c:pt idx="4">
+                  <c:v>3.0000000</c:v>
+                </c:pt>
+                <c:pt idx="5">
+                  <c:v>4.0000000</c:v>
+                </c:pt>
+                <c:pt idx="6">
+                  <c:v>0.8666667</c:v>
+                </c:pt>
+                <c:pt idx="7">
+                  <c:v>0.9333333</c:v>
+                </c:pt>
+                <c:pt idx="8">
+                  <c:v>0.0000000</c:v>
+                </c:pt>
+                <c:pt idx="9">
+                  <c:v>5.0666667</c:v>
+                </c:pt>
+                <c:pt idx="10">
+                  <c:v>2.2000000</c:v>
+                </c:pt>
+              </c:numCache>
+            </c:numRef>
+          </c:val>
+        </c:ser>
+        <c:ser>
+          <c:idx val="3"/>
+          <c:order val="3"/>
+          <c:tx>
+            <c:strRef>
+              <c:f>sheet1!$E$1</c:f>
+              <c:strCache>
+                <c:ptCount val="1"/>
+                <c:pt idx="0">
+                  <c:v>Sweet</c:v>
+                </c:pt>
+              </c:strCache>
+            </c:strRef>
+          </c:tx>
+          <c:spPr>
+            <a:solidFill>
+              <a:srgbClr val="CC6677">
+                <a:alpha val="100000"/>
+              </a:srgbClr>
+            </a:solidFill>
+            <a:ln w="25400">
+              <a:solidFill>
+                <a:srgbClr val="CC6677">
+                  <a:alpha val="100000"/>
+                </a:srgbClr>
+              </a:solidFill>
+            </a:ln>
+            <a:effectLst/>
+          </c:spPr>
+          <c:invertIfNegative val="0"/>
+          <c:dLbls>
+            <c:dLblPos val="ctr"/>
+            <c:numFmt formatCode="General" sourceLinked="0"/>
+            <c:separator val=", "/>
+            <c:showBubbleSize val="0"/>
+            <c:showCatName val="0"/>
+            <c:showLegendKey val="0"/>
+            <c:showPercent val="0"/>
+            <c:showSerName val="0"/>
+            <c:showVal val="0"/>
+            <c:txPr>
+              <a:bodyPr/>
+              <a:lstStyle/>
+              <a:p>
+                <a:pPr>
+                  <a:defRPr cap="none" i="0" b="0" u="none">
+                    <a:solidFill>
+                      <a:srgbClr val="000000">
+                        <a:alpha val="100000"/>
+                      </a:srgbClr>
+                    </a:solidFill>
+                    <a:latin typeface="Arial"/>
+                    <a:cs typeface="Arial"/>
+                    <a:ea typeface="Arial"/>
+                    <a:sym typeface="Arial"/>
+                  </a:defRPr>
+                </a:pPr>
+              </a:p>
+            </c:txPr>
+          </c:dLbls>
+          <c:cat>
+            <c:strRef>
+              <c:f>sheet1!$A$2:$A$12</c:f>
+              <c:strCache>
+                <c:ptCount val="11"/>
+                <c:pt idx="0">
+                  <c:v>P01</c:v>
+                </c:pt>
+                <c:pt idx="1">
+                  <c:v>P02</c:v>
+                </c:pt>
+                <c:pt idx="2">
+                  <c:v>P03</c:v>
+                </c:pt>
+                <c:pt idx="3">
+                  <c:v>P04</c:v>
+                </c:pt>
+                <c:pt idx="4">
+                  <c:v>P05</c:v>
+                </c:pt>
+                <c:pt idx="5">
+                  <c:v>P06</c:v>
+                </c:pt>
+                <c:pt idx="6">
+                  <c:v>P07</c:v>
+                </c:pt>
+                <c:pt idx="7">
+                  <c:v>P08</c:v>
+                </c:pt>
+                <c:pt idx="8">
+                  <c:v>P09</c:v>
+                </c:pt>
+                <c:pt idx="9">
+                  <c:v>P10</c:v>
+                </c:pt>
+                <c:pt idx="10">
+                  <c:v>POpt</c:v>
+                </c:pt>
+              </c:strCache>
+            </c:strRef>
+          </c:cat>
+          <c:val>
+            <c:numRef>
+              <c:f>sheet1!$E$2:$E$12</c:f>
+              <c:numCache>
+                <c:ptCount val="11"/>
+                <c:pt idx="0">
+                  <c:v>22.20000</c:v>
+                </c:pt>
+                <c:pt idx="1">
+                  <c:v>15.80000</c:v>
+                </c:pt>
+                <c:pt idx="2">
+                  <c:v>10.40000</c:v>
+                </c:pt>
+                <c:pt idx="3">
+                  <c:v>16.60000</c:v>
+                </c:pt>
+                <c:pt idx="4">
+                  <c:v>21.00000</c:v>
+                </c:pt>
+                <c:pt idx="5">
+                  <c:v>14.73333</c:v>
+                </c:pt>
+                <c:pt idx="6">
+                  <c:v>19.46667</c:v>
+                </c:pt>
+                <c:pt idx="7">
+                  <c:v>14.26667</c:v>
+                </c:pt>
+                <c:pt idx="8">
+                  <c:v>13.33333</c:v>
+                </c:pt>
+                <c:pt idx="9">
+                  <c:v>30.46667</c:v>
+                </c:pt>
+                <c:pt idx="10">
+                  <c:v>17.73333</c:v>
+                </c:pt>
+              </c:numCache>
+            </c:numRef>
+          </c:val>
+        </c:ser>
+        <c:dLbls>
+          <c:dLblPos val="ctr"/>
+          <c:numFmt formatCode="General" sourceLinked="0"/>
+          <c:separator val=", "/>
+          <c:showBubbleSize val="0"/>
+          <c:showCatName val="0"/>
+          <c:showLegendKey val="0"/>
+          <c:showPercent val="0"/>
+          <c:showSerName val="0"/>
+          <c:showVal val="0"/>
+        </c:dLbls>
+        <c:gapWidth val="150"/>
+        <c:overlap val="0"/>
+        <c:axId val="64451712"/>
+        <c:axId val="64453248"/>
+      </c:barChart>
+      <c:catAx>
+        <c:axId val="64451712"/>
+        <c:scaling>
+          <c:orientation val="minMax"/>
+        </c:scaling>
+        <c:delete val="0"/>
+        <c:axPos val="b"/>
+        <c:majorGridlines>
+          <c:spPr>
+            <a:ln algn="ctr" w="12700">
+              <a:solidFill>
+                <a:srgbClr val="999999">
+                  <a:alpha val="60000"/>
+                </a:srgbClr>
+              </a:solidFill>
+              <a:prstDash val="sysDash"/>
+            </a:ln>
+          </c:spPr>
+        </c:majorGridlines>
+        <c:title>
+          <c:tx>
+            <c:rich>
+              <a:bodyPr rot="0" vert="horz" anchor="ctr"/>
+              <a:lstStyle/>
+              <a:p>
+                <a:pPr>
+                  <a:defRPr/>
+                </a:pPr>
+                <a:r>
+                  <a:rPr cap="none" sz="1600" i="0" b="1" u="none">
+                    <a:solidFill>
+                      <a:srgbClr val="000000">
+                        <a:alpha val="100000"/>
+                      </a:srgbClr>
+                    </a:solidFill>
+                    <a:latin typeface="Arial"/>
+                    <a:cs typeface="Arial"/>
+                    <a:ea typeface="Arial"/>
+                    <a:sym typeface="Arial"/>
+                  </a:rPr>
+                  <a:t>Product</a:t>
+                </a:r>
+              </a:p>
+            </c:rich>
+          </c:tx>
+          <c:layout/>
+          <c:overlay val="0"/>
+        </c:title>
+        <c:majorTickMark val="cross"/>
+        <c:minorTickMark val="none"/>
+        <c:tickLblPos val="nextTo"/>
+        <c:txPr>
+          <a:bodyPr rot="0" vert="horz"/>
+          <a:lstStyle/>
+          <a:p>
+            <a:pPr>
+              <a:defRPr cap="none" sz="1000" i="0" b="0" u="none">
+                <a:solidFill>
+                  <a:srgbClr val="000000">
+                    <a:alpha val="100000"/>
+                  </a:srgbClr>
+                </a:solidFill>
+                <a:latin typeface="Arial"/>
+                <a:cs typeface="Arial"/>
+                <a:ea typeface="Arial"/>
+                <a:sym typeface="Arial"/>
+              </a:defRPr>
+            </a:pPr>
+          </a:p>
+        </c:txPr>
+        <c:spPr>
+          <a:ln algn="ctr" w="12700">
+            <a:solidFill>
+              <a:srgbClr val="999999">
+                <a:alpha val="60000"/>
+              </a:srgbClr>
+            </a:solidFill>
+            <a:prstDash val="solid"/>
+          </a:ln>
+        </c:spPr>
+        <c:numFmt formatCode="General" sourceLinked="0"/>
+        <c:crossAx val="64453248"/>
+        <c:crosses val="autoZero"/>
+      </c:catAx>
+      <c:valAx>
+        <c:axId val="64453248"/>
+        <c:scaling>
+          <c:orientation val="minMax"/>
+        </c:scaling>
+        <c:delete val="0"/>
+        <c:axPos val="l"/>
+        <c:majorGridlines>
+          <c:spPr>
+            <a:ln algn="ctr" w="12700">
+              <a:solidFill>
+                <a:srgbClr val="999999">
+                  <a:alpha val="60000"/>
+                </a:srgbClr>
+              </a:solidFill>
+              <a:prstDash val="sysDash"/>
+            </a:ln>
+          </c:spPr>
+        </c:majorGridlines>
+        <c:title>
+          <c:tx>
+            <c:rich>
+              <a:bodyPr rot="16200000" vert="horz" anchor="ctr"/>
+              <a:lstStyle/>
+              <a:p>
+                <a:pPr>
+                  <a:defRPr/>
+                </a:pPr>
+                <a:r>
+                  <a:rPr cap="none" sz="1600" i="0" b="1" u="none">
+                    <a:solidFill>
+                      <a:srgbClr val="000000">
+                        <a:alpha val="100000"/>
+                      </a:srgbClr>
+                    </a:solidFill>
+                    <a:latin typeface="Arial"/>
+                    <a:cs typeface="Arial"/>
+                    <a:ea typeface="Arial"/>
+                    <a:sym typeface="Arial"/>
+                  </a:rPr>
+                  <a:t>Value</a:t>
+                </a:r>
+              </a:p>
+            </c:rich>
+          </c:tx>
+          <c:layout/>
+          <c:overlay val="0"/>
+        </c:title>
+        <c:majorTickMark val="cross"/>
+        <c:minorTickMark val="none"/>
+        <c:tickLblPos val="nextTo"/>
+        <c:txPr>
+          <a:bodyPr rot="0" vert="horz"/>
+          <a:lstStyle/>
+          <a:p>
+            <a:pPr>
+              <a:defRPr cap="none" sz="1000" i="0" b="0" u="none">
+                <a:solidFill>
+                  <a:srgbClr val="000000">
+                    <a:alpha val="100000"/>
+                  </a:srgbClr>
+                </a:solidFill>
+                <a:latin typeface="Arial"/>
+                <a:cs typeface="Arial"/>
+                <a:ea typeface="Arial"/>
+                <a:sym typeface="Arial"/>
+              </a:defRPr>
+            </a:pPr>
+          </a:p>
+        </c:txPr>
+        <c:spPr>
+          <a:ln algn="ctr" w="12700">
+            <a:solidFill>
+              <a:srgbClr val="999999">
+                <a:alpha val="60000"/>
+              </a:srgbClr>
+            </a:solidFill>
+            <a:prstDash val="solid"/>
+          </a:ln>
+        </c:spPr>
+        <c:numFmt formatCode="General" sourceLinked="0"/>
+        <c:crossAx val="64451712"/>
+        <c:crosses val="autoZero"/>
+      </c:valAx>
+    </c:plotArea>
+    <c:legend>
+      <c:legendPos val="b"/>
+      <c:layout/>
+      <c:overlay val="0"/>
+      <c:txPr xmlns:c="http://schemas.openxmlformats.org/drawingml/2006/chart" xmlns:a="http://schemas.openxmlformats.org/drawingml/2006/main">
+        <a:bodyPr/>
+        <a:lstStyle/>
+        <a:p>
+          <a:pPr>
+            <a:defRPr cap="none" sz="1400" i="0" b="0" u="none">
+              <a:solidFill>
+                <a:srgbClr val="000000">
+                  <a:alpha val="100000"/>
+                </a:srgbClr>
+              </a:solidFill>
+              <a:latin typeface="Arial"/>
+              <a:cs typeface="Arial"/>
+              <a:ea typeface="Arial"/>
+              <a:sym typeface="Arial"/>
+            </a:defRPr>
+          </a:pPr>
+        </a:p>
+      </c:txPr>
+    </c:legend>
+    <c:plotVisOnly val="1"/>
+    <c:dispBlanksAs val="gap"/>
+    <c:showDLblsOverMax val="0"/>
+  </c:chart>
+  <c:txPr>
+    <a:bodyPr/>
+    <a:lstStyle/>
+    <a:p>
+      <a:pPr>
+        <a:defRPr sz="1800"/>
+      </a:pPr>
+      <a:endParaRPr lang="fr-FR"/>
+    </a:p>
+  </c:txPr>
+  <c:externalData r:id="rId1">
+    <c:autoUpdate val="0"/>
+  </c:externalData>
+</c:chartSpace>
 </file>
 
 <file path=ppt/slideLayouts/slideLayout1.xml><?xml version="1.0" encoding="utf-8"?>
@@ -3316,6 +4141,8389 @@
 </p:sld>
 </file>
 
+<file path=ppt/slides/slide6.xml><?xml version="1.0" encoding="utf-8"?>
+<p:sld xmlns:a="http://schemas.openxmlformats.org/drawingml/2006/main" xmlns:r="http://schemas.openxmlformats.org/officeDocument/2006/relationships" xmlns:p="http://schemas.openxmlformats.org/presentationml/2006/main">
+  <p:cSld>
+    <p:spTree>
+      <p:nvGrpSpPr>
+        <p:cNvPr id="1" name=""/>
+        <p:cNvGrpSpPr/>
+        <p:nvPr/>
+      </p:nvGrpSpPr>
+      <p:grpSpPr>
+        <a:xfrm>
+          <a:off x="0" y="0"/>
+          <a:ext cx="0" cy="0"/>
+          <a:chOff x="0" y="0"/>
+          <a:chExt cx="0" cy="0"/>
+        </a:xfrm>
+      </p:grpSpPr>
+      <p:graphicFrame xmlns:a="http://schemas.openxmlformats.org/drawingml/2006/main" xmlns:r="http://schemas.openxmlformats.org/officeDocument/2006/relationships" xmlns:p="http://schemas.openxmlformats.org/presentationml/2006/main">
+        <p:nvGraphicFramePr>
+          <p:cNvPr id="2" name=""/>
+          <p:cNvGraphicFramePr>
+            <a:graphicFrameLocks noGrp="true"/>
+          </p:cNvGraphicFramePr>
+          <p:nvPr/>
+        </p:nvGraphicFramePr>
+        <p:xfrm rot="0">
+          <a:off x="1828800" y="1828800"/>
+          <a:ext cx="3657600" cy="2743200"/>
+        </p:xfrm>
+        <a:graphic>
+          <a:graphicData uri="http://schemas.openxmlformats.org/drawingml/2006/table">
+            <a:tbl>
+              <a:tblPr/>
+              <a:tblGrid>
+                <a:gridCol w="1097280"/>
+                <a:gridCol w="594675"/>
+                <a:gridCol w="664525"/>
+                <a:gridCol w="578986"/>
+                <a:gridCol w="625576"/>
+              </a:tblGrid>
+              <a:tr h="391879">
+                <a:tc>
+                  <a:txBody>
+                    <a:bodyPr/>
+                    <a:lstStyle/>
+                    <a:p>
+                      <a:pPr algn="ctr" marL="63500" marR="63500">
+                        <a:lnSpc>
+                          <a:spcPct val="100000"/>
+                        </a:lnSpc>
+                        <a:spcBef>
+                          <a:spcPts val="500"/>
+                        </a:spcBef>
+                        <a:spcAft>
+                          <a:spcPts val="500"/>
+                        </a:spcAft>
+                        <a:buNone/>
+                      </a:pPr>
+                      <a:r>
+                        <a:rPr sz="1100" b="1">
+                          <a:solidFill>
+                            <a:srgbClr val="FFFFFF">
+                              <a:alpha val="100000"/>
+                            </a:srgbClr>
+                          </a:solidFill>
+                          <a:latin typeface="Roboto"/>
+                          <a:cs typeface="Roboto"/>
+                          <a:ea typeface="Roboto"/>
+                          <a:sym typeface="Roboto"/>
+                        </a:rPr>
+                        <a:t>Product</a:t>
+                      </a:r>
+                    </a:p>
+                  </a:txBody>
+                  <a:tcPr anchor="ctr" marB="0" marT="0" marR="0" marL="0">
+                    <a:lnL w="12700" cmpd="sng" algn="ctr" cap="flat">
+                      <a:solidFill>
+                        <a:srgbClr val="000000">
+                          <a:alpha val="100000"/>
+                        </a:srgbClr>
+                      </a:solidFill>
+                      <a:prstDash val="solid"/>
+                    </a:lnL>
+                    <a:lnR w="0" cmpd="sng" algn="ctr" cap="flat">
+                      <a:solidFill>
+                        <a:srgbClr val="FFFFFF">
+                          <a:alpha val="0"/>
+                        </a:srgbClr>
+                      </a:solidFill>
+                      <a:prstDash val="solid"/>
+                    </a:lnR>
+                    <a:lnT w="12700" cmpd="sng" algn="ctr" cap="flat">
+                      <a:solidFill>
+                        <a:srgbClr val="000000">
+                          <a:alpha val="100000"/>
+                        </a:srgbClr>
+                      </a:solidFill>
+                      <a:prstDash val="solid"/>
+                    </a:lnT>
+                    <a:lnB w="12700" cmpd="sng" algn="ctr" cap="flat">
+                      <a:solidFill>
+                        <a:srgbClr val="000000">
+                          <a:alpha val="100000"/>
+                        </a:srgbClr>
+                      </a:solidFill>
+                      <a:prstDash val="solid"/>
+                    </a:lnB>
+                    <a:solidFill>
+                      <a:srgbClr val="324C63">
+                        <a:alpha val="100000"/>
+                      </a:srgbClr>
+                    </a:solidFill>
+                  </a:tcPr>
+                </a:tc>
+                <a:tc>
+                  <a:txBody>
+                    <a:bodyPr/>
+                    <a:lstStyle/>
+                    <a:p>
+                      <a:pPr algn="ctr" marL="63500" marR="63500">
+                        <a:lnSpc>
+                          <a:spcPct val="100000"/>
+                        </a:lnSpc>
+                        <a:spcBef>
+                          <a:spcPts val="500"/>
+                        </a:spcBef>
+                        <a:spcAft>
+                          <a:spcPts val="500"/>
+                        </a:spcAft>
+                        <a:buNone/>
+                      </a:pPr>
+                      <a:r>
+                        <a:rPr sz="1100" b="1">
+                          <a:solidFill>
+                            <a:srgbClr val="FFFFFF">
+                              <a:alpha val="100000"/>
+                            </a:srgbClr>
+                          </a:solidFill>
+                          <a:latin typeface="Roboto"/>
+                          <a:cs typeface="Roboto"/>
+                          <a:ea typeface="Roboto"/>
+                          <a:sym typeface="Roboto"/>
+                        </a:rPr>
+                        <a:t>Salty</a:t>
+                      </a:r>
+                    </a:p>
+                  </a:txBody>
+                  <a:tcPr anchor="ctr" marB="0" marT="0" marR="0" marL="0">
+                    <a:lnL w="0" cmpd="sng" algn="ctr" cap="flat">
+                      <a:solidFill>
+                        <a:srgbClr val="FFFFFF">
+                          <a:alpha val="0"/>
+                        </a:srgbClr>
+                      </a:solidFill>
+                      <a:prstDash val="solid"/>
+                    </a:lnL>
+                    <a:lnR w="0" cmpd="sng" algn="ctr" cap="flat">
+                      <a:solidFill>
+                        <a:srgbClr val="FFFFFF">
+                          <a:alpha val="0"/>
+                        </a:srgbClr>
+                      </a:solidFill>
+                      <a:prstDash val="solid"/>
+                    </a:lnR>
+                    <a:lnT w="12700" cmpd="sng" algn="ctr" cap="flat">
+                      <a:solidFill>
+                        <a:srgbClr val="000000">
+                          <a:alpha val="100000"/>
+                        </a:srgbClr>
+                      </a:solidFill>
+                      <a:prstDash val="solid"/>
+                    </a:lnT>
+                    <a:lnB w="12700" cmpd="sng" algn="ctr" cap="flat">
+                      <a:solidFill>
+                        <a:srgbClr val="000000">
+                          <a:alpha val="100000"/>
+                        </a:srgbClr>
+                      </a:solidFill>
+                      <a:prstDash val="solid"/>
+                    </a:lnB>
+                    <a:solidFill>
+                      <a:srgbClr val="324C63">
+                        <a:alpha val="100000"/>
+                      </a:srgbClr>
+                    </a:solidFill>
+                  </a:tcPr>
+                </a:tc>
+                <a:tc>
+                  <a:txBody>
+                    <a:bodyPr/>
+                    <a:lstStyle/>
+                    <a:p>
+                      <a:pPr algn="ctr" marL="63500" marR="63500">
+                        <a:lnSpc>
+                          <a:spcPct val="100000"/>
+                        </a:lnSpc>
+                        <a:spcBef>
+                          <a:spcPts val="500"/>
+                        </a:spcBef>
+                        <a:spcAft>
+                          <a:spcPts val="500"/>
+                        </a:spcAft>
+                        <a:buNone/>
+                      </a:pPr>
+                      <a:r>
+                        <a:rPr sz="1100" b="1">
+                          <a:solidFill>
+                            <a:srgbClr val="FFFFFF">
+                              <a:alpha val="100000"/>
+                            </a:srgbClr>
+                          </a:solidFill>
+                          <a:latin typeface="Roboto"/>
+                          <a:cs typeface="Roboto"/>
+                          <a:ea typeface="Roboto"/>
+                          <a:sym typeface="Roboto"/>
+                        </a:rPr>
+                        <a:t>Sweet</a:t>
+                      </a:r>
+                    </a:p>
+                  </a:txBody>
+                  <a:tcPr anchor="ctr" marB="0" marT="0" marR="0" marL="0">
+                    <a:lnL w="0" cmpd="sng" algn="ctr" cap="flat">
+                      <a:solidFill>
+                        <a:srgbClr val="FFFFFF">
+                          <a:alpha val="0"/>
+                        </a:srgbClr>
+                      </a:solidFill>
+                      <a:prstDash val="solid"/>
+                    </a:lnL>
+                    <a:lnR w="0" cmpd="sng" algn="ctr" cap="flat">
+                      <a:solidFill>
+                        <a:srgbClr val="FFFFFF">
+                          <a:alpha val="0"/>
+                        </a:srgbClr>
+                      </a:solidFill>
+                      <a:prstDash val="solid"/>
+                    </a:lnR>
+                    <a:lnT w="12700" cmpd="sng" algn="ctr" cap="flat">
+                      <a:solidFill>
+                        <a:srgbClr val="000000">
+                          <a:alpha val="100000"/>
+                        </a:srgbClr>
+                      </a:solidFill>
+                      <a:prstDash val="solid"/>
+                    </a:lnT>
+                    <a:lnB w="12700" cmpd="sng" algn="ctr" cap="flat">
+                      <a:solidFill>
+                        <a:srgbClr val="000000">
+                          <a:alpha val="100000"/>
+                        </a:srgbClr>
+                      </a:solidFill>
+                      <a:prstDash val="solid"/>
+                    </a:lnB>
+                    <a:solidFill>
+                      <a:srgbClr val="324C63">
+                        <a:alpha val="100000"/>
+                      </a:srgbClr>
+                    </a:solidFill>
+                  </a:tcPr>
+                </a:tc>
+                <a:tc>
+                  <a:txBody>
+                    <a:bodyPr/>
+                    <a:lstStyle/>
+                    <a:p>
+                      <a:pPr algn="ctr" marL="63500" marR="63500">
+                        <a:lnSpc>
+                          <a:spcPct val="100000"/>
+                        </a:lnSpc>
+                        <a:spcBef>
+                          <a:spcPts val="500"/>
+                        </a:spcBef>
+                        <a:spcAft>
+                          <a:spcPts val="500"/>
+                        </a:spcAft>
+                        <a:buNone/>
+                      </a:pPr>
+                      <a:r>
+                        <a:rPr sz="1100" b="1">
+                          <a:solidFill>
+                            <a:srgbClr val="FFFFFF">
+                              <a:alpha val="100000"/>
+                            </a:srgbClr>
+                          </a:solidFill>
+                          <a:latin typeface="Roboto"/>
+                          <a:cs typeface="Roboto"/>
+                          <a:ea typeface="Roboto"/>
+                          <a:sym typeface="Roboto"/>
+                        </a:rPr>
+                        <a:t>Sour</a:t>
+                      </a:r>
+                    </a:p>
+                  </a:txBody>
+                  <a:tcPr anchor="ctr" marB="0" marT="0" marR="0" marL="0">
+                    <a:lnL w="0" cmpd="sng" algn="ctr" cap="flat">
+                      <a:solidFill>
+                        <a:srgbClr val="FFFFFF">
+                          <a:alpha val="0"/>
+                        </a:srgbClr>
+                      </a:solidFill>
+                      <a:prstDash val="solid"/>
+                    </a:lnL>
+                    <a:lnR w="0" cmpd="sng" algn="ctr" cap="flat">
+                      <a:solidFill>
+                        <a:srgbClr val="FFFFFF">
+                          <a:alpha val="0"/>
+                        </a:srgbClr>
+                      </a:solidFill>
+                      <a:prstDash val="solid"/>
+                    </a:lnR>
+                    <a:lnT w="12700" cmpd="sng" algn="ctr" cap="flat">
+                      <a:solidFill>
+                        <a:srgbClr val="000000">
+                          <a:alpha val="100000"/>
+                        </a:srgbClr>
+                      </a:solidFill>
+                      <a:prstDash val="solid"/>
+                    </a:lnT>
+                    <a:lnB w="12700" cmpd="sng" algn="ctr" cap="flat">
+                      <a:solidFill>
+                        <a:srgbClr val="000000">
+                          <a:alpha val="100000"/>
+                        </a:srgbClr>
+                      </a:solidFill>
+                      <a:prstDash val="solid"/>
+                    </a:lnB>
+                    <a:solidFill>
+                      <a:srgbClr val="324C63">
+                        <a:alpha val="100000"/>
+                      </a:srgbClr>
+                    </a:solidFill>
+                  </a:tcPr>
+                </a:tc>
+                <a:tc>
+                  <a:txBody>
+                    <a:bodyPr/>
+                    <a:lstStyle/>
+                    <a:p>
+                      <a:pPr algn="ctr" marL="63500" marR="63500">
+                        <a:lnSpc>
+                          <a:spcPct val="100000"/>
+                        </a:lnSpc>
+                        <a:spcBef>
+                          <a:spcPts val="500"/>
+                        </a:spcBef>
+                        <a:spcAft>
+                          <a:spcPts val="500"/>
+                        </a:spcAft>
+                        <a:buNone/>
+                      </a:pPr>
+                      <a:r>
+                        <a:rPr sz="1100" b="1">
+                          <a:solidFill>
+                            <a:srgbClr val="FFFFFF">
+                              <a:alpha val="100000"/>
+                            </a:srgbClr>
+                          </a:solidFill>
+                          <a:latin typeface="Roboto"/>
+                          <a:cs typeface="Roboto"/>
+                          <a:ea typeface="Roboto"/>
+                          <a:sym typeface="Roboto"/>
+                        </a:rPr>
+                        <a:t>Bitter</a:t>
+                      </a:r>
+                    </a:p>
+                  </a:txBody>
+                  <a:tcPr anchor="ctr" marB="0" marT="0" marR="0" marL="0">
+                    <a:lnL w="0" cmpd="sng" algn="ctr" cap="flat">
+                      <a:solidFill>
+                        <a:srgbClr val="FFFFFF">
+                          <a:alpha val="0"/>
+                        </a:srgbClr>
+                      </a:solidFill>
+                      <a:prstDash val="solid"/>
+                    </a:lnL>
+                    <a:lnR w="12700" cmpd="sng" algn="ctr" cap="flat">
+                      <a:solidFill>
+                        <a:srgbClr val="000000">
+                          <a:alpha val="100000"/>
+                        </a:srgbClr>
+                      </a:solidFill>
+                      <a:prstDash val="solid"/>
+                    </a:lnR>
+                    <a:lnT w="12700" cmpd="sng" algn="ctr" cap="flat">
+                      <a:solidFill>
+                        <a:srgbClr val="000000">
+                          <a:alpha val="100000"/>
+                        </a:srgbClr>
+                      </a:solidFill>
+                      <a:prstDash val="solid"/>
+                    </a:lnT>
+                    <a:lnB w="12700" cmpd="sng" algn="ctr" cap="flat">
+                      <a:solidFill>
+                        <a:srgbClr val="000000">
+                          <a:alpha val="100000"/>
+                        </a:srgbClr>
+                      </a:solidFill>
+                      <a:prstDash val="solid"/>
+                    </a:lnB>
+                    <a:solidFill>
+                      <a:srgbClr val="324C63">
+                        <a:alpha val="100000"/>
+                      </a:srgbClr>
+                    </a:solidFill>
+                  </a:tcPr>
+                </a:tc>
+              </a:tr>
+              <a:tr h="351633">
+                <a:tc>
+                  <a:txBody>
+                    <a:bodyPr/>
+                    <a:lstStyle/>
+                    <a:p>
+                      <a:pPr algn="l" marL="63500" marR="63500">
+                        <a:lnSpc>
+                          <a:spcPct val="100000"/>
+                        </a:lnSpc>
+                        <a:spcBef>
+                          <a:spcPts val="500"/>
+                        </a:spcBef>
+                        <a:spcAft>
+                          <a:spcPts val="500"/>
+                        </a:spcAft>
+                        <a:buNone/>
+                      </a:pPr>
+                      <a:r>
+                        <a:rPr sz="1100">
+                          <a:solidFill>
+                            <a:srgbClr val="000000">
+                              <a:alpha val="100000"/>
+                            </a:srgbClr>
+                          </a:solidFill>
+                          <a:latin typeface="Calibri"/>
+                          <a:cs typeface="Calibri"/>
+                          <a:ea typeface="Calibri"/>
+                          <a:sym typeface="Calibri"/>
+                        </a:rPr>
+                        <a:t>P01</a:t>
+                      </a:r>
+                    </a:p>
+                  </a:txBody>
+                  <a:tcPr anchor="ctr" marB="0" marT="0" marR="0" marL="0">
+                    <a:lnL w="12700" cmpd="sng" algn="ctr" cap="flat">
+                      <a:solidFill>
+                        <a:srgbClr val="000000">
+                          <a:alpha val="100000"/>
+                        </a:srgbClr>
+                      </a:solidFill>
+                      <a:prstDash val="solid"/>
+                    </a:lnL>
+                    <a:lnR w="12700" cmpd="sng" algn="ctr" cap="flat">
+                      <a:solidFill>
+                        <a:srgbClr val="000000">
+                          <a:alpha val="100000"/>
+                        </a:srgbClr>
+                      </a:solidFill>
+                      <a:prstDash val="sysDash"/>
+                    </a:lnR>
+                    <a:lnT w="0" cmpd="sng" algn="ctr" cap="flat">
+                      <a:solidFill>
+                        <a:srgbClr val="FFFFFF">
+                          <a:alpha val="0"/>
+                        </a:srgbClr>
+                      </a:solidFill>
+                      <a:prstDash val="solid"/>
+                    </a:lnT>
+                    <a:lnB w="12700" cmpd="sng" algn="ctr" cap="flat">
+                      <a:solidFill>
+                        <a:srgbClr val="000000">
+                          <a:alpha val="100000"/>
+                        </a:srgbClr>
+                      </a:solidFill>
+                      <a:prstDash val="sysDash"/>
+                    </a:lnB>
+                    <a:solidFill>
+                      <a:srgbClr val="EDEDED">
+                        <a:alpha val="100000"/>
+                      </a:srgbClr>
+                    </a:solidFill>
+                  </a:tcPr>
+                </a:tc>
+                <a:tc>
+                  <a:txBody>
+                    <a:bodyPr/>
+                    <a:lstStyle/>
+                    <a:p>
+                      <a:pPr algn="r" marL="63500" marR="63500">
+                        <a:lnSpc>
+                          <a:spcPct val="100000"/>
+                        </a:lnSpc>
+                        <a:spcBef>
+                          <a:spcPts val="500"/>
+                        </a:spcBef>
+                        <a:spcAft>
+                          <a:spcPts val="500"/>
+                        </a:spcAft>
+                        <a:buNone/>
+                      </a:pPr>
+                      <a:r>
+                        <a:rPr sz="1100">
+                          <a:solidFill>
+                            <a:srgbClr val="000000">
+                              <a:alpha val="100000"/>
+                            </a:srgbClr>
+                          </a:solidFill>
+                          <a:latin typeface="Calibri"/>
+                          <a:cs typeface="Calibri"/>
+                          <a:ea typeface="Calibri"/>
+                          <a:sym typeface="Calibri"/>
+                        </a:rPr>
+                        <a:t>5.10</a:t>
+                      </a:r>
+                    </a:p>
+                  </a:txBody>
+                  <a:tcPr anchor="ctr" marB="0" marT="0" marR="0" marL="0">
+                    <a:lnL w="12700" cmpd="sng" algn="ctr" cap="flat">
+                      <a:solidFill>
+                        <a:srgbClr val="000000">
+                          <a:alpha val="100000"/>
+                        </a:srgbClr>
+                      </a:solidFill>
+                      <a:prstDash val="sysDash"/>
+                    </a:lnL>
+                    <a:lnR w="12700" cmpd="sng" algn="ctr" cap="flat">
+                      <a:solidFill>
+                        <a:srgbClr val="000000">
+                          <a:alpha val="100000"/>
+                        </a:srgbClr>
+                      </a:solidFill>
+                      <a:prstDash val="sysDash"/>
+                    </a:lnR>
+                    <a:lnT w="0" cmpd="sng" algn="ctr" cap="flat">
+                      <a:solidFill>
+                        <a:srgbClr val="FFFFFF">
+                          <a:alpha val="0"/>
+                        </a:srgbClr>
+                      </a:solidFill>
+                      <a:prstDash val="solid"/>
+                    </a:lnT>
+                    <a:lnB w="12700" cmpd="sng" algn="ctr" cap="flat">
+                      <a:solidFill>
+                        <a:srgbClr val="000000">
+                          <a:alpha val="100000"/>
+                        </a:srgbClr>
+                      </a:solidFill>
+                      <a:prstDash val="sysDash"/>
+                    </a:lnB>
+                    <a:solidFill>
+                      <a:srgbClr val="EDEDED">
+                        <a:alpha val="100000"/>
+                      </a:srgbClr>
+                    </a:solidFill>
+                  </a:tcPr>
+                </a:tc>
+                <a:tc>
+                  <a:txBody>
+                    <a:bodyPr/>
+                    <a:lstStyle/>
+                    <a:p>
+                      <a:pPr algn="r" marL="63500" marR="63500">
+                        <a:lnSpc>
+                          <a:spcPct val="100000"/>
+                        </a:lnSpc>
+                        <a:spcBef>
+                          <a:spcPts val="500"/>
+                        </a:spcBef>
+                        <a:spcAft>
+                          <a:spcPts val="500"/>
+                        </a:spcAft>
+                        <a:buNone/>
+                      </a:pPr>
+                      <a:r>
+                        <a:rPr sz="1100">
+                          <a:solidFill>
+                            <a:srgbClr val="000000">
+                              <a:alpha val="100000"/>
+                            </a:srgbClr>
+                          </a:solidFill>
+                          <a:latin typeface="Calibri"/>
+                          <a:cs typeface="Calibri"/>
+                          <a:ea typeface="Calibri"/>
+                          <a:sym typeface="Calibri"/>
+                        </a:rPr>
+                        <a:t>22.20</a:t>
+                      </a:r>
+                    </a:p>
+                  </a:txBody>
+                  <a:tcPr anchor="ctr" marB="0" marT="0" marR="0" marL="0">
+                    <a:lnL w="12700" cmpd="sng" algn="ctr" cap="flat">
+                      <a:solidFill>
+                        <a:srgbClr val="000000">
+                          <a:alpha val="100000"/>
+                        </a:srgbClr>
+                      </a:solidFill>
+                      <a:prstDash val="sysDash"/>
+                    </a:lnL>
+                    <a:lnR w="12700" cmpd="sng" algn="ctr" cap="flat">
+                      <a:solidFill>
+                        <a:srgbClr val="000000">
+                          <a:alpha val="100000"/>
+                        </a:srgbClr>
+                      </a:solidFill>
+                      <a:prstDash val="sysDash"/>
+                    </a:lnR>
+                    <a:lnT w="0" cmpd="sng" algn="ctr" cap="flat">
+                      <a:solidFill>
+                        <a:srgbClr val="FFFFFF">
+                          <a:alpha val="0"/>
+                        </a:srgbClr>
+                      </a:solidFill>
+                      <a:prstDash val="solid"/>
+                    </a:lnT>
+                    <a:lnB w="12700" cmpd="sng" algn="ctr" cap="flat">
+                      <a:solidFill>
+                        <a:srgbClr val="000000">
+                          <a:alpha val="100000"/>
+                        </a:srgbClr>
+                      </a:solidFill>
+                      <a:prstDash val="sysDash"/>
+                    </a:lnB>
+                    <a:solidFill>
+                      <a:srgbClr val="EDEDED">
+                        <a:alpha val="100000"/>
+                      </a:srgbClr>
+                    </a:solidFill>
+                  </a:tcPr>
+                </a:tc>
+                <a:tc>
+                  <a:txBody>
+                    <a:bodyPr/>
+                    <a:lstStyle/>
+                    <a:p>
+                      <a:pPr algn="r" marL="63500" marR="63500">
+                        <a:lnSpc>
+                          <a:spcPct val="100000"/>
+                        </a:lnSpc>
+                        <a:spcBef>
+                          <a:spcPts val="500"/>
+                        </a:spcBef>
+                        <a:spcAft>
+                          <a:spcPts val="500"/>
+                        </a:spcAft>
+                        <a:buNone/>
+                      </a:pPr>
+                      <a:r>
+                        <a:rPr sz="1100">
+                          <a:solidFill>
+                            <a:srgbClr val="000000">
+                              <a:alpha val="100000"/>
+                            </a:srgbClr>
+                          </a:solidFill>
+                          <a:latin typeface="Calibri"/>
+                          <a:cs typeface="Calibri"/>
+                          <a:ea typeface="Calibri"/>
+                          <a:sym typeface="Calibri"/>
+                        </a:rPr>
+                        <a:t>0.00</a:t>
+                      </a:r>
+                    </a:p>
+                  </a:txBody>
+                  <a:tcPr anchor="ctr" marB="0" marT="0" marR="0" marL="0">
+                    <a:lnL w="12700" cmpd="sng" algn="ctr" cap="flat">
+                      <a:solidFill>
+                        <a:srgbClr val="000000">
+                          <a:alpha val="100000"/>
+                        </a:srgbClr>
+                      </a:solidFill>
+                      <a:prstDash val="sysDash"/>
+                    </a:lnL>
+                    <a:lnR w="12700" cmpd="sng" algn="ctr" cap="flat">
+                      <a:solidFill>
+                        <a:srgbClr val="000000">
+                          <a:alpha val="100000"/>
+                        </a:srgbClr>
+                      </a:solidFill>
+                      <a:prstDash val="sysDash"/>
+                    </a:lnR>
+                    <a:lnT w="0" cmpd="sng" algn="ctr" cap="flat">
+                      <a:solidFill>
+                        <a:srgbClr val="FFFFFF">
+                          <a:alpha val="0"/>
+                        </a:srgbClr>
+                      </a:solidFill>
+                      <a:prstDash val="solid"/>
+                    </a:lnT>
+                    <a:lnB w="12700" cmpd="sng" algn="ctr" cap="flat">
+                      <a:solidFill>
+                        <a:srgbClr val="000000">
+                          <a:alpha val="100000"/>
+                        </a:srgbClr>
+                      </a:solidFill>
+                      <a:prstDash val="sysDash"/>
+                    </a:lnB>
+                    <a:solidFill>
+                      <a:srgbClr val="EDEDED">
+                        <a:alpha val="100000"/>
+                      </a:srgbClr>
+                    </a:solidFill>
+                  </a:tcPr>
+                </a:tc>
+                <a:tc>
+                  <a:txBody>
+                    <a:bodyPr/>
+                    <a:lstStyle/>
+                    <a:p>
+                      <a:pPr algn="r" marL="63500" marR="63500">
+                        <a:lnSpc>
+                          <a:spcPct val="100000"/>
+                        </a:lnSpc>
+                        <a:spcBef>
+                          <a:spcPts val="500"/>
+                        </a:spcBef>
+                        <a:spcAft>
+                          <a:spcPts val="500"/>
+                        </a:spcAft>
+                        <a:buNone/>
+                      </a:pPr>
+                      <a:r>
+                        <a:rPr sz="1100">
+                          <a:solidFill>
+                            <a:srgbClr val="000000">
+                              <a:alpha val="100000"/>
+                            </a:srgbClr>
+                          </a:solidFill>
+                          <a:latin typeface="Calibri"/>
+                          <a:cs typeface="Calibri"/>
+                          <a:ea typeface="Calibri"/>
+                          <a:sym typeface="Calibri"/>
+                        </a:rPr>
+                        <a:t>8.00</a:t>
+                      </a:r>
+                    </a:p>
+                  </a:txBody>
+                  <a:tcPr anchor="ctr" marB="0" marT="0" marR="0" marL="0">
+                    <a:lnL w="12700" cmpd="sng" algn="ctr" cap="flat">
+                      <a:solidFill>
+                        <a:srgbClr val="000000">
+                          <a:alpha val="100000"/>
+                        </a:srgbClr>
+                      </a:solidFill>
+                      <a:prstDash val="sysDash"/>
+                    </a:lnL>
+                    <a:lnR w="12700" cmpd="sng" algn="ctr" cap="flat">
+                      <a:solidFill>
+                        <a:srgbClr val="000000">
+                          <a:alpha val="100000"/>
+                        </a:srgbClr>
+                      </a:solidFill>
+                      <a:prstDash val="solid"/>
+                    </a:lnR>
+                    <a:lnT w="0" cmpd="sng" algn="ctr" cap="flat">
+                      <a:solidFill>
+                        <a:srgbClr val="FFFFFF">
+                          <a:alpha val="0"/>
+                        </a:srgbClr>
+                      </a:solidFill>
+                      <a:prstDash val="solid"/>
+                    </a:lnT>
+                    <a:lnB w="12700" cmpd="sng" algn="ctr" cap="flat">
+                      <a:solidFill>
+                        <a:srgbClr val="000000">
+                          <a:alpha val="100000"/>
+                        </a:srgbClr>
+                      </a:solidFill>
+                      <a:prstDash val="sysDash"/>
+                    </a:lnB>
+                    <a:solidFill>
+                      <a:srgbClr val="EDEDED">
+                        <a:alpha val="100000"/>
+                      </a:srgbClr>
+                    </a:solidFill>
+                  </a:tcPr>
+                </a:tc>
+              </a:tr>
+              <a:tr h="351633">
+                <a:tc>
+                  <a:txBody>
+                    <a:bodyPr/>
+                    <a:lstStyle/>
+                    <a:p>
+                      <a:pPr algn="l" marL="63500" marR="63500">
+                        <a:lnSpc>
+                          <a:spcPct val="100000"/>
+                        </a:lnSpc>
+                        <a:spcBef>
+                          <a:spcPts val="500"/>
+                        </a:spcBef>
+                        <a:spcAft>
+                          <a:spcPts val="500"/>
+                        </a:spcAft>
+                        <a:buNone/>
+                      </a:pPr>
+                      <a:r>
+                        <a:rPr sz="1100">
+                          <a:solidFill>
+                            <a:srgbClr val="000000">
+                              <a:alpha val="100000"/>
+                            </a:srgbClr>
+                          </a:solidFill>
+                          <a:latin typeface="Calibri"/>
+                          <a:cs typeface="Calibri"/>
+                          <a:ea typeface="Calibri"/>
+                          <a:sym typeface="Calibri"/>
+                        </a:rPr>
+                        <a:t>P02</a:t>
+                      </a:r>
+                    </a:p>
+                  </a:txBody>
+                  <a:tcPr anchor="ctr" marB="0" marT="0" marR="0" marL="0">
+                    <a:lnL w="12700" cmpd="sng" algn="ctr" cap="flat">
+                      <a:solidFill>
+                        <a:srgbClr val="000000">
+                          <a:alpha val="100000"/>
+                        </a:srgbClr>
+                      </a:solidFill>
+                      <a:prstDash val="solid"/>
+                    </a:lnL>
+                    <a:lnR w="12700" cmpd="sng" algn="ctr" cap="flat">
+                      <a:solidFill>
+                        <a:srgbClr val="000000">
+                          <a:alpha val="100000"/>
+                        </a:srgbClr>
+                      </a:solidFill>
+                      <a:prstDash val="sysDash"/>
+                    </a:lnR>
+                    <a:lnT w="12700" cmpd="sng" algn="ctr" cap="flat">
+                      <a:solidFill>
+                        <a:srgbClr val="000000">
+                          <a:alpha val="100000"/>
+                        </a:srgbClr>
+                      </a:solidFill>
+                      <a:prstDash val="sysDash"/>
+                    </a:lnT>
+                    <a:lnB w="12700" cmpd="sng" algn="ctr" cap="flat">
+                      <a:solidFill>
+                        <a:srgbClr val="000000">
+                          <a:alpha val="100000"/>
+                        </a:srgbClr>
+                      </a:solidFill>
+                      <a:prstDash val="sysDash"/>
+                    </a:lnB>
+                    <a:solidFill>
+                      <a:srgbClr val="EDEDED">
+                        <a:alpha val="100000"/>
+                      </a:srgbClr>
+                    </a:solidFill>
+                  </a:tcPr>
+                </a:tc>
+                <a:tc>
+                  <a:txBody>
+                    <a:bodyPr/>
+                    <a:lstStyle/>
+                    <a:p>
+                      <a:pPr algn="r" marL="63500" marR="63500">
+                        <a:lnSpc>
+                          <a:spcPct val="100000"/>
+                        </a:lnSpc>
+                        <a:spcBef>
+                          <a:spcPts val="500"/>
+                        </a:spcBef>
+                        <a:spcAft>
+                          <a:spcPts val="500"/>
+                        </a:spcAft>
+                        <a:buNone/>
+                      </a:pPr>
+                      <a:r>
+                        <a:rPr sz="1100">
+                          <a:solidFill>
+                            <a:srgbClr val="000000">
+                              <a:alpha val="100000"/>
+                            </a:srgbClr>
+                          </a:solidFill>
+                          <a:latin typeface="Calibri"/>
+                          <a:cs typeface="Calibri"/>
+                          <a:ea typeface="Calibri"/>
+                          <a:sym typeface="Calibri"/>
+                        </a:rPr>
+                        <a:t>2.93</a:t>
+                      </a:r>
+                    </a:p>
+                  </a:txBody>
+                  <a:tcPr anchor="ctr" marB="0" marT="0" marR="0" marL="0">
+                    <a:lnL w="12700" cmpd="sng" algn="ctr" cap="flat">
+                      <a:solidFill>
+                        <a:srgbClr val="000000">
+                          <a:alpha val="100000"/>
+                        </a:srgbClr>
+                      </a:solidFill>
+                      <a:prstDash val="sysDash"/>
+                    </a:lnL>
+                    <a:lnR w="12700" cmpd="sng" algn="ctr" cap="flat">
+                      <a:solidFill>
+                        <a:srgbClr val="000000">
+                          <a:alpha val="100000"/>
+                        </a:srgbClr>
+                      </a:solidFill>
+                      <a:prstDash val="sysDash"/>
+                    </a:lnR>
+                    <a:lnT w="12700" cmpd="sng" algn="ctr" cap="flat">
+                      <a:solidFill>
+                        <a:srgbClr val="000000">
+                          <a:alpha val="100000"/>
+                        </a:srgbClr>
+                      </a:solidFill>
+                      <a:prstDash val="sysDash"/>
+                    </a:lnT>
+                    <a:lnB w="12700" cmpd="sng" algn="ctr" cap="flat">
+                      <a:solidFill>
+                        <a:srgbClr val="000000">
+                          <a:alpha val="100000"/>
+                        </a:srgbClr>
+                      </a:solidFill>
+                      <a:prstDash val="sysDash"/>
+                    </a:lnB>
+                    <a:solidFill>
+                      <a:srgbClr val="EDEDED">
+                        <a:alpha val="100000"/>
+                      </a:srgbClr>
+                    </a:solidFill>
+                  </a:tcPr>
+                </a:tc>
+                <a:tc>
+                  <a:txBody>
+                    <a:bodyPr/>
+                    <a:lstStyle/>
+                    <a:p>
+                      <a:pPr algn="r" marL="63500" marR="63500">
+                        <a:lnSpc>
+                          <a:spcPct val="100000"/>
+                        </a:lnSpc>
+                        <a:spcBef>
+                          <a:spcPts val="500"/>
+                        </a:spcBef>
+                        <a:spcAft>
+                          <a:spcPts val="500"/>
+                        </a:spcAft>
+                        <a:buNone/>
+                      </a:pPr>
+                      <a:r>
+                        <a:rPr sz="1100">
+                          <a:solidFill>
+                            <a:srgbClr val="000000">
+                              <a:alpha val="100000"/>
+                            </a:srgbClr>
+                          </a:solidFill>
+                          <a:latin typeface="Calibri"/>
+                          <a:cs typeface="Calibri"/>
+                          <a:ea typeface="Calibri"/>
+                          <a:sym typeface="Calibri"/>
+                        </a:rPr>
+                        <a:t>15.80</a:t>
+                      </a:r>
+                    </a:p>
+                  </a:txBody>
+                  <a:tcPr anchor="ctr" marB="0" marT="0" marR="0" marL="0">
+                    <a:lnL w="12700" cmpd="sng" algn="ctr" cap="flat">
+                      <a:solidFill>
+                        <a:srgbClr val="000000">
+                          <a:alpha val="100000"/>
+                        </a:srgbClr>
+                      </a:solidFill>
+                      <a:prstDash val="sysDash"/>
+                    </a:lnL>
+                    <a:lnR w="12700" cmpd="sng" algn="ctr" cap="flat">
+                      <a:solidFill>
+                        <a:srgbClr val="000000">
+                          <a:alpha val="100000"/>
+                        </a:srgbClr>
+                      </a:solidFill>
+                      <a:prstDash val="sysDash"/>
+                    </a:lnR>
+                    <a:lnT w="12700" cmpd="sng" algn="ctr" cap="flat">
+                      <a:solidFill>
+                        <a:srgbClr val="000000">
+                          <a:alpha val="100000"/>
+                        </a:srgbClr>
+                      </a:solidFill>
+                      <a:prstDash val="sysDash"/>
+                    </a:lnT>
+                    <a:lnB w="12700" cmpd="sng" algn="ctr" cap="flat">
+                      <a:solidFill>
+                        <a:srgbClr val="000000">
+                          <a:alpha val="100000"/>
+                        </a:srgbClr>
+                      </a:solidFill>
+                      <a:prstDash val="sysDash"/>
+                    </a:lnB>
+                    <a:solidFill>
+                      <a:srgbClr val="EDEDED">
+                        <a:alpha val="100000"/>
+                      </a:srgbClr>
+                    </a:solidFill>
+                  </a:tcPr>
+                </a:tc>
+                <a:tc>
+                  <a:txBody>
+                    <a:bodyPr/>
+                    <a:lstStyle/>
+                    <a:p>
+                      <a:pPr algn="r" marL="63500" marR="63500">
+                        <a:lnSpc>
+                          <a:spcPct val="100000"/>
+                        </a:lnSpc>
+                        <a:spcBef>
+                          <a:spcPts val="500"/>
+                        </a:spcBef>
+                        <a:spcAft>
+                          <a:spcPts val="500"/>
+                        </a:spcAft>
+                        <a:buNone/>
+                      </a:pPr>
+                      <a:r>
+                        <a:rPr sz="1100">
+                          <a:solidFill>
+                            <a:srgbClr val="000000">
+                              <a:alpha val="100000"/>
+                            </a:srgbClr>
+                          </a:solidFill>
+                          <a:latin typeface="Calibri"/>
+                          <a:cs typeface="Calibri"/>
+                          <a:ea typeface="Calibri"/>
+                          <a:sym typeface="Calibri"/>
+                        </a:rPr>
+                        <a:t>0.00</a:t>
+                      </a:r>
+                    </a:p>
+                  </a:txBody>
+                  <a:tcPr anchor="ctr" marB="0" marT="0" marR="0" marL="0">
+                    <a:lnL w="12700" cmpd="sng" algn="ctr" cap="flat">
+                      <a:solidFill>
+                        <a:srgbClr val="000000">
+                          <a:alpha val="100000"/>
+                        </a:srgbClr>
+                      </a:solidFill>
+                      <a:prstDash val="sysDash"/>
+                    </a:lnL>
+                    <a:lnR w="12700" cmpd="sng" algn="ctr" cap="flat">
+                      <a:solidFill>
+                        <a:srgbClr val="000000">
+                          <a:alpha val="100000"/>
+                        </a:srgbClr>
+                      </a:solidFill>
+                      <a:prstDash val="sysDash"/>
+                    </a:lnR>
+                    <a:lnT w="12700" cmpd="sng" algn="ctr" cap="flat">
+                      <a:solidFill>
+                        <a:srgbClr val="000000">
+                          <a:alpha val="100000"/>
+                        </a:srgbClr>
+                      </a:solidFill>
+                      <a:prstDash val="sysDash"/>
+                    </a:lnT>
+                    <a:lnB w="12700" cmpd="sng" algn="ctr" cap="flat">
+                      <a:solidFill>
+                        <a:srgbClr val="000000">
+                          <a:alpha val="100000"/>
+                        </a:srgbClr>
+                      </a:solidFill>
+                      <a:prstDash val="sysDash"/>
+                    </a:lnB>
+                    <a:solidFill>
+                      <a:srgbClr val="EDEDED">
+                        <a:alpha val="100000"/>
+                      </a:srgbClr>
+                    </a:solidFill>
+                  </a:tcPr>
+                </a:tc>
+                <a:tc>
+                  <a:txBody>
+                    <a:bodyPr/>
+                    <a:lstStyle/>
+                    <a:p>
+                      <a:pPr algn="r" marL="63500" marR="63500">
+                        <a:lnSpc>
+                          <a:spcPct val="100000"/>
+                        </a:lnSpc>
+                        <a:spcBef>
+                          <a:spcPts val="500"/>
+                        </a:spcBef>
+                        <a:spcAft>
+                          <a:spcPts val="500"/>
+                        </a:spcAft>
+                        <a:buNone/>
+                      </a:pPr>
+                      <a:r>
+                        <a:rPr sz="1100">
+                          <a:solidFill>
+                            <a:srgbClr val="000000">
+                              <a:alpha val="100000"/>
+                            </a:srgbClr>
+                          </a:solidFill>
+                          <a:latin typeface="Calibri"/>
+                          <a:cs typeface="Calibri"/>
+                          <a:ea typeface="Calibri"/>
+                          <a:sym typeface="Calibri"/>
+                        </a:rPr>
+                        <a:t>4.93</a:t>
+                      </a:r>
+                    </a:p>
+                  </a:txBody>
+                  <a:tcPr anchor="ctr" marB="0" marT="0" marR="0" marL="0">
+                    <a:lnL w="12700" cmpd="sng" algn="ctr" cap="flat">
+                      <a:solidFill>
+                        <a:srgbClr val="000000">
+                          <a:alpha val="100000"/>
+                        </a:srgbClr>
+                      </a:solidFill>
+                      <a:prstDash val="sysDash"/>
+                    </a:lnL>
+                    <a:lnR w="12700" cmpd="sng" algn="ctr" cap="flat">
+                      <a:solidFill>
+                        <a:srgbClr val="000000">
+                          <a:alpha val="100000"/>
+                        </a:srgbClr>
+                      </a:solidFill>
+                      <a:prstDash val="solid"/>
+                    </a:lnR>
+                    <a:lnT w="12700" cmpd="sng" algn="ctr" cap="flat">
+                      <a:solidFill>
+                        <a:srgbClr val="000000">
+                          <a:alpha val="100000"/>
+                        </a:srgbClr>
+                      </a:solidFill>
+                      <a:prstDash val="sysDash"/>
+                    </a:lnT>
+                    <a:lnB w="12700" cmpd="sng" algn="ctr" cap="flat">
+                      <a:solidFill>
+                        <a:srgbClr val="000000">
+                          <a:alpha val="100000"/>
+                        </a:srgbClr>
+                      </a:solidFill>
+                      <a:prstDash val="sysDash"/>
+                    </a:lnB>
+                    <a:solidFill>
+                      <a:srgbClr val="EDEDED">
+                        <a:alpha val="100000"/>
+                      </a:srgbClr>
+                    </a:solidFill>
+                  </a:tcPr>
+                </a:tc>
+              </a:tr>
+              <a:tr h="351633">
+                <a:tc>
+                  <a:txBody>
+                    <a:bodyPr/>
+                    <a:lstStyle/>
+                    <a:p>
+                      <a:pPr algn="l" marL="63500" marR="63500">
+                        <a:lnSpc>
+                          <a:spcPct val="100000"/>
+                        </a:lnSpc>
+                        <a:spcBef>
+                          <a:spcPts val="500"/>
+                        </a:spcBef>
+                        <a:spcAft>
+                          <a:spcPts val="500"/>
+                        </a:spcAft>
+                        <a:buNone/>
+                      </a:pPr>
+                      <a:r>
+                        <a:rPr sz="1100">
+                          <a:solidFill>
+                            <a:srgbClr val="000000">
+                              <a:alpha val="100000"/>
+                            </a:srgbClr>
+                          </a:solidFill>
+                          <a:latin typeface="Calibri"/>
+                          <a:cs typeface="Calibri"/>
+                          <a:ea typeface="Calibri"/>
+                          <a:sym typeface="Calibri"/>
+                        </a:rPr>
+                        <a:t>P03</a:t>
+                      </a:r>
+                    </a:p>
+                  </a:txBody>
+                  <a:tcPr anchor="ctr" marB="0" marT="0" marR="0" marL="0">
+                    <a:lnL w="12700" cmpd="sng" algn="ctr" cap="flat">
+                      <a:solidFill>
+                        <a:srgbClr val="000000">
+                          <a:alpha val="100000"/>
+                        </a:srgbClr>
+                      </a:solidFill>
+                      <a:prstDash val="solid"/>
+                    </a:lnL>
+                    <a:lnR w="12700" cmpd="sng" algn="ctr" cap="flat">
+                      <a:solidFill>
+                        <a:srgbClr val="000000">
+                          <a:alpha val="100000"/>
+                        </a:srgbClr>
+                      </a:solidFill>
+                      <a:prstDash val="sysDash"/>
+                    </a:lnR>
+                    <a:lnT w="12700" cmpd="sng" algn="ctr" cap="flat">
+                      <a:solidFill>
+                        <a:srgbClr val="000000">
+                          <a:alpha val="100000"/>
+                        </a:srgbClr>
+                      </a:solidFill>
+                      <a:prstDash val="sysDash"/>
+                    </a:lnT>
+                    <a:lnB w="12700" cmpd="sng" algn="ctr" cap="flat">
+                      <a:solidFill>
+                        <a:srgbClr val="000000">
+                          <a:alpha val="100000"/>
+                        </a:srgbClr>
+                      </a:solidFill>
+                      <a:prstDash val="sysDash"/>
+                    </a:lnB>
+                    <a:solidFill>
+                      <a:srgbClr val="EDEDED">
+                        <a:alpha val="100000"/>
+                      </a:srgbClr>
+                    </a:solidFill>
+                  </a:tcPr>
+                </a:tc>
+                <a:tc>
+                  <a:txBody>
+                    <a:bodyPr/>
+                    <a:lstStyle/>
+                    <a:p>
+                      <a:pPr algn="r" marL="63500" marR="63500">
+                        <a:lnSpc>
+                          <a:spcPct val="100000"/>
+                        </a:lnSpc>
+                        <a:spcBef>
+                          <a:spcPts val="500"/>
+                        </a:spcBef>
+                        <a:spcAft>
+                          <a:spcPts val="500"/>
+                        </a:spcAft>
+                        <a:buNone/>
+                      </a:pPr>
+                      <a:r>
+                        <a:rPr sz="1100">
+                          <a:solidFill>
+                            <a:srgbClr val="000000">
+                              <a:alpha val="100000"/>
+                            </a:srgbClr>
+                          </a:solidFill>
+                          <a:latin typeface="Calibri"/>
+                          <a:cs typeface="Calibri"/>
+                          <a:ea typeface="Calibri"/>
+                          <a:sym typeface="Calibri"/>
+                        </a:rPr>
+                        <a:t>4.67</a:t>
+                      </a:r>
+                    </a:p>
+                  </a:txBody>
+                  <a:tcPr anchor="ctr" marB="0" marT="0" marR="0" marL="0">
+                    <a:lnL w="12700" cmpd="sng" algn="ctr" cap="flat">
+                      <a:solidFill>
+                        <a:srgbClr val="000000">
+                          <a:alpha val="100000"/>
+                        </a:srgbClr>
+                      </a:solidFill>
+                      <a:prstDash val="sysDash"/>
+                    </a:lnL>
+                    <a:lnR w="12700" cmpd="sng" algn="ctr" cap="flat">
+                      <a:solidFill>
+                        <a:srgbClr val="000000">
+                          <a:alpha val="100000"/>
+                        </a:srgbClr>
+                      </a:solidFill>
+                      <a:prstDash val="sysDash"/>
+                    </a:lnR>
+                    <a:lnT w="12700" cmpd="sng" algn="ctr" cap="flat">
+                      <a:solidFill>
+                        <a:srgbClr val="000000">
+                          <a:alpha val="100000"/>
+                        </a:srgbClr>
+                      </a:solidFill>
+                      <a:prstDash val="sysDash"/>
+                    </a:lnT>
+                    <a:lnB w="12700" cmpd="sng" algn="ctr" cap="flat">
+                      <a:solidFill>
+                        <a:srgbClr val="000000">
+                          <a:alpha val="100000"/>
+                        </a:srgbClr>
+                      </a:solidFill>
+                      <a:prstDash val="sysDash"/>
+                    </a:lnB>
+                    <a:solidFill>
+                      <a:srgbClr val="EDEDED">
+                        <a:alpha val="100000"/>
+                      </a:srgbClr>
+                    </a:solidFill>
+                  </a:tcPr>
+                </a:tc>
+                <a:tc>
+                  <a:txBody>
+                    <a:bodyPr/>
+                    <a:lstStyle/>
+                    <a:p>
+                      <a:pPr algn="r" marL="63500" marR="63500">
+                        <a:lnSpc>
+                          <a:spcPct val="100000"/>
+                        </a:lnSpc>
+                        <a:spcBef>
+                          <a:spcPts val="500"/>
+                        </a:spcBef>
+                        <a:spcAft>
+                          <a:spcPts val="500"/>
+                        </a:spcAft>
+                        <a:buNone/>
+                      </a:pPr>
+                      <a:r>
+                        <a:rPr sz="1100">
+                          <a:solidFill>
+                            <a:srgbClr val="000000">
+                              <a:alpha val="100000"/>
+                            </a:srgbClr>
+                          </a:solidFill>
+                          <a:latin typeface="Calibri"/>
+                          <a:cs typeface="Calibri"/>
+                          <a:ea typeface="Calibri"/>
+                          <a:sym typeface="Calibri"/>
+                        </a:rPr>
+                        <a:t>10.40</a:t>
+                      </a:r>
+                    </a:p>
+                  </a:txBody>
+                  <a:tcPr anchor="ctr" marB="0" marT="0" marR="0" marL="0">
+                    <a:lnL w="12700" cmpd="sng" algn="ctr" cap="flat">
+                      <a:solidFill>
+                        <a:srgbClr val="000000">
+                          <a:alpha val="100000"/>
+                        </a:srgbClr>
+                      </a:solidFill>
+                      <a:prstDash val="sysDash"/>
+                    </a:lnL>
+                    <a:lnR w="12700" cmpd="sng" algn="ctr" cap="flat">
+                      <a:solidFill>
+                        <a:srgbClr val="000000">
+                          <a:alpha val="100000"/>
+                        </a:srgbClr>
+                      </a:solidFill>
+                      <a:prstDash val="sysDash"/>
+                    </a:lnR>
+                    <a:lnT w="12700" cmpd="sng" algn="ctr" cap="flat">
+                      <a:solidFill>
+                        <a:srgbClr val="000000">
+                          <a:alpha val="100000"/>
+                        </a:srgbClr>
+                      </a:solidFill>
+                      <a:prstDash val="sysDash"/>
+                    </a:lnT>
+                    <a:lnB w="12700" cmpd="sng" algn="ctr" cap="flat">
+                      <a:solidFill>
+                        <a:srgbClr val="000000">
+                          <a:alpha val="100000"/>
+                        </a:srgbClr>
+                      </a:solidFill>
+                      <a:prstDash val="sysDash"/>
+                    </a:lnB>
+                    <a:solidFill>
+                      <a:srgbClr val="EDEDED">
+                        <a:alpha val="100000"/>
+                      </a:srgbClr>
+                    </a:solidFill>
+                  </a:tcPr>
+                </a:tc>
+                <a:tc>
+                  <a:txBody>
+                    <a:bodyPr/>
+                    <a:lstStyle/>
+                    <a:p>
+                      <a:pPr algn="r" marL="63500" marR="63500">
+                        <a:lnSpc>
+                          <a:spcPct val="100000"/>
+                        </a:lnSpc>
+                        <a:spcBef>
+                          <a:spcPts val="500"/>
+                        </a:spcBef>
+                        <a:spcAft>
+                          <a:spcPts val="500"/>
+                        </a:spcAft>
+                        <a:buNone/>
+                      </a:pPr>
+                      <a:r>
+                        <a:rPr sz="1100">
+                          <a:solidFill>
+                            <a:srgbClr val="000000">
+                              <a:alpha val="100000"/>
+                            </a:srgbClr>
+                          </a:solidFill>
+                          <a:latin typeface="Calibri"/>
+                          <a:cs typeface="Calibri"/>
+                          <a:ea typeface="Calibri"/>
+                          <a:sym typeface="Calibri"/>
+                        </a:rPr>
+                        <a:t>0.00</a:t>
+                      </a:r>
+                    </a:p>
+                  </a:txBody>
+                  <a:tcPr anchor="ctr" marB="0" marT="0" marR="0" marL="0">
+                    <a:lnL w="12700" cmpd="sng" algn="ctr" cap="flat">
+                      <a:solidFill>
+                        <a:srgbClr val="000000">
+                          <a:alpha val="100000"/>
+                        </a:srgbClr>
+                      </a:solidFill>
+                      <a:prstDash val="sysDash"/>
+                    </a:lnL>
+                    <a:lnR w="12700" cmpd="sng" algn="ctr" cap="flat">
+                      <a:solidFill>
+                        <a:srgbClr val="000000">
+                          <a:alpha val="100000"/>
+                        </a:srgbClr>
+                      </a:solidFill>
+                      <a:prstDash val="sysDash"/>
+                    </a:lnR>
+                    <a:lnT w="12700" cmpd="sng" algn="ctr" cap="flat">
+                      <a:solidFill>
+                        <a:srgbClr val="000000">
+                          <a:alpha val="100000"/>
+                        </a:srgbClr>
+                      </a:solidFill>
+                      <a:prstDash val="sysDash"/>
+                    </a:lnT>
+                    <a:lnB w="12700" cmpd="sng" algn="ctr" cap="flat">
+                      <a:solidFill>
+                        <a:srgbClr val="000000">
+                          <a:alpha val="100000"/>
+                        </a:srgbClr>
+                      </a:solidFill>
+                      <a:prstDash val="sysDash"/>
+                    </a:lnB>
+                    <a:solidFill>
+                      <a:srgbClr val="EDEDED">
+                        <a:alpha val="100000"/>
+                      </a:srgbClr>
+                    </a:solidFill>
+                  </a:tcPr>
+                </a:tc>
+                <a:tc>
+                  <a:txBody>
+                    <a:bodyPr/>
+                    <a:lstStyle/>
+                    <a:p>
+                      <a:pPr algn="r" marL="63500" marR="63500">
+                        <a:lnSpc>
+                          <a:spcPct val="100000"/>
+                        </a:lnSpc>
+                        <a:spcBef>
+                          <a:spcPts val="500"/>
+                        </a:spcBef>
+                        <a:spcAft>
+                          <a:spcPts val="500"/>
+                        </a:spcAft>
+                        <a:buNone/>
+                      </a:pPr>
+                      <a:r>
+                        <a:rPr sz="1100">
+                          <a:solidFill>
+                            <a:srgbClr val="000000">
+                              <a:alpha val="100000"/>
+                            </a:srgbClr>
+                          </a:solidFill>
+                          <a:latin typeface="Calibri"/>
+                          <a:cs typeface="Calibri"/>
+                          <a:ea typeface="Calibri"/>
+                          <a:sym typeface="Calibri"/>
+                        </a:rPr>
+                        <a:t>7.80</a:t>
+                      </a:r>
+                    </a:p>
+                  </a:txBody>
+                  <a:tcPr anchor="ctr" marB="0" marT="0" marR="0" marL="0">
+                    <a:lnL w="12700" cmpd="sng" algn="ctr" cap="flat">
+                      <a:solidFill>
+                        <a:srgbClr val="000000">
+                          <a:alpha val="100000"/>
+                        </a:srgbClr>
+                      </a:solidFill>
+                      <a:prstDash val="sysDash"/>
+                    </a:lnL>
+                    <a:lnR w="12700" cmpd="sng" algn="ctr" cap="flat">
+                      <a:solidFill>
+                        <a:srgbClr val="000000">
+                          <a:alpha val="100000"/>
+                        </a:srgbClr>
+                      </a:solidFill>
+                      <a:prstDash val="solid"/>
+                    </a:lnR>
+                    <a:lnT w="12700" cmpd="sng" algn="ctr" cap="flat">
+                      <a:solidFill>
+                        <a:srgbClr val="000000">
+                          <a:alpha val="100000"/>
+                        </a:srgbClr>
+                      </a:solidFill>
+                      <a:prstDash val="sysDash"/>
+                    </a:lnT>
+                    <a:lnB w="12700" cmpd="sng" algn="ctr" cap="flat">
+                      <a:solidFill>
+                        <a:srgbClr val="000000">
+                          <a:alpha val="100000"/>
+                        </a:srgbClr>
+                      </a:solidFill>
+                      <a:prstDash val="sysDash"/>
+                    </a:lnB>
+                    <a:solidFill>
+                      <a:srgbClr val="EDEDED">
+                        <a:alpha val="100000"/>
+                      </a:srgbClr>
+                    </a:solidFill>
+                  </a:tcPr>
+                </a:tc>
+              </a:tr>
+              <a:tr h="351633">
+                <a:tc>
+                  <a:txBody>
+                    <a:bodyPr/>
+                    <a:lstStyle/>
+                    <a:p>
+                      <a:pPr algn="l" marL="63500" marR="63500">
+                        <a:lnSpc>
+                          <a:spcPct val="100000"/>
+                        </a:lnSpc>
+                        <a:spcBef>
+                          <a:spcPts val="500"/>
+                        </a:spcBef>
+                        <a:spcAft>
+                          <a:spcPts val="500"/>
+                        </a:spcAft>
+                        <a:buNone/>
+                      </a:pPr>
+                      <a:r>
+                        <a:rPr sz="1100">
+                          <a:solidFill>
+                            <a:srgbClr val="000000">
+                              <a:alpha val="100000"/>
+                            </a:srgbClr>
+                          </a:solidFill>
+                          <a:latin typeface="Calibri"/>
+                          <a:cs typeface="Calibri"/>
+                          <a:ea typeface="Calibri"/>
+                          <a:sym typeface="Calibri"/>
+                        </a:rPr>
+                        <a:t>P04</a:t>
+                      </a:r>
+                    </a:p>
+                  </a:txBody>
+                  <a:tcPr anchor="ctr" marB="0" marT="0" marR="0" marL="0">
+                    <a:lnL w="12700" cmpd="sng" algn="ctr" cap="flat">
+                      <a:solidFill>
+                        <a:srgbClr val="000000">
+                          <a:alpha val="100000"/>
+                        </a:srgbClr>
+                      </a:solidFill>
+                      <a:prstDash val="solid"/>
+                    </a:lnL>
+                    <a:lnR w="12700" cmpd="sng" algn="ctr" cap="flat">
+                      <a:solidFill>
+                        <a:srgbClr val="000000">
+                          <a:alpha val="100000"/>
+                        </a:srgbClr>
+                      </a:solidFill>
+                      <a:prstDash val="sysDash"/>
+                    </a:lnR>
+                    <a:lnT w="12700" cmpd="sng" algn="ctr" cap="flat">
+                      <a:solidFill>
+                        <a:srgbClr val="000000">
+                          <a:alpha val="100000"/>
+                        </a:srgbClr>
+                      </a:solidFill>
+                      <a:prstDash val="sysDash"/>
+                    </a:lnT>
+                    <a:lnB w="12700" cmpd="sng" algn="ctr" cap="flat">
+                      <a:solidFill>
+                        <a:srgbClr val="000000">
+                          <a:alpha val="100000"/>
+                        </a:srgbClr>
+                      </a:solidFill>
+                      <a:prstDash val="sysDash"/>
+                    </a:lnB>
+                    <a:solidFill>
+                      <a:srgbClr val="EDEDED">
+                        <a:alpha val="100000"/>
+                      </a:srgbClr>
+                    </a:solidFill>
+                  </a:tcPr>
+                </a:tc>
+                <a:tc>
+                  <a:txBody>
+                    <a:bodyPr/>
+                    <a:lstStyle/>
+                    <a:p>
+                      <a:pPr algn="r" marL="63500" marR="63500">
+                        <a:lnSpc>
+                          <a:spcPct val="100000"/>
+                        </a:lnSpc>
+                        <a:spcBef>
+                          <a:spcPts val="500"/>
+                        </a:spcBef>
+                        <a:spcAft>
+                          <a:spcPts val="500"/>
+                        </a:spcAft>
+                        <a:buNone/>
+                      </a:pPr>
+                      <a:r>
+                        <a:rPr sz="1100">
+                          <a:solidFill>
+                            <a:srgbClr val="000000">
+                              <a:alpha val="100000"/>
+                            </a:srgbClr>
+                          </a:solidFill>
+                          <a:latin typeface="Calibri"/>
+                          <a:cs typeface="Calibri"/>
+                          <a:ea typeface="Calibri"/>
+                          <a:sym typeface="Calibri"/>
+                        </a:rPr>
+                        <a:t>3.60</a:t>
+                      </a:r>
+                    </a:p>
+                  </a:txBody>
+                  <a:tcPr anchor="ctr" marB="0" marT="0" marR="0" marL="0">
+                    <a:lnL w="12700" cmpd="sng" algn="ctr" cap="flat">
+                      <a:solidFill>
+                        <a:srgbClr val="000000">
+                          <a:alpha val="100000"/>
+                        </a:srgbClr>
+                      </a:solidFill>
+                      <a:prstDash val="sysDash"/>
+                    </a:lnL>
+                    <a:lnR w="12700" cmpd="sng" algn="ctr" cap="flat">
+                      <a:solidFill>
+                        <a:srgbClr val="000000">
+                          <a:alpha val="100000"/>
+                        </a:srgbClr>
+                      </a:solidFill>
+                      <a:prstDash val="sysDash"/>
+                    </a:lnR>
+                    <a:lnT w="12700" cmpd="sng" algn="ctr" cap="flat">
+                      <a:solidFill>
+                        <a:srgbClr val="000000">
+                          <a:alpha val="100000"/>
+                        </a:srgbClr>
+                      </a:solidFill>
+                      <a:prstDash val="sysDash"/>
+                    </a:lnT>
+                    <a:lnB w="12700" cmpd="sng" algn="ctr" cap="flat">
+                      <a:solidFill>
+                        <a:srgbClr val="000000">
+                          <a:alpha val="100000"/>
+                        </a:srgbClr>
+                      </a:solidFill>
+                      <a:prstDash val="sysDash"/>
+                    </a:lnB>
+                    <a:solidFill>
+                      <a:srgbClr val="EDEDED">
+                        <a:alpha val="100000"/>
+                      </a:srgbClr>
+                    </a:solidFill>
+                  </a:tcPr>
+                </a:tc>
+                <a:tc>
+                  <a:txBody>
+                    <a:bodyPr/>
+                    <a:lstStyle/>
+                    <a:p>
+                      <a:pPr algn="r" marL="63500" marR="63500">
+                        <a:lnSpc>
+                          <a:spcPct val="100000"/>
+                        </a:lnSpc>
+                        <a:spcBef>
+                          <a:spcPts val="500"/>
+                        </a:spcBef>
+                        <a:spcAft>
+                          <a:spcPts val="500"/>
+                        </a:spcAft>
+                        <a:buNone/>
+                      </a:pPr>
+                      <a:r>
+                        <a:rPr sz="1100">
+                          <a:solidFill>
+                            <a:srgbClr val="000000">
+                              <a:alpha val="100000"/>
+                            </a:srgbClr>
+                          </a:solidFill>
+                          <a:latin typeface="Calibri"/>
+                          <a:cs typeface="Calibri"/>
+                          <a:ea typeface="Calibri"/>
+                          <a:sym typeface="Calibri"/>
+                        </a:rPr>
+                        <a:t>16.60</a:t>
+                      </a:r>
+                    </a:p>
+                  </a:txBody>
+                  <a:tcPr anchor="ctr" marB="0" marT="0" marR="0" marL="0">
+                    <a:lnL w="12700" cmpd="sng" algn="ctr" cap="flat">
+                      <a:solidFill>
+                        <a:srgbClr val="000000">
+                          <a:alpha val="100000"/>
+                        </a:srgbClr>
+                      </a:solidFill>
+                      <a:prstDash val="sysDash"/>
+                    </a:lnL>
+                    <a:lnR w="12700" cmpd="sng" algn="ctr" cap="flat">
+                      <a:solidFill>
+                        <a:srgbClr val="000000">
+                          <a:alpha val="100000"/>
+                        </a:srgbClr>
+                      </a:solidFill>
+                      <a:prstDash val="sysDash"/>
+                    </a:lnR>
+                    <a:lnT w="12700" cmpd="sng" algn="ctr" cap="flat">
+                      <a:solidFill>
+                        <a:srgbClr val="000000">
+                          <a:alpha val="100000"/>
+                        </a:srgbClr>
+                      </a:solidFill>
+                      <a:prstDash val="sysDash"/>
+                    </a:lnT>
+                    <a:lnB w="12700" cmpd="sng" algn="ctr" cap="flat">
+                      <a:solidFill>
+                        <a:srgbClr val="000000">
+                          <a:alpha val="100000"/>
+                        </a:srgbClr>
+                      </a:solidFill>
+                      <a:prstDash val="sysDash"/>
+                    </a:lnB>
+                    <a:solidFill>
+                      <a:srgbClr val="EDEDED">
+                        <a:alpha val="100000"/>
+                      </a:srgbClr>
+                    </a:solidFill>
+                  </a:tcPr>
+                </a:tc>
+                <a:tc>
+                  <a:txBody>
+                    <a:bodyPr/>
+                    <a:lstStyle/>
+                    <a:p>
+                      <a:pPr algn="r" marL="63500" marR="63500">
+                        <a:lnSpc>
+                          <a:spcPct val="100000"/>
+                        </a:lnSpc>
+                        <a:spcBef>
+                          <a:spcPts val="500"/>
+                        </a:spcBef>
+                        <a:spcAft>
+                          <a:spcPts val="500"/>
+                        </a:spcAft>
+                        <a:buNone/>
+                      </a:pPr>
+                      <a:r>
+                        <a:rPr sz="1100">
+                          <a:solidFill>
+                            <a:srgbClr val="000000">
+                              <a:alpha val="100000"/>
+                            </a:srgbClr>
+                          </a:solidFill>
+                          <a:latin typeface="Calibri"/>
+                          <a:cs typeface="Calibri"/>
+                          <a:ea typeface="Calibri"/>
+                          <a:sym typeface="Calibri"/>
+                        </a:rPr>
+                        <a:t>0.00</a:t>
+                      </a:r>
+                    </a:p>
+                  </a:txBody>
+                  <a:tcPr anchor="ctr" marB="0" marT="0" marR="0" marL="0">
+                    <a:lnL w="12700" cmpd="sng" algn="ctr" cap="flat">
+                      <a:solidFill>
+                        <a:srgbClr val="000000">
+                          <a:alpha val="100000"/>
+                        </a:srgbClr>
+                      </a:solidFill>
+                      <a:prstDash val="sysDash"/>
+                    </a:lnL>
+                    <a:lnR w="12700" cmpd="sng" algn="ctr" cap="flat">
+                      <a:solidFill>
+                        <a:srgbClr val="000000">
+                          <a:alpha val="100000"/>
+                        </a:srgbClr>
+                      </a:solidFill>
+                      <a:prstDash val="sysDash"/>
+                    </a:lnR>
+                    <a:lnT w="12700" cmpd="sng" algn="ctr" cap="flat">
+                      <a:solidFill>
+                        <a:srgbClr val="000000">
+                          <a:alpha val="100000"/>
+                        </a:srgbClr>
+                      </a:solidFill>
+                      <a:prstDash val="sysDash"/>
+                    </a:lnT>
+                    <a:lnB w="12700" cmpd="sng" algn="ctr" cap="flat">
+                      <a:solidFill>
+                        <a:srgbClr val="000000">
+                          <a:alpha val="100000"/>
+                        </a:srgbClr>
+                      </a:solidFill>
+                      <a:prstDash val="sysDash"/>
+                    </a:lnB>
+                    <a:solidFill>
+                      <a:srgbClr val="EDEDED">
+                        <a:alpha val="100000"/>
+                      </a:srgbClr>
+                    </a:solidFill>
+                  </a:tcPr>
+                </a:tc>
+                <a:tc>
+                  <a:txBody>
+                    <a:bodyPr/>
+                    <a:lstStyle/>
+                    <a:p>
+                      <a:pPr algn="r" marL="63500" marR="63500">
+                        <a:lnSpc>
+                          <a:spcPct val="100000"/>
+                        </a:lnSpc>
+                        <a:spcBef>
+                          <a:spcPts val="500"/>
+                        </a:spcBef>
+                        <a:spcAft>
+                          <a:spcPts val="500"/>
+                        </a:spcAft>
+                        <a:buNone/>
+                      </a:pPr>
+                      <a:r>
+                        <a:rPr sz="1100">
+                          <a:solidFill>
+                            <a:srgbClr val="000000">
+                              <a:alpha val="100000"/>
+                            </a:srgbClr>
+                          </a:solidFill>
+                          <a:latin typeface="Calibri"/>
+                          <a:cs typeface="Calibri"/>
+                          <a:ea typeface="Calibri"/>
+                          <a:sym typeface="Calibri"/>
+                        </a:rPr>
+                        <a:t>4.27</a:t>
+                      </a:r>
+                    </a:p>
+                  </a:txBody>
+                  <a:tcPr anchor="ctr" marB="0" marT="0" marR="0" marL="0">
+                    <a:lnL w="12700" cmpd="sng" algn="ctr" cap="flat">
+                      <a:solidFill>
+                        <a:srgbClr val="000000">
+                          <a:alpha val="100000"/>
+                        </a:srgbClr>
+                      </a:solidFill>
+                      <a:prstDash val="sysDash"/>
+                    </a:lnL>
+                    <a:lnR w="12700" cmpd="sng" algn="ctr" cap="flat">
+                      <a:solidFill>
+                        <a:srgbClr val="000000">
+                          <a:alpha val="100000"/>
+                        </a:srgbClr>
+                      </a:solidFill>
+                      <a:prstDash val="solid"/>
+                    </a:lnR>
+                    <a:lnT w="12700" cmpd="sng" algn="ctr" cap="flat">
+                      <a:solidFill>
+                        <a:srgbClr val="000000">
+                          <a:alpha val="100000"/>
+                        </a:srgbClr>
+                      </a:solidFill>
+                      <a:prstDash val="sysDash"/>
+                    </a:lnT>
+                    <a:lnB w="12700" cmpd="sng" algn="ctr" cap="flat">
+                      <a:solidFill>
+                        <a:srgbClr val="000000">
+                          <a:alpha val="100000"/>
+                        </a:srgbClr>
+                      </a:solidFill>
+                      <a:prstDash val="sysDash"/>
+                    </a:lnB>
+                    <a:solidFill>
+                      <a:srgbClr val="EDEDED">
+                        <a:alpha val="100000"/>
+                      </a:srgbClr>
+                    </a:solidFill>
+                  </a:tcPr>
+                </a:tc>
+              </a:tr>
+              <a:tr h="351633">
+                <a:tc>
+                  <a:txBody>
+                    <a:bodyPr/>
+                    <a:lstStyle/>
+                    <a:p>
+                      <a:pPr algn="l" marL="63500" marR="63500">
+                        <a:lnSpc>
+                          <a:spcPct val="100000"/>
+                        </a:lnSpc>
+                        <a:spcBef>
+                          <a:spcPts val="500"/>
+                        </a:spcBef>
+                        <a:spcAft>
+                          <a:spcPts val="500"/>
+                        </a:spcAft>
+                        <a:buNone/>
+                      </a:pPr>
+                      <a:r>
+                        <a:rPr sz="1100">
+                          <a:solidFill>
+                            <a:srgbClr val="000000">
+                              <a:alpha val="100000"/>
+                            </a:srgbClr>
+                          </a:solidFill>
+                          <a:latin typeface="Calibri"/>
+                          <a:cs typeface="Calibri"/>
+                          <a:ea typeface="Calibri"/>
+                          <a:sym typeface="Calibri"/>
+                        </a:rPr>
+                        <a:t>P05</a:t>
+                      </a:r>
+                    </a:p>
+                  </a:txBody>
+                  <a:tcPr anchor="ctr" marB="0" marT="0" marR="0" marL="0">
+                    <a:lnL w="12700" cmpd="sng" algn="ctr" cap="flat">
+                      <a:solidFill>
+                        <a:srgbClr val="000000">
+                          <a:alpha val="100000"/>
+                        </a:srgbClr>
+                      </a:solidFill>
+                      <a:prstDash val="solid"/>
+                    </a:lnL>
+                    <a:lnR w="12700" cmpd="sng" algn="ctr" cap="flat">
+                      <a:solidFill>
+                        <a:srgbClr val="000000">
+                          <a:alpha val="100000"/>
+                        </a:srgbClr>
+                      </a:solidFill>
+                      <a:prstDash val="sysDash"/>
+                    </a:lnR>
+                    <a:lnT w="12700" cmpd="sng" algn="ctr" cap="flat">
+                      <a:solidFill>
+                        <a:srgbClr val="000000">
+                          <a:alpha val="100000"/>
+                        </a:srgbClr>
+                      </a:solidFill>
+                      <a:prstDash val="sysDash"/>
+                    </a:lnT>
+                    <a:lnB w="12700" cmpd="sng" algn="ctr" cap="flat">
+                      <a:solidFill>
+                        <a:srgbClr val="000000">
+                          <a:alpha val="100000"/>
+                        </a:srgbClr>
+                      </a:solidFill>
+                      <a:prstDash val="sysDash"/>
+                    </a:lnB>
+                    <a:solidFill>
+                      <a:srgbClr val="EDEDED">
+                        <a:alpha val="100000"/>
+                      </a:srgbClr>
+                    </a:solidFill>
+                  </a:tcPr>
+                </a:tc>
+                <a:tc>
+                  <a:txBody>
+                    <a:bodyPr/>
+                    <a:lstStyle/>
+                    <a:p>
+                      <a:pPr algn="r" marL="63500" marR="63500">
+                        <a:lnSpc>
+                          <a:spcPct val="100000"/>
+                        </a:lnSpc>
+                        <a:spcBef>
+                          <a:spcPts val="500"/>
+                        </a:spcBef>
+                        <a:spcAft>
+                          <a:spcPts val="500"/>
+                        </a:spcAft>
+                        <a:buNone/>
+                      </a:pPr>
+                      <a:r>
+                        <a:rPr sz="1100">
+                          <a:solidFill>
+                            <a:srgbClr val="000000">
+                              <a:alpha val="100000"/>
+                            </a:srgbClr>
+                          </a:solidFill>
+                          <a:latin typeface="Calibri"/>
+                          <a:cs typeface="Calibri"/>
+                          <a:ea typeface="Calibri"/>
+                          <a:sym typeface="Calibri"/>
+                        </a:rPr>
+                        <a:t>5.87</a:t>
+                      </a:r>
+                    </a:p>
+                  </a:txBody>
+                  <a:tcPr anchor="ctr" marB="0" marT="0" marR="0" marL="0">
+                    <a:lnL w="12700" cmpd="sng" algn="ctr" cap="flat">
+                      <a:solidFill>
+                        <a:srgbClr val="000000">
+                          <a:alpha val="100000"/>
+                        </a:srgbClr>
+                      </a:solidFill>
+                      <a:prstDash val="sysDash"/>
+                    </a:lnL>
+                    <a:lnR w="12700" cmpd="sng" algn="ctr" cap="flat">
+                      <a:solidFill>
+                        <a:srgbClr val="000000">
+                          <a:alpha val="100000"/>
+                        </a:srgbClr>
+                      </a:solidFill>
+                      <a:prstDash val="sysDash"/>
+                    </a:lnR>
+                    <a:lnT w="12700" cmpd="sng" algn="ctr" cap="flat">
+                      <a:solidFill>
+                        <a:srgbClr val="000000">
+                          <a:alpha val="100000"/>
+                        </a:srgbClr>
+                      </a:solidFill>
+                      <a:prstDash val="sysDash"/>
+                    </a:lnT>
+                    <a:lnB w="12700" cmpd="sng" algn="ctr" cap="flat">
+                      <a:solidFill>
+                        <a:srgbClr val="000000">
+                          <a:alpha val="100000"/>
+                        </a:srgbClr>
+                      </a:solidFill>
+                      <a:prstDash val="sysDash"/>
+                    </a:lnB>
+                    <a:solidFill>
+                      <a:srgbClr val="EDEDED">
+                        <a:alpha val="100000"/>
+                      </a:srgbClr>
+                    </a:solidFill>
+                  </a:tcPr>
+                </a:tc>
+                <a:tc>
+                  <a:txBody>
+                    <a:bodyPr/>
+                    <a:lstStyle/>
+                    <a:p>
+                      <a:pPr algn="r" marL="63500" marR="63500">
+                        <a:lnSpc>
+                          <a:spcPct val="100000"/>
+                        </a:lnSpc>
+                        <a:spcBef>
+                          <a:spcPts val="500"/>
+                        </a:spcBef>
+                        <a:spcAft>
+                          <a:spcPts val="500"/>
+                        </a:spcAft>
+                        <a:buNone/>
+                      </a:pPr>
+                      <a:r>
+                        <a:rPr sz="1100">
+                          <a:solidFill>
+                            <a:srgbClr val="000000">
+                              <a:alpha val="100000"/>
+                            </a:srgbClr>
+                          </a:solidFill>
+                          <a:latin typeface="Calibri"/>
+                          <a:cs typeface="Calibri"/>
+                          <a:ea typeface="Calibri"/>
+                          <a:sym typeface="Calibri"/>
+                        </a:rPr>
+                        <a:t>21.00</a:t>
+                      </a:r>
+                    </a:p>
+                  </a:txBody>
+                  <a:tcPr anchor="ctr" marB="0" marT="0" marR="0" marL="0">
+                    <a:lnL w="12700" cmpd="sng" algn="ctr" cap="flat">
+                      <a:solidFill>
+                        <a:srgbClr val="000000">
+                          <a:alpha val="100000"/>
+                        </a:srgbClr>
+                      </a:solidFill>
+                      <a:prstDash val="sysDash"/>
+                    </a:lnL>
+                    <a:lnR w="12700" cmpd="sng" algn="ctr" cap="flat">
+                      <a:solidFill>
+                        <a:srgbClr val="000000">
+                          <a:alpha val="100000"/>
+                        </a:srgbClr>
+                      </a:solidFill>
+                      <a:prstDash val="sysDash"/>
+                    </a:lnR>
+                    <a:lnT w="12700" cmpd="sng" algn="ctr" cap="flat">
+                      <a:solidFill>
+                        <a:srgbClr val="000000">
+                          <a:alpha val="100000"/>
+                        </a:srgbClr>
+                      </a:solidFill>
+                      <a:prstDash val="sysDash"/>
+                    </a:lnT>
+                    <a:lnB w="12700" cmpd="sng" algn="ctr" cap="flat">
+                      <a:solidFill>
+                        <a:srgbClr val="000000">
+                          <a:alpha val="100000"/>
+                        </a:srgbClr>
+                      </a:solidFill>
+                      <a:prstDash val="sysDash"/>
+                    </a:lnB>
+                    <a:solidFill>
+                      <a:srgbClr val="EDEDED">
+                        <a:alpha val="100000"/>
+                      </a:srgbClr>
+                    </a:solidFill>
+                  </a:tcPr>
+                </a:tc>
+                <a:tc>
+                  <a:txBody>
+                    <a:bodyPr/>
+                    <a:lstStyle/>
+                    <a:p>
+                      <a:pPr algn="r" marL="63500" marR="63500">
+                        <a:lnSpc>
+                          <a:spcPct val="100000"/>
+                        </a:lnSpc>
+                        <a:spcBef>
+                          <a:spcPts val="500"/>
+                        </a:spcBef>
+                        <a:spcAft>
+                          <a:spcPts val="500"/>
+                        </a:spcAft>
+                        <a:buNone/>
+                      </a:pPr>
+                      <a:r>
+                        <a:rPr sz="1100">
+                          <a:solidFill>
+                            <a:srgbClr val="000000">
+                              <a:alpha val="100000"/>
+                            </a:srgbClr>
+                          </a:solidFill>
+                          <a:latin typeface="Calibri"/>
+                          <a:cs typeface="Calibri"/>
+                          <a:ea typeface="Calibri"/>
+                          <a:sym typeface="Calibri"/>
+                        </a:rPr>
+                        <a:t>3.00</a:t>
+                      </a:r>
+                    </a:p>
+                  </a:txBody>
+                  <a:tcPr anchor="ctr" marB="0" marT="0" marR="0" marL="0">
+                    <a:lnL w="12700" cmpd="sng" algn="ctr" cap="flat">
+                      <a:solidFill>
+                        <a:srgbClr val="000000">
+                          <a:alpha val="100000"/>
+                        </a:srgbClr>
+                      </a:solidFill>
+                      <a:prstDash val="sysDash"/>
+                    </a:lnL>
+                    <a:lnR w="12700" cmpd="sng" algn="ctr" cap="flat">
+                      <a:solidFill>
+                        <a:srgbClr val="000000">
+                          <a:alpha val="100000"/>
+                        </a:srgbClr>
+                      </a:solidFill>
+                      <a:prstDash val="sysDash"/>
+                    </a:lnR>
+                    <a:lnT w="12700" cmpd="sng" algn="ctr" cap="flat">
+                      <a:solidFill>
+                        <a:srgbClr val="000000">
+                          <a:alpha val="100000"/>
+                        </a:srgbClr>
+                      </a:solidFill>
+                      <a:prstDash val="sysDash"/>
+                    </a:lnT>
+                    <a:lnB w="12700" cmpd="sng" algn="ctr" cap="flat">
+                      <a:solidFill>
+                        <a:srgbClr val="000000">
+                          <a:alpha val="100000"/>
+                        </a:srgbClr>
+                      </a:solidFill>
+                      <a:prstDash val="sysDash"/>
+                    </a:lnB>
+                    <a:solidFill>
+                      <a:srgbClr val="EDEDED">
+                        <a:alpha val="100000"/>
+                      </a:srgbClr>
+                    </a:solidFill>
+                  </a:tcPr>
+                </a:tc>
+                <a:tc>
+                  <a:txBody>
+                    <a:bodyPr/>
+                    <a:lstStyle/>
+                    <a:p>
+                      <a:pPr algn="r" marL="63500" marR="63500">
+                        <a:lnSpc>
+                          <a:spcPct val="100000"/>
+                        </a:lnSpc>
+                        <a:spcBef>
+                          <a:spcPts val="500"/>
+                        </a:spcBef>
+                        <a:spcAft>
+                          <a:spcPts val="500"/>
+                        </a:spcAft>
+                        <a:buNone/>
+                      </a:pPr>
+                      <a:r>
+                        <a:rPr sz="1100">
+                          <a:solidFill>
+                            <a:srgbClr val="000000">
+                              <a:alpha val="100000"/>
+                            </a:srgbClr>
+                          </a:solidFill>
+                          <a:latin typeface="Calibri"/>
+                          <a:cs typeface="Calibri"/>
+                          <a:ea typeface="Calibri"/>
+                          <a:sym typeface="Calibri"/>
+                        </a:rPr>
+                        <a:t>6.73</a:t>
+                      </a:r>
+                    </a:p>
+                  </a:txBody>
+                  <a:tcPr anchor="ctr" marB="0" marT="0" marR="0" marL="0">
+                    <a:lnL w="12700" cmpd="sng" algn="ctr" cap="flat">
+                      <a:solidFill>
+                        <a:srgbClr val="000000">
+                          <a:alpha val="100000"/>
+                        </a:srgbClr>
+                      </a:solidFill>
+                      <a:prstDash val="sysDash"/>
+                    </a:lnL>
+                    <a:lnR w="12700" cmpd="sng" algn="ctr" cap="flat">
+                      <a:solidFill>
+                        <a:srgbClr val="000000">
+                          <a:alpha val="100000"/>
+                        </a:srgbClr>
+                      </a:solidFill>
+                      <a:prstDash val="solid"/>
+                    </a:lnR>
+                    <a:lnT w="12700" cmpd="sng" algn="ctr" cap="flat">
+                      <a:solidFill>
+                        <a:srgbClr val="000000">
+                          <a:alpha val="100000"/>
+                        </a:srgbClr>
+                      </a:solidFill>
+                      <a:prstDash val="sysDash"/>
+                    </a:lnT>
+                    <a:lnB w="12700" cmpd="sng" algn="ctr" cap="flat">
+                      <a:solidFill>
+                        <a:srgbClr val="000000">
+                          <a:alpha val="100000"/>
+                        </a:srgbClr>
+                      </a:solidFill>
+                      <a:prstDash val="sysDash"/>
+                    </a:lnB>
+                    <a:solidFill>
+                      <a:srgbClr val="EDEDED">
+                        <a:alpha val="100000"/>
+                      </a:srgbClr>
+                    </a:solidFill>
+                  </a:tcPr>
+                </a:tc>
+              </a:tr>
+              <a:tr h="351633">
+                <a:tc>
+                  <a:txBody>
+                    <a:bodyPr/>
+                    <a:lstStyle/>
+                    <a:p>
+                      <a:pPr algn="l" marL="63500" marR="63500">
+                        <a:lnSpc>
+                          <a:spcPct val="100000"/>
+                        </a:lnSpc>
+                        <a:spcBef>
+                          <a:spcPts val="500"/>
+                        </a:spcBef>
+                        <a:spcAft>
+                          <a:spcPts val="500"/>
+                        </a:spcAft>
+                        <a:buNone/>
+                      </a:pPr>
+                      <a:r>
+                        <a:rPr sz="1100">
+                          <a:solidFill>
+                            <a:srgbClr val="000000">
+                              <a:alpha val="100000"/>
+                            </a:srgbClr>
+                          </a:solidFill>
+                          <a:latin typeface="Calibri"/>
+                          <a:cs typeface="Calibri"/>
+                          <a:ea typeface="Calibri"/>
+                          <a:sym typeface="Calibri"/>
+                        </a:rPr>
+                        <a:t>P06</a:t>
+                      </a:r>
+                    </a:p>
+                  </a:txBody>
+                  <a:tcPr anchor="ctr" marB="0" marT="0" marR="0" marL="0">
+                    <a:lnL w="12700" cmpd="sng" algn="ctr" cap="flat">
+                      <a:solidFill>
+                        <a:srgbClr val="000000">
+                          <a:alpha val="100000"/>
+                        </a:srgbClr>
+                      </a:solidFill>
+                      <a:prstDash val="solid"/>
+                    </a:lnL>
+                    <a:lnR w="12700" cmpd="sng" algn="ctr" cap="flat">
+                      <a:solidFill>
+                        <a:srgbClr val="000000">
+                          <a:alpha val="100000"/>
+                        </a:srgbClr>
+                      </a:solidFill>
+                      <a:prstDash val="sysDash"/>
+                    </a:lnR>
+                    <a:lnT w="12700" cmpd="sng" algn="ctr" cap="flat">
+                      <a:solidFill>
+                        <a:srgbClr val="000000">
+                          <a:alpha val="100000"/>
+                        </a:srgbClr>
+                      </a:solidFill>
+                      <a:prstDash val="sysDash"/>
+                    </a:lnT>
+                    <a:lnB w="12700" cmpd="sng" algn="ctr" cap="flat">
+                      <a:solidFill>
+                        <a:srgbClr val="000000">
+                          <a:alpha val="100000"/>
+                        </a:srgbClr>
+                      </a:solidFill>
+                      <a:prstDash val="sysDash"/>
+                    </a:lnB>
+                    <a:solidFill>
+                      <a:srgbClr val="EDEDED">
+                        <a:alpha val="100000"/>
+                      </a:srgbClr>
+                    </a:solidFill>
+                  </a:tcPr>
+                </a:tc>
+                <a:tc>
+                  <a:txBody>
+                    <a:bodyPr/>
+                    <a:lstStyle/>
+                    <a:p>
+                      <a:pPr algn="r" marL="63500" marR="63500">
+                        <a:lnSpc>
+                          <a:spcPct val="100000"/>
+                        </a:lnSpc>
+                        <a:spcBef>
+                          <a:spcPts val="500"/>
+                        </a:spcBef>
+                        <a:spcAft>
+                          <a:spcPts val="500"/>
+                        </a:spcAft>
+                        <a:buNone/>
+                      </a:pPr>
+                      <a:r>
+                        <a:rPr sz="1100">
+                          <a:solidFill>
+                            <a:srgbClr val="000000">
+                              <a:alpha val="100000"/>
+                            </a:srgbClr>
+                          </a:solidFill>
+                          <a:latin typeface="Calibri"/>
+                          <a:cs typeface="Calibri"/>
+                          <a:ea typeface="Calibri"/>
+                          <a:sym typeface="Calibri"/>
+                        </a:rPr>
+                        <a:t>8.20</a:t>
+                      </a:r>
+                    </a:p>
+                  </a:txBody>
+                  <a:tcPr anchor="ctr" marB="0" marT="0" marR="0" marL="0">
+                    <a:lnL w="12700" cmpd="sng" algn="ctr" cap="flat">
+                      <a:solidFill>
+                        <a:srgbClr val="000000">
+                          <a:alpha val="100000"/>
+                        </a:srgbClr>
+                      </a:solidFill>
+                      <a:prstDash val="sysDash"/>
+                    </a:lnL>
+                    <a:lnR w="12700" cmpd="sng" algn="ctr" cap="flat">
+                      <a:solidFill>
+                        <a:srgbClr val="000000">
+                          <a:alpha val="100000"/>
+                        </a:srgbClr>
+                      </a:solidFill>
+                      <a:prstDash val="sysDash"/>
+                    </a:lnR>
+                    <a:lnT w="12700" cmpd="sng" algn="ctr" cap="flat">
+                      <a:solidFill>
+                        <a:srgbClr val="000000">
+                          <a:alpha val="100000"/>
+                        </a:srgbClr>
+                      </a:solidFill>
+                      <a:prstDash val="sysDash"/>
+                    </a:lnT>
+                    <a:lnB w="12700" cmpd="sng" algn="ctr" cap="flat">
+                      <a:solidFill>
+                        <a:srgbClr val="000000">
+                          <a:alpha val="100000"/>
+                        </a:srgbClr>
+                      </a:solidFill>
+                      <a:prstDash val="sysDash"/>
+                    </a:lnB>
+                    <a:solidFill>
+                      <a:srgbClr val="EDEDED">
+                        <a:alpha val="100000"/>
+                      </a:srgbClr>
+                    </a:solidFill>
+                  </a:tcPr>
+                </a:tc>
+                <a:tc>
+                  <a:txBody>
+                    <a:bodyPr/>
+                    <a:lstStyle/>
+                    <a:p>
+                      <a:pPr algn="r" marL="63500" marR="63500">
+                        <a:lnSpc>
+                          <a:spcPct val="100000"/>
+                        </a:lnSpc>
+                        <a:spcBef>
+                          <a:spcPts val="500"/>
+                        </a:spcBef>
+                        <a:spcAft>
+                          <a:spcPts val="500"/>
+                        </a:spcAft>
+                        <a:buNone/>
+                      </a:pPr>
+                      <a:r>
+                        <a:rPr sz="1100">
+                          <a:solidFill>
+                            <a:srgbClr val="000000">
+                              <a:alpha val="100000"/>
+                            </a:srgbClr>
+                          </a:solidFill>
+                          <a:latin typeface="Calibri"/>
+                          <a:cs typeface="Calibri"/>
+                          <a:ea typeface="Calibri"/>
+                          <a:sym typeface="Calibri"/>
+                        </a:rPr>
+                        <a:t>14.73</a:t>
+                      </a:r>
+                    </a:p>
+                  </a:txBody>
+                  <a:tcPr anchor="ctr" marB="0" marT="0" marR="0" marL="0">
+                    <a:lnL w="12700" cmpd="sng" algn="ctr" cap="flat">
+                      <a:solidFill>
+                        <a:srgbClr val="000000">
+                          <a:alpha val="100000"/>
+                        </a:srgbClr>
+                      </a:solidFill>
+                      <a:prstDash val="sysDash"/>
+                    </a:lnL>
+                    <a:lnR w="12700" cmpd="sng" algn="ctr" cap="flat">
+                      <a:solidFill>
+                        <a:srgbClr val="000000">
+                          <a:alpha val="100000"/>
+                        </a:srgbClr>
+                      </a:solidFill>
+                      <a:prstDash val="sysDash"/>
+                    </a:lnR>
+                    <a:lnT w="12700" cmpd="sng" algn="ctr" cap="flat">
+                      <a:solidFill>
+                        <a:srgbClr val="000000">
+                          <a:alpha val="100000"/>
+                        </a:srgbClr>
+                      </a:solidFill>
+                      <a:prstDash val="sysDash"/>
+                    </a:lnT>
+                    <a:lnB w="12700" cmpd="sng" algn="ctr" cap="flat">
+                      <a:solidFill>
+                        <a:srgbClr val="000000">
+                          <a:alpha val="100000"/>
+                        </a:srgbClr>
+                      </a:solidFill>
+                      <a:prstDash val="sysDash"/>
+                    </a:lnB>
+                    <a:solidFill>
+                      <a:srgbClr val="EDEDED">
+                        <a:alpha val="100000"/>
+                      </a:srgbClr>
+                    </a:solidFill>
+                  </a:tcPr>
+                </a:tc>
+                <a:tc>
+                  <a:txBody>
+                    <a:bodyPr/>
+                    <a:lstStyle/>
+                    <a:p>
+                      <a:pPr algn="r" marL="63500" marR="63500">
+                        <a:lnSpc>
+                          <a:spcPct val="100000"/>
+                        </a:lnSpc>
+                        <a:spcBef>
+                          <a:spcPts val="500"/>
+                        </a:spcBef>
+                        <a:spcAft>
+                          <a:spcPts val="500"/>
+                        </a:spcAft>
+                        <a:buNone/>
+                      </a:pPr>
+                      <a:r>
+                        <a:rPr sz="1100">
+                          <a:solidFill>
+                            <a:srgbClr val="000000">
+                              <a:alpha val="100000"/>
+                            </a:srgbClr>
+                          </a:solidFill>
+                          <a:latin typeface="Calibri"/>
+                          <a:cs typeface="Calibri"/>
+                          <a:ea typeface="Calibri"/>
+                          <a:sym typeface="Calibri"/>
+                        </a:rPr>
+                        <a:t>4.00</a:t>
+                      </a:r>
+                    </a:p>
+                  </a:txBody>
+                  <a:tcPr anchor="ctr" marB="0" marT="0" marR="0" marL="0">
+                    <a:lnL w="12700" cmpd="sng" algn="ctr" cap="flat">
+                      <a:solidFill>
+                        <a:srgbClr val="000000">
+                          <a:alpha val="100000"/>
+                        </a:srgbClr>
+                      </a:solidFill>
+                      <a:prstDash val="sysDash"/>
+                    </a:lnL>
+                    <a:lnR w="12700" cmpd="sng" algn="ctr" cap="flat">
+                      <a:solidFill>
+                        <a:srgbClr val="000000">
+                          <a:alpha val="100000"/>
+                        </a:srgbClr>
+                      </a:solidFill>
+                      <a:prstDash val="sysDash"/>
+                    </a:lnR>
+                    <a:lnT w="12700" cmpd="sng" algn="ctr" cap="flat">
+                      <a:solidFill>
+                        <a:srgbClr val="000000">
+                          <a:alpha val="100000"/>
+                        </a:srgbClr>
+                      </a:solidFill>
+                      <a:prstDash val="sysDash"/>
+                    </a:lnT>
+                    <a:lnB w="12700" cmpd="sng" algn="ctr" cap="flat">
+                      <a:solidFill>
+                        <a:srgbClr val="000000">
+                          <a:alpha val="100000"/>
+                        </a:srgbClr>
+                      </a:solidFill>
+                      <a:prstDash val="sysDash"/>
+                    </a:lnB>
+                    <a:solidFill>
+                      <a:srgbClr val="EDEDED">
+                        <a:alpha val="100000"/>
+                      </a:srgbClr>
+                    </a:solidFill>
+                  </a:tcPr>
+                </a:tc>
+                <a:tc>
+                  <a:txBody>
+                    <a:bodyPr/>
+                    <a:lstStyle/>
+                    <a:p>
+                      <a:pPr algn="r" marL="63500" marR="63500">
+                        <a:lnSpc>
+                          <a:spcPct val="100000"/>
+                        </a:lnSpc>
+                        <a:spcBef>
+                          <a:spcPts val="500"/>
+                        </a:spcBef>
+                        <a:spcAft>
+                          <a:spcPts val="500"/>
+                        </a:spcAft>
+                        <a:buNone/>
+                      </a:pPr>
+                      <a:r>
+                        <a:rPr sz="1100">
+                          <a:solidFill>
+                            <a:srgbClr val="000000">
+                              <a:alpha val="100000"/>
+                            </a:srgbClr>
+                          </a:solidFill>
+                          <a:latin typeface="Calibri"/>
+                          <a:cs typeface="Calibri"/>
+                          <a:ea typeface="Calibri"/>
+                          <a:sym typeface="Calibri"/>
+                        </a:rPr>
+                        <a:t>6.53</a:t>
+                      </a:r>
+                    </a:p>
+                  </a:txBody>
+                  <a:tcPr anchor="ctr" marB="0" marT="0" marR="0" marL="0">
+                    <a:lnL w="12700" cmpd="sng" algn="ctr" cap="flat">
+                      <a:solidFill>
+                        <a:srgbClr val="000000">
+                          <a:alpha val="100000"/>
+                        </a:srgbClr>
+                      </a:solidFill>
+                      <a:prstDash val="sysDash"/>
+                    </a:lnL>
+                    <a:lnR w="12700" cmpd="sng" algn="ctr" cap="flat">
+                      <a:solidFill>
+                        <a:srgbClr val="000000">
+                          <a:alpha val="100000"/>
+                        </a:srgbClr>
+                      </a:solidFill>
+                      <a:prstDash val="solid"/>
+                    </a:lnR>
+                    <a:lnT w="12700" cmpd="sng" algn="ctr" cap="flat">
+                      <a:solidFill>
+                        <a:srgbClr val="000000">
+                          <a:alpha val="100000"/>
+                        </a:srgbClr>
+                      </a:solidFill>
+                      <a:prstDash val="sysDash"/>
+                    </a:lnT>
+                    <a:lnB w="12700" cmpd="sng" algn="ctr" cap="flat">
+                      <a:solidFill>
+                        <a:srgbClr val="000000">
+                          <a:alpha val="100000"/>
+                        </a:srgbClr>
+                      </a:solidFill>
+                      <a:prstDash val="sysDash"/>
+                    </a:lnB>
+                    <a:solidFill>
+                      <a:srgbClr val="EDEDED">
+                        <a:alpha val="100000"/>
+                      </a:srgbClr>
+                    </a:solidFill>
+                  </a:tcPr>
+                </a:tc>
+              </a:tr>
+              <a:tr h="351633">
+                <a:tc>
+                  <a:txBody>
+                    <a:bodyPr/>
+                    <a:lstStyle/>
+                    <a:p>
+                      <a:pPr algn="l" marL="63500" marR="63500">
+                        <a:lnSpc>
+                          <a:spcPct val="100000"/>
+                        </a:lnSpc>
+                        <a:spcBef>
+                          <a:spcPts val="500"/>
+                        </a:spcBef>
+                        <a:spcAft>
+                          <a:spcPts val="500"/>
+                        </a:spcAft>
+                        <a:buNone/>
+                      </a:pPr>
+                      <a:r>
+                        <a:rPr sz="1100">
+                          <a:solidFill>
+                            <a:srgbClr val="000000">
+                              <a:alpha val="100000"/>
+                            </a:srgbClr>
+                          </a:solidFill>
+                          <a:latin typeface="Calibri"/>
+                          <a:cs typeface="Calibri"/>
+                          <a:ea typeface="Calibri"/>
+                          <a:sym typeface="Calibri"/>
+                        </a:rPr>
+                        <a:t>P07</a:t>
+                      </a:r>
+                    </a:p>
+                  </a:txBody>
+                  <a:tcPr anchor="ctr" marB="0" marT="0" marR="0" marL="0">
+                    <a:lnL w="12700" cmpd="sng" algn="ctr" cap="flat">
+                      <a:solidFill>
+                        <a:srgbClr val="000000">
+                          <a:alpha val="100000"/>
+                        </a:srgbClr>
+                      </a:solidFill>
+                      <a:prstDash val="solid"/>
+                    </a:lnL>
+                    <a:lnR w="12700" cmpd="sng" algn="ctr" cap="flat">
+                      <a:solidFill>
+                        <a:srgbClr val="000000">
+                          <a:alpha val="100000"/>
+                        </a:srgbClr>
+                      </a:solidFill>
+                      <a:prstDash val="sysDash"/>
+                    </a:lnR>
+                    <a:lnT w="12700" cmpd="sng" algn="ctr" cap="flat">
+                      <a:solidFill>
+                        <a:srgbClr val="000000">
+                          <a:alpha val="100000"/>
+                        </a:srgbClr>
+                      </a:solidFill>
+                      <a:prstDash val="sysDash"/>
+                    </a:lnT>
+                    <a:lnB w="12700" cmpd="sng" algn="ctr" cap="flat">
+                      <a:solidFill>
+                        <a:srgbClr val="000000">
+                          <a:alpha val="100000"/>
+                        </a:srgbClr>
+                      </a:solidFill>
+                      <a:prstDash val="sysDash"/>
+                    </a:lnB>
+                    <a:solidFill>
+                      <a:srgbClr val="EDEDED">
+                        <a:alpha val="100000"/>
+                      </a:srgbClr>
+                    </a:solidFill>
+                  </a:tcPr>
+                </a:tc>
+                <a:tc>
+                  <a:txBody>
+                    <a:bodyPr/>
+                    <a:lstStyle/>
+                    <a:p>
+                      <a:pPr algn="r" marL="63500" marR="63500">
+                        <a:lnSpc>
+                          <a:spcPct val="100000"/>
+                        </a:lnSpc>
+                        <a:spcBef>
+                          <a:spcPts val="500"/>
+                        </a:spcBef>
+                        <a:spcAft>
+                          <a:spcPts val="500"/>
+                        </a:spcAft>
+                        <a:buNone/>
+                      </a:pPr>
+                      <a:r>
+                        <a:rPr sz="1100">
+                          <a:solidFill>
+                            <a:srgbClr val="000000">
+                              <a:alpha val="100000"/>
+                            </a:srgbClr>
+                          </a:solidFill>
+                          <a:latin typeface="Calibri"/>
+                          <a:cs typeface="Calibri"/>
+                          <a:ea typeface="Calibri"/>
+                          <a:sym typeface="Calibri"/>
+                        </a:rPr>
+                        <a:t>2.80</a:t>
+                      </a:r>
+                    </a:p>
+                  </a:txBody>
+                  <a:tcPr anchor="ctr" marB="0" marT="0" marR="0" marL="0">
+                    <a:lnL w="12700" cmpd="sng" algn="ctr" cap="flat">
+                      <a:solidFill>
+                        <a:srgbClr val="000000">
+                          <a:alpha val="100000"/>
+                        </a:srgbClr>
+                      </a:solidFill>
+                      <a:prstDash val="sysDash"/>
+                    </a:lnL>
+                    <a:lnR w="12700" cmpd="sng" algn="ctr" cap="flat">
+                      <a:solidFill>
+                        <a:srgbClr val="000000">
+                          <a:alpha val="100000"/>
+                        </a:srgbClr>
+                      </a:solidFill>
+                      <a:prstDash val="sysDash"/>
+                    </a:lnR>
+                    <a:lnT w="12700" cmpd="sng" algn="ctr" cap="flat">
+                      <a:solidFill>
+                        <a:srgbClr val="000000">
+                          <a:alpha val="100000"/>
+                        </a:srgbClr>
+                      </a:solidFill>
+                      <a:prstDash val="sysDash"/>
+                    </a:lnT>
+                    <a:lnB w="12700" cmpd="sng" algn="ctr" cap="flat">
+                      <a:solidFill>
+                        <a:srgbClr val="000000">
+                          <a:alpha val="100000"/>
+                        </a:srgbClr>
+                      </a:solidFill>
+                      <a:prstDash val="sysDash"/>
+                    </a:lnB>
+                    <a:solidFill>
+                      <a:srgbClr val="EDEDED">
+                        <a:alpha val="100000"/>
+                      </a:srgbClr>
+                    </a:solidFill>
+                  </a:tcPr>
+                </a:tc>
+                <a:tc>
+                  <a:txBody>
+                    <a:bodyPr/>
+                    <a:lstStyle/>
+                    <a:p>
+                      <a:pPr algn="r" marL="63500" marR="63500">
+                        <a:lnSpc>
+                          <a:spcPct val="100000"/>
+                        </a:lnSpc>
+                        <a:spcBef>
+                          <a:spcPts val="500"/>
+                        </a:spcBef>
+                        <a:spcAft>
+                          <a:spcPts val="500"/>
+                        </a:spcAft>
+                        <a:buNone/>
+                      </a:pPr>
+                      <a:r>
+                        <a:rPr sz="1100">
+                          <a:solidFill>
+                            <a:srgbClr val="000000">
+                              <a:alpha val="100000"/>
+                            </a:srgbClr>
+                          </a:solidFill>
+                          <a:latin typeface="Calibri"/>
+                          <a:cs typeface="Calibri"/>
+                          <a:ea typeface="Calibri"/>
+                          <a:sym typeface="Calibri"/>
+                        </a:rPr>
+                        <a:t>19.47</a:t>
+                      </a:r>
+                    </a:p>
+                  </a:txBody>
+                  <a:tcPr anchor="ctr" marB="0" marT="0" marR="0" marL="0">
+                    <a:lnL w="12700" cmpd="sng" algn="ctr" cap="flat">
+                      <a:solidFill>
+                        <a:srgbClr val="000000">
+                          <a:alpha val="100000"/>
+                        </a:srgbClr>
+                      </a:solidFill>
+                      <a:prstDash val="sysDash"/>
+                    </a:lnL>
+                    <a:lnR w="12700" cmpd="sng" algn="ctr" cap="flat">
+                      <a:solidFill>
+                        <a:srgbClr val="000000">
+                          <a:alpha val="100000"/>
+                        </a:srgbClr>
+                      </a:solidFill>
+                      <a:prstDash val="sysDash"/>
+                    </a:lnR>
+                    <a:lnT w="12700" cmpd="sng" algn="ctr" cap="flat">
+                      <a:solidFill>
+                        <a:srgbClr val="000000">
+                          <a:alpha val="100000"/>
+                        </a:srgbClr>
+                      </a:solidFill>
+                      <a:prstDash val="sysDash"/>
+                    </a:lnT>
+                    <a:lnB w="12700" cmpd="sng" algn="ctr" cap="flat">
+                      <a:solidFill>
+                        <a:srgbClr val="000000">
+                          <a:alpha val="100000"/>
+                        </a:srgbClr>
+                      </a:solidFill>
+                      <a:prstDash val="sysDash"/>
+                    </a:lnB>
+                    <a:solidFill>
+                      <a:srgbClr val="EDEDED">
+                        <a:alpha val="100000"/>
+                      </a:srgbClr>
+                    </a:solidFill>
+                  </a:tcPr>
+                </a:tc>
+                <a:tc>
+                  <a:txBody>
+                    <a:bodyPr/>
+                    <a:lstStyle/>
+                    <a:p>
+                      <a:pPr algn="r" marL="63500" marR="63500">
+                        <a:lnSpc>
+                          <a:spcPct val="100000"/>
+                        </a:lnSpc>
+                        <a:spcBef>
+                          <a:spcPts val="500"/>
+                        </a:spcBef>
+                        <a:spcAft>
+                          <a:spcPts val="500"/>
+                        </a:spcAft>
+                        <a:buNone/>
+                      </a:pPr>
+                      <a:r>
+                        <a:rPr sz="1100">
+                          <a:solidFill>
+                            <a:srgbClr val="000000">
+                              <a:alpha val="100000"/>
+                            </a:srgbClr>
+                          </a:solidFill>
+                          <a:latin typeface="Calibri"/>
+                          <a:cs typeface="Calibri"/>
+                          <a:ea typeface="Calibri"/>
+                          <a:sym typeface="Calibri"/>
+                        </a:rPr>
+                        <a:t>0.87</a:t>
+                      </a:r>
+                    </a:p>
+                  </a:txBody>
+                  <a:tcPr anchor="ctr" marB="0" marT="0" marR="0" marL="0">
+                    <a:lnL w="12700" cmpd="sng" algn="ctr" cap="flat">
+                      <a:solidFill>
+                        <a:srgbClr val="000000">
+                          <a:alpha val="100000"/>
+                        </a:srgbClr>
+                      </a:solidFill>
+                      <a:prstDash val="sysDash"/>
+                    </a:lnL>
+                    <a:lnR w="12700" cmpd="sng" algn="ctr" cap="flat">
+                      <a:solidFill>
+                        <a:srgbClr val="000000">
+                          <a:alpha val="100000"/>
+                        </a:srgbClr>
+                      </a:solidFill>
+                      <a:prstDash val="sysDash"/>
+                    </a:lnR>
+                    <a:lnT w="12700" cmpd="sng" algn="ctr" cap="flat">
+                      <a:solidFill>
+                        <a:srgbClr val="000000">
+                          <a:alpha val="100000"/>
+                        </a:srgbClr>
+                      </a:solidFill>
+                      <a:prstDash val="sysDash"/>
+                    </a:lnT>
+                    <a:lnB w="12700" cmpd="sng" algn="ctr" cap="flat">
+                      <a:solidFill>
+                        <a:srgbClr val="000000">
+                          <a:alpha val="100000"/>
+                        </a:srgbClr>
+                      </a:solidFill>
+                      <a:prstDash val="sysDash"/>
+                    </a:lnB>
+                    <a:solidFill>
+                      <a:srgbClr val="EDEDED">
+                        <a:alpha val="100000"/>
+                      </a:srgbClr>
+                    </a:solidFill>
+                  </a:tcPr>
+                </a:tc>
+                <a:tc>
+                  <a:txBody>
+                    <a:bodyPr/>
+                    <a:lstStyle/>
+                    <a:p>
+                      <a:pPr algn="r" marL="63500" marR="63500">
+                        <a:lnSpc>
+                          <a:spcPct val="100000"/>
+                        </a:lnSpc>
+                        <a:spcBef>
+                          <a:spcPts val="500"/>
+                        </a:spcBef>
+                        <a:spcAft>
+                          <a:spcPts val="500"/>
+                        </a:spcAft>
+                        <a:buNone/>
+                      </a:pPr>
+                      <a:r>
+                        <a:rPr sz="1100">
+                          <a:solidFill>
+                            <a:srgbClr val="000000">
+                              <a:alpha val="100000"/>
+                            </a:srgbClr>
+                          </a:solidFill>
+                          <a:latin typeface="Calibri"/>
+                          <a:cs typeface="Calibri"/>
+                          <a:ea typeface="Calibri"/>
+                          <a:sym typeface="Calibri"/>
+                        </a:rPr>
+                        <a:t>5.00</a:t>
+                      </a:r>
+                    </a:p>
+                  </a:txBody>
+                  <a:tcPr anchor="ctr" marB="0" marT="0" marR="0" marL="0">
+                    <a:lnL w="12700" cmpd="sng" algn="ctr" cap="flat">
+                      <a:solidFill>
+                        <a:srgbClr val="000000">
+                          <a:alpha val="100000"/>
+                        </a:srgbClr>
+                      </a:solidFill>
+                      <a:prstDash val="sysDash"/>
+                    </a:lnL>
+                    <a:lnR w="12700" cmpd="sng" algn="ctr" cap="flat">
+                      <a:solidFill>
+                        <a:srgbClr val="000000">
+                          <a:alpha val="100000"/>
+                        </a:srgbClr>
+                      </a:solidFill>
+                      <a:prstDash val="solid"/>
+                    </a:lnR>
+                    <a:lnT w="12700" cmpd="sng" algn="ctr" cap="flat">
+                      <a:solidFill>
+                        <a:srgbClr val="000000">
+                          <a:alpha val="100000"/>
+                        </a:srgbClr>
+                      </a:solidFill>
+                      <a:prstDash val="sysDash"/>
+                    </a:lnT>
+                    <a:lnB w="12700" cmpd="sng" algn="ctr" cap="flat">
+                      <a:solidFill>
+                        <a:srgbClr val="000000">
+                          <a:alpha val="100000"/>
+                        </a:srgbClr>
+                      </a:solidFill>
+                      <a:prstDash val="sysDash"/>
+                    </a:lnB>
+                    <a:solidFill>
+                      <a:srgbClr val="EDEDED">
+                        <a:alpha val="100000"/>
+                      </a:srgbClr>
+                    </a:solidFill>
+                  </a:tcPr>
+                </a:tc>
+              </a:tr>
+              <a:tr h="914400">
+                <a:tc>
+                  <a:txBody>
+                    <a:bodyPr/>
+                    <a:lstStyle/>
+                    <a:p>
+                      <a:pPr algn="l" marL="63500" marR="63500">
+                        <a:lnSpc>
+                          <a:spcPct val="100000"/>
+                        </a:lnSpc>
+                        <a:spcBef>
+                          <a:spcPts val="500"/>
+                        </a:spcBef>
+                        <a:spcAft>
+                          <a:spcPts val="500"/>
+                        </a:spcAft>
+                        <a:buNone/>
+                      </a:pPr>
+                      <a:r>
+                        <a:rPr sz="1100">
+                          <a:solidFill>
+                            <a:srgbClr val="000000">
+                              <a:alpha val="100000"/>
+                            </a:srgbClr>
+                          </a:solidFill>
+                          <a:latin typeface="Calibri"/>
+                          <a:cs typeface="Calibri"/>
+                          <a:ea typeface="Calibri"/>
+                          <a:sym typeface="Calibri"/>
+                        </a:rPr>
+                        <a:t>P08</a:t>
+                      </a:r>
+                    </a:p>
+                  </a:txBody>
+                  <a:tcPr anchor="ctr" marB="0" marT="0" marR="0" marL="0">
+                    <a:lnL w="12700" cmpd="sng" algn="ctr" cap="flat">
+                      <a:solidFill>
+                        <a:srgbClr val="000000">
+                          <a:alpha val="100000"/>
+                        </a:srgbClr>
+                      </a:solidFill>
+                      <a:prstDash val="solid"/>
+                    </a:lnL>
+                    <a:lnR w="12700" cmpd="sng" algn="ctr" cap="flat">
+                      <a:solidFill>
+                        <a:srgbClr val="000000">
+                          <a:alpha val="100000"/>
+                        </a:srgbClr>
+                      </a:solidFill>
+                      <a:prstDash val="sysDash"/>
+                    </a:lnR>
+                    <a:lnT w="12700" cmpd="sng" algn="ctr" cap="flat">
+                      <a:solidFill>
+                        <a:srgbClr val="000000">
+                          <a:alpha val="100000"/>
+                        </a:srgbClr>
+                      </a:solidFill>
+                      <a:prstDash val="sysDash"/>
+                    </a:lnT>
+                    <a:lnB w="12700" cmpd="sng" algn="ctr" cap="flat">
+                      <a:solidFill>
+                        <a:srgbClr val="000000">
+                          <a:alpha val="100000"/>
+                        </a:srgbClr>
+                      </a:solidFill>
+                      <a:prstDash val="sysDash"/>
+                    </a:lnB>
+                    <a:solidFill>
+                      <a:srgbClr val="EDEDED">
+                        <a:alpha val="100000"/>
+                      </a:srgbClr>
+                    </a:solidFill>
+                  </a:tcPr>
+                </a:tc>
+                <a:tc>
+                  <a:txBody>
+                    <a:bodyPr/>
+                    <a:lstStyle/>
+                    <a:p>
+                      <a:pPr algn="r" marL="63500" marR="63500">
+                        <a:lnSpc>
+                          <a:spcPct val="100000"/>
+                        </a:lnSpc>
+                        <a:spcBef>
+                          <a:spcPts val="500"/>
+                        </a:spcBef>
+                        <a:spcAft>
+                          <a:spcPts val="500"/>
+                        </a:spcAft>
+                        <a:buNone/>
+                      </a:pPr>
+                      <a:r>
+                        <a:rPr sz="1100">
+                          <a:solidFill>
+                            <a:srgbClr val="000000">
+                              <a:alpha val="100000"/>
+                            </a:srgbClr>
+                          </a:solidFill>
+                          <a:latin typeface="Calibri"/>
+                          <a:cs typeface="Calibri"/>
+                          <a:ea typeface="Calibri"/>
+                          <a:sym typeface="Calibri"/>
+                        </a:rPr>
+                        <a:t>2.47</a:t>
+                      </a:r>
+                    </a:p>
+                  </a:txBody>
+                  <a:tcPr anchor="ctr" marB="0" marT="0" marR="0" marL="0">
+                    <a:lnL w="12700" cmpd="sng" algn="ctr" cap="flat">
+                      <a:solidFill>
+                        <a:srgbClr val="000000">
+                          <a:alpha val="100000"/>
+                        </a:srgbClr>
+                      </a:solidFill>
+                      <a:prstDash val="sysDash"/>
+                    </a:lnL>
+                    <a:lnR w="12700" cmpd="sng" algn="ctr" cap="flat">
+                      <a:solidFill>
+                        <a:srgbClr val="000000">
+                          <a:alpha val="100000"/>
+                        </a:srgbClr>
+                      </a:solidFill>
+                      <a:prstDash val="sysDash"/>
+                    </a:lnR>
+                    <a:lnT w="12700" cmpd="sng" algn="ctr" cap="flat">
+                      <a:solidFill>
+                        <a:srgbClr val="000000">
+                          <a:alpha val="100000"/>
+                        </a:srgbClr>
+                      </a:solidFill>
+                      <a:prstDash val="sysDash"/>
+                    </a:lnT>
+                    <a:lnB w="12700" cmpd="sng" algn="ctr" cap="flat">
+                      <a:solidFill>
+                        <a:srgbClr val="000000">
+                          <a:alpha val="100000"/>
+                        </a:srgbClr>
+                      </a:solidFill>
+                      <a:prstDash val="sysDash"/>
+                    </a:lnB>
+                    <a:solidFill>
+                      <a:srgbClr val="EDEDED">
+                        <a:alpha val="100000"/>
+                      </a:srgbClr>
+                    </a:solidFill>
+                  </a:tcPr>
+                </a:tc>
+                <a:tc>
+                  <a:txBody>
+                    <a:bodyPr/>
+                    <a:lstStyle/>
+                    <a:p>
+                      <a:pPr algn="r" marL="63500" marR="63500">
+                        <a:lnSpc>
+                          <a:spcPct val="100000"/>
+                        </a:lnSpc>
+                        <a:spcBef>
+                          <a:spcPts val="500"/>
+                        </a:spcBef>
+                        <a:spcAft>
+                          <a:spcPts val="500"/>
+                        </a:spcAft>
+                        <a:buNone/>
+                      </a:pPr>
+                      <a:r>
+                        <a:rPr sz="1100">
+                          <a:solidFill>
+                            <a:srgbClr val="000000">
+                              <a:alpha val="100000"/>
+                            </a:srgbClr>
+                          </a:solidFill>
+                          <a:latin typeface="Calibri"/>
+                          <a:cs typeface="Calibri"/>
+                          <a:ea typeface="Calibri"/>
+                          <a:sym typeface="Calibri"/>
+                        </a:rPr>
+                        <a:t>14.27</a:t>
+                      </a:r>
+                    </a:p>
+                  </a:txBody>
+                  <a:tcPr anchor="ctr" marB="0" marT="0" marR="0" marL="0">
+                    <a:lnL w="12700" cmpd="sng" algn="ctr" cap="flat">
+                      <a:solidFill>
+                        <a:srgbClr val="000000">
+                          <a:alpha val="100000"/>
+                        </a:srgbClr>
+                      </a:solidFill>
+                      <a:prstDash val="sysDash"/>
+                    </a:lnL>
+                    <a:lnR w="12700" cmpd="sng" algn="ctr" cap="flat">
+                      <a:solidFill>
+                        <a:srgbClr val="000000">
+                          <a:alpha val="100000"/>
+                        </a:srgbClr>
+                      </a:solidFill>
+                      <a:prstDash val="sysDash"/>
+                    </a:lnR>
+                    <a:lnT w="12700" cmpd="sng" algn="ctr" cap="flat">
+                      <a:solidFill>
+                        <a:srgbClr val="000000">
+                          <a:alpha val="100000"/>
+                        </a:srgbClr>
+                      </a:solidFill>
+                      <a:prstDash val="sysDash"/>
+                    </a:lnT>
+                    <a:lnB w="12700" cmpd="sng" algn="ctr" cap="flat">
+                      <a:solidFill>
+                        <a:srgbClr val="000000">
+                          <a:alpha val="100000"/>
+                        </a:srgbClr>
+                      </a:solidFill>
+                      <a:prstDash val="sysDash"/>
+                    </a:lnB>
+                    <a:solidFill>
+                      <a:srgbClr val="EDEDED">
+                        <a:alpha val="100000"/>
+                      </a:srgbClr>
+                    </a:solidFill>
+                  </a:tcPr>
+                </a:tc>
+                <a:tc>
+                  <a:txBody>
+                    <a:bodyPr/>
+                    <a:lstStyle/>
+                    <a:p>
+                      <a:pPr algn="r" marL="63500" marR="63500">
+                        <a:lnSpc>
+                          <a:spcPct val="100000"/>
+                        </a:lnSpc>
+                        <a:spcBef>
+                          <a:spcPts val="500"/>
+                        </a:spcBef>
+                        <a:spcAft>
+                          <a:spcPts val="500"/>
+                        </a:spcAft>
+                        <a:buNone/>
+                      </a:pPr>
+                      <a:r>
+                        <a:rPr sz="1100">
+                          <a:solidFill>
+                            <a:srgbClr val="000000">
+                              <a:alpha val="100000"/>
+                            </a:srgbClr>
+                          </a:solidFill>
+                          <a:latin typeface="Calibri"/>
+                          <a:cs typeface="Calibri"/>
+                          <a:ea typeface="Calibri"/>
+                          <a:sym typeface="Calibri"/>
+                        </a:rPr>
+                        <a:t>0.93</a:t>
+                      </a:r>
+                    </a:p>
+                  </a:txBody>
+                  <a:tcPr anchor="ctr" marB="0" marT="0" marR="0" marL="0">
+                    <a:lnL w="12700" cmpd="sng" algn="ctr" cap="flat">
+                      <a:solidFill>
+                        <a:srgbClr val="000000">
+                          <a:alpha val="100000"/>
+                        </a:srgbClr>
+                      </a:solidFill>
+                      <a:prstDash val="sysDash"/>
+                    </a:lnL>
+                    <a:lnR w="12700" cmpd="sng" algn="ctr" cap="flat">
+                      <a:solidFill>
+                        <a:srgbClr val="000000">
+                          <a:alpha val="100000"/>
+                        </a:srgbClr>
+                      </a:solidFill>
+                      <a:prstDash val="sysDash"/>
+                    </a:lnR>
+                    <a:lnT w="12700" cmpd="sng" algn="ctr" cap="flat">
+                      <a:solidFill>
+                        <a:srgbClr val="000000">
+                          <a:alpha val="100000"/>
+                        </a:srgbClr>
+                      </a:solidFill>
+                      <a:prstDash val="sysDash"/>
+                    </a:lnT>
+                    <a:lnB w="12700" cmpd="sng" algn="ctr" cap="flat">
+                      <a:solidFill>
+                        <a:srgbClr val="000000">
+                          <a:alpha val="100000"/>
+                        </a:srgbClr>
+                      </a:solidFill>
+                      <a:prstDash val="sysDash"/>
+                    </a:lnB>
+                    <a:solidFill>
+                      <a:srgbClr val="EDEDED">
+                        <a:alpha val="100000"/>
+                      </a:srgbClr>
+                    </a:solidFill>
+                  </a:tcPr>
+                </a:tc>
+                <a:tc>
+                  <a:txBody>
+                    <a:bodyPr/>
+                    <a:lstStyle/>
+                    <a:p>
+                      <a:pPr algn="r" marL="63500" marR="63500">
+                        <a:lnSpc>
+                          <a:spcPct val="100000"/>
+                        </a:lnSpc>
+                        <a:spcBef>
+                          <a:spcPts val="500"/>
+                        </a:spcBef>
+                        <a:spcAft>
+                          <a:spcPts val="500"/>
+                        </a:spcAft>
+                        <a:buNone/>
+                      </a:pPr>
+                      <a:r>
+                        <a:rPr sz="1100">
+                          <a:solidFill>
+                            <a:srgbClr val="000000">
+                              <a:alpha val="100000"/>
+                            </a:srgbClr>
+                          </a:solidFill>
+                          <a:latin typeface="Calibri"/>
+                          <a:cs typeface="Calibri"/>
+                          <a:ea typeface="Calibri"/>
+                          <a:sym typeface="Calibri"/>
+                        </a:rPr>
+                        <a:t>11.07</a:t>
+                      </a:r>
+                    </a:p>
+                  </a:txBody>
+                  <a:tcPr anchor="ctr" marB="0" marT="0" marR="0" marL="0">
+                    <a:lnL w="12700" cmpd="sng" algn="ctr" cap="flat">
+                      <a:solidFill>
+                        <a:srgbClr val="000000">
+                          <a:alpha val="100000"/>
+                        </a:srgbClr>
+                      </a:solidFill>
+                      <a:prstDash val="sysDash"/>
+                    </a:lnL>
+                    <a:lnR w="12700" cmpd="sng" algn="ctr" cap="flat">
+                      <a:solidFill>
+                        <a:srgbClr val="000000">
+                          <a:alpha val="100000"/>
+                        </a:srgbClr>
+                      </a:solidFill>
+                      <a:prstDash val="solid"/>
+                    </a:lnR>
+                    <a:lnT w="12700" cmpd="sng" algn="ctr" cap="flat">
+                      <a:solidFill>
+                        <a:srgbClr val="000000">
+                          <a:alpha val="100000"/>
+                        </a:srgbClr>
+                      </a:solidFill>
+                      <a:prstDash val="sysDash"/>
+                    </a:lnT>
+                    <a:lnB w="12700" cmpd="sng" algn="ctr" cap="flat">
+                      <a:solidFill>
+                        <a:srgbClr val="000000">
+                          <a:alpha val="100000"/>
+                        </a:srgbClr>
+                      </a:solidFill>
+                      <a:prstDash val="sysDash"/>
+                    </a:lnB>
+                    <a:solidFill>
+                      <a:srgbClr val="EDEDED">
+                        <a:alpha val="100000"/>
+                      </a:srgbClr>
+                    </a:solidFill>
+                  </a:tcPr>
+                </a:tc>
+              </a:tr>
+              <a:tr h="351633">
+                <a:tc>
+                  <a:txBody>
+                    <a:bodyPr/>
+                    <a:lstStyle/>
+                    <a:p>
+                      <a:pPr algn="l" marL="63500" marR="63500">
+                        <a:lnSpc>
+                          <a:spcPct val="100000"/>
+                        </a:lnSpc>
+                        <a:spcBef>
+                          <a:spcPts val="500"/>
+                        </a:spcBef>
+                        <a:spcAft>
+                          <a:spcPts val="500"/>
+                        </a:spcAft>
+                        <a:buNone/>
+                      </a:pPr>
+                      <a:r>
+                        <a:rPr sz="1100">
+                          <a:solidFill>
+                            <a:srgbClr val="000000">
+                              <a:alpha val="100000"/>
+                            </a:srgbClr>
+                          </a:solidFill>
+                          <a:latin typeface="Calibri"/>
+                          <a:cs typeface="Calibri"/>
+                          <a:ea typeface="Calibri"/>
+                          <a:sym typeface="Calibri"/>
+                        </a:rPr>
+                        <a:t>P09</a:t>
+                      </a:r>
+                    </a:p>
+                  </a:txBody>
+                  <a:tcPr anchor="ctr" marB="0" marT="0" marR="0" marL="0">
+                    <a:lnL w="12700" cmpd="sng" algn="ctr" cap="flat">
+                      <a:solidFill>
+                        <a:srgbClr val="000000">
+                          <a:alpha val="100000"/>
+                        </a:srgbClr>
+                      </a:solidFill>
+                      <a:prstDash val="solid"/>
+                    </a:lnL>
+                    <a:lnR w="12700" cmpd="sng" algn="ctr" cap="flat">
+                      <a:solidFill>
+                        <a:srgbClr val="000000">
+                          <a:alpha val="100000"/>
+                        </a:srgbClr>
+                      </a:solidFill>
+                      <a:prstDash val="sysDash"/>
+                    </a:lnR>
+                    <a:lnT w="12700" cmpd="sng" algn="ctr" cap="flat">
+                      <a:solidFill>
+                        <a:srgbClr val="000000">
+                          <a:alpha val="100000"/>
+                        </a:srgbClr>
+                      </a:solidFill>
+                      <a:prstDash val="sysDash"/>
+                    </a:lnT>
+                    <a:lnB w="12700" cmpd="sng" algn="ctr" cap="flat">
+                      <a:solidFill>
+                        <a:srgbClr val="000000">
+                          <a:alpha val="100000"/>
+                        </a:srgbClr>
+                      </a:solidFill>
+                      <a:prstDash val="sysDash"/>
+                    </a:lnB>
+                    <a:solidFill>
+                      <a:srgbClr val="EDEDED">
+                        <a:alpha val="100000"/>
+                      </a:srgbClr>
+                    </a:solidFill>
+                  </a:tcPr>
+                </a:tc>
+                <a:tc>
+                  <a:txBody>
+                    <a:bodyPr/>
+                    <a:lstStyle/>
+                    <a:p>
+                      <a:pPr algn="r" marL="63500" marR="63500">
+                        <a:lnSpc>
+                          <a:spcPct val="100000"/>
+                        </a:lnSpc>
+                        <a:spcBef>
+                          <a:spcPts val="500"/>
+                        </a:spcBef>
+                        <a:spcAft>
+                          <a:spcPts val="500"/>
+                        </a:spcAft>
+                        <a:buNone/>
+                      </a:pPr>
+                      <a:r>
+                        <a:rPr sz="1100">
+                          <a:solidFill>
+                            <a:srgbClr val="000000">
+                              <a:alpha val="100000"/>
+                            </a:srgbClr>
+                          </a:solidFill>
+                          <a:latin typeface="Calibri"/>
+                          <a:cs typeface="Calibri"/>
+                          <a:ea typeface="Calibri"/>
+                          <a:sym typeface="Calibri"/>
+                        </a:rPr>
+                        <a:t>4.00</a:t>
+                      </a:r>
+                    </a:p>
+                  </a:txBody>
+                  <a:tcPr anchor="ctr" marB="0" marT="0" marR="0" marL="0">
+                    <a:lnL w="12700" cmpd="sng" algn="ctr" cap="flat">
+                      <a:solidFill>
+                        <a:srgbClr val="000000">
+                          <a:alpha val="100000"/>
+                        </a:srgbClr>
+                      </a:solidFill>
+                      <a:prstDash val="sysDash"/>
+                    </a:lnL>
+                    <a:lnR w="12700" cmpd="sng" algn="ctr" cap="flat">
+                      <a:solidFill>
+                        <a:srgbClr val="000000">
+                          <a:alpha val="100000"/>
+                        </a:srgbClr>
+                      </a:solidFill>
+                      <a:prstDash val="sysDash"/>
+                    </a:lnR>
+                    <a:lnT w="12700" cmpd="sng" algn="ctr" cap="flat">
+                      <a:solidFill>
+                        <a:srgbClr val="000000">
+                          <a:alpha val="100000"/>
+                        </a:srgbClr>
+                      </a:solidFill>
+                      <a:prstDash val="sysDash"/>
+                    </a:lnT>
+                    <a:lnB w="12700" cmpd="sng" algn="ctr" cap="flat">
+                      <a:solidFill>
+                        <a:srgbClr val="000000">
+                          <a:alpha val="100000"/>
+                        </a:srgbClr>
+                      </a:solidFill>
+                      <a:prstDash val="sysDash"/>
+                    </a:lnB>
+                    <a:solidFill>
+                      <a:srgbClr val="EDEDED">
+                        <a:alpha val="100000"/>
+                      </a:srgbClr>
+                    </a:solidFill>
+                  </a:tcPr>
+                </a:tc>
+                <a:tc>
+                  <a:txBody>
+                    <a:bodyPr/>
+                    <a:lstStyle/>
+                    <a:p>
+                      <a:pPr algn="r" marL="63500" marR="63500">
+                        <a:lnSpc>
+                          <a:spcPct val="100000"/>
+                        </a:lnSpc>
+                        <a:spcBef>
+                          <a:spcPts val="500"/>
+                        </a:spcBef>
+                        <a:spcAft>
+                          <a:spcPts val="500"/>
+                        </a:spcAft>
+                        <a:buNone/>
+                      </a:pPr>
+                      <a:r>
+                        <a:rPr sz="1100">
+                          <a:solidFill>
+                            <a:srgbClr val="000000">
+                              <a:alpha val="100000"/>
+                            </a:srgbClr>
+                          </a:solidFill>
+                          <a:latin typeface="Calibri"/>
+                          <a:cs typeface="Calibri"/>
+                          <a:ea typeface="Calibri"/>
+                          <a:sym typeface="Calibri"/>
+                        </a:rPr>
+                        <a:t>13.33</a:t>
+                      </a:r>
+                    </a:p>
+                  </a:txBody>
+                  <a:tcPr anchor="ctr" marB="0" marT="0" marR="0" marL="0">
+                    <a:lnL w="12700" cmpd="sng" algn="ctr" cap="flat">
+                      <a:solidFill>
+                        <a:srgbClr val="000000">
+                          <a:alpha val="100000"/>
+                        </a:srgbClr>
+                      </a:solidFill>
+                      <a:prstDash val="sysDash"/>
+                    </a:lnL>
+                    <a:lnR w="12700" cmpd="sng" algn="ctr" cap="flat">
+                      <a:solidFill>
+                        <a:srgbClr val="000000">
+                          <a:alpha val="100000"/>
+                        </a:srgbClr>
+                      </a:solidFill>
+                      <a:prstDash val="sysDash"/>
+                    </a:lnR>
+                    <a:lnT w="12700" cmpd="sng" algn="ctr" cap="flat">
+                      <a:solidFill>
+                        <a:srgbClr val="000000">
+                          <a:alpha val="100000"/>
+                        </a:srgbClr>
+                      </a:solidFill>
+                      <a:prstDash val="sysDash"/>
+                    </a:lnT>
+                    <a:lnB w="12700" cmpd="sng" algn="ctr" cap="flat">
+                      <a:solidFill>
+                        <a:srgbClr val="000000">
+                          <a:alpha val="100000"/>
+                        </a:srgbClr>
+                      </a:solidFill>
+                      <a:prstDash val="sysDash"/>
+                    </a:lnB>
+                    <a:solidFill>
+                      <a:srgbClr val="EDEDED">
+                        <a:alpha val="100000"/>
+                      </a:srgbClr>
+                    </a:solidFill>
+                  </a:tcPr>
+                </a:tc>
+                <a:tc>
+                  <a:txBody>
+                    <a:bodyPr/>
+                    <a:lstStyle/>
+                    <a:p>
+                      <a:pPr algn="r" marL="63500" marR="63500">
+                        <a:lnSpc>
+                          <a:spcPct val="100000"/>
+                        </a:lnSpc>
+                        <a:spcBef>
+                          <a:spcPts val="500"/>
+                        </a:spcBef>
+                        <a:spcAft>
+                          <a:spcPts val="500"/>
+                        </a:spcAft>
+                        <a:buNone/>
+                      </a:pPr>
+                      <a:r>
+                        <a:rPr sz="1100">
+                          <a:solidFill>
+                            <a:srgbClr val="000000">
+                              <a:alpha val="100000"/>
+                            </a:srgbClr>
+                          </a:solidFill>
+                          <a:latin typeface="Calibri"/>
+                          <a:cs typeface="Calibri"/>
+                          <a:ea typeface="Calibri"/>
+                          <a:sym typeface="Calibri"/>
+                        </a:rPr>
+                        <a:t>0.00</a:t>
+                      </a:r>
+                    </a:p>
+                  </a:txBody>
+                  <a:tcPr anchor="ctr" marB="0" marT="0" marR="0" marL="0">
+                    <a:lnL w="12700" cmpd="sng" algn="ctr" cap="flat">
+                      <a:solidFill>
+                        <a:srgbClr val="000000">
+                          <a:alpha val="100000"/>
+                        </a:srgbClr>
+                      </a:solidFill>
+                      <a:prstDash val="sysDash"/>
+                    </a:lnL>
+                    <a:lnR w="12700" cmpd="sng" algn="ctr" cap="flat">
+                      <a:solidFill>
+                        <a:srgbClr val="000000">
+                          <a:alpha val="100000"/>
+                        </a:srgbClr>
+                      </a:solidFill>
+                      <a:prstDash val="sysDash"/>
+                    </a:lnR>
+                    <a:lnT w="12700" cmpd="sng" algn="ctr" cap="flat">
+                      <a:solidFill>
+                        <a:srgbClr val="000000">
+                          <a:alpha val="100000"/>
+                        </a:srgbClr>
+                      </a:solidFill>
+                      <a:prstDash val="sysDash"/>
+                    </a:lnT>
+                    <a:lnB w="12700" cmpd="sng" algn="ctr" cap="flat">
+                      <a:solidFill>
+                        <a:srgbClr val="000000">
+                          <a:alpha val="100000"/>
+                        </a:srgbClr>
+                      </a:solidFill>
+                      <a:prstDash val="sysDash"/>
+                    </a:lnB>
+                    <a:solidFill>
+                      <a:srgbClr val="EDEDED">
+                        <a:alpha val="100000"/>
+                      </a:srgbClr>
+                    </a:solidFill>
+                  </a:tcPr>
+                </a:tc>
+                <a:tc>
+                  <a:txBody>
+                    <a:bodyPr/>
+                    <a:lstStyle/>
+                    <a:p>
+                      <a:pPr algn="r" marL="63500" marR="63500">
+                        <a:lnSpc>
+                          <a:spcPct val="100000"/>
+                        </a:lnSpc>
+                        <a:spcBef>
+                          <a:spcPts val="500"/>
+                        </a:spcBef>
+                        <a:spcAft>
+                          <a:spcPts val="500"/>
+                        </a:spcAft>
+                        <a:buNone/>
+                      </a:pPr>
+                      <a:r>
+                        <a:rPr sz="1100">
+                          <a:solidFill>
+                            <a:srgbClr val="000000">
+                              <a:alpha val="100000"/>
+                            </a:srgbClr>
+                          </a:solidFill>
+                          <a:latin typeface="Calibri"/>
+                          <a:cs typeface="Calibri"/>
+                          <a:ea typeface="Calibri"/>
+                          <a:sym typeface="Calibri"/>
+                        </a:rPr>
+                        <a:t>9.27</a:t>
+                      </a:r>
+                    </a:p>
+                  </a:txBody>
+                  <a:tcPr anchor="ctr" marB="0" marT="0" marR="0" marL="0">
+                    <a:lnL w="12700" cmpd="sng" algn="ctr" cap="flat">
+                      <a:solidFill>
+                        <a:srgbClr val="000000">
+                          <a:alpha val="100000"/>
+                        </a:srgbClr>
+                      </a:solidFill>
+                      <a:prstDash val="sysDash"/>
+                    </a:lnL>
+                    <a:lnR w="12700" cmpd="sng" algn="ctr" cap="flat">
+                      <a:solidFill>
+                        <a:srgbClr val="000000">
+                          <a:alpha val="100000"/>
+                        </a:srgbClr>
+                      </a:solidFill>
+                      <a:prstDash val="solid"/>
+                    </a:lnR>
+                    <a:lnT w="12700" cmpd="sng" algn="ctr" cap="flat">
+                      <a:solidFill>
+                        <a:srgbClr val="000000">
+                          <a:alpha val="100000"/>
+                        </a:srgbClr>
+                      </a:solidFill>
+                      <a:prstDash val="sysDash"/>
+                    </a:lnT>
+                    <a:lnB w="12700" cmpd="sng" algn="ctr" cap="flat">
+                      <a:solidFill>
+                        <a:srgbClr val="000000">
+                          <a:alpha val="100000"/>
+                        </a:srgbClr>
+                      </a:solidFill>
+                      <a:prstDash val="sysDash"/>
+                    </a:lnB>
+                    <a:solidFill>
+                      <a:srgbClr val="EDEDED">
+                        <a:alpha val="100000"/>
+                      </a:srgbClr>
+                    </a:solidFill>
+                  </a:tcPr>
+                </a:tc>
+              </a:tr>
+              <a:tr h="351633">
+                <a:tc>
+                  <a:txBody>
+                    <a:bodyPr/>
+                    <a:lstStyle/>
+                    <a:p>
+                      <a:pPr algn="l" marL="63500" marR="63500">
+                        <a:lnSpc>
+                          <a:spcPct val="100000"/>
+                        </a:lnSpc>
+                        <a:spcBef>
+                          <a:spcPts val="500"/>
+                        </a:spcBef>
+                        <a:spcAft>
+                          <a:spcPts val="500"/>
+                        </a:spcAft>
+                        <a:buNone/>
+                      </a:pPr>
+                      <a:r>
+                        <a:rPr sz="1100">
+                          <a:solidFill>
+                            <a:srgbClr val="000000">
+                              <a:alpha val="100000"/>
+                            </a:srgbClr>
+                          </a:solidFill>
+                          <a:latin typeface="Calibri"/>
+                          <a:cs typeface="Calibri"/>
+                          <a:ea typeface="Calibri"/>
+                          <a:sym typeface="Calibri"/>
+                        </a:rPr>
+                        <a:t>P10</a:t>
+                      </a:r>
+                    </a:p>
+                  </a:txBody>
+                  <a:tcPr anchor="ctr" marB="0" marT="0" marR="0" marL="0">
+                    <a:lnL w="12700" cmpd="sng" algn="ctr" cap="flat">
+                      <a:solidFill>
+                        <a:srgbClr val="000000">
+                          <a:alpha val="100000"/>
+                        </a:srgbClr>
+                      </a:solidFill>
+                      <a:prstDash val="solid"/>
+                    </a:lnL>
+                    <a:lnR w="12700" cmpd="sng" algn="ctr" cap="flat">
+                      <a:solidFill>
+                        <a:srgbClr val="000000">
+                          <a:alpha val="100000"/>
+                        </a:srgbClr>
+                      </a:solidFill>
+                      <a:prstDash val="sysDash"/>
+                    </a:lnR>
+                    <a:lnT w="12700" cmpd="sng" algn="ctr" cap="flat">
+                      <a:solidFill>
+                        <a:srgbClr val="000000">
+                          <a:alpha val="100000"/>
+                        </a:srgbClr>
+                      </a:solidFill>
+                      <a:prstDash val="sysDash"/>
+                    </a:lnT>
+                    <a:lnB w="12700" cmpd="sng" algn="ctr" cap="flat">
+                      <a:solidFill>
+                        <a:srgbClr val="000000">
+                          <a:alpha val="100000"/>
+                        </a:srgbClr>
+                      </a:solidFill>
+                      <a:prstDash val="sysDash"/>
+                    </a:lnB>
+                    <a:solidFill>
+                      <a:srgbClr val="EDEDED">
+                        <a:alpha val="100000"/>
+                      </a:srgbClr>
+                    </a:solidFill>
+                  </a:tcPr>
+                </a:tc>
+                <a:tc>
+                  <a:txBody>
+                    <a:bodyPr/>
+                    <a:lstStyle/>
+                    <a:p>
+                      <a:pPr algn="r" marL="63500" marR="63500">
+                        <a:lnSpc>
+                          <a:spcPct val="100000"/>
+                        </a:lnSpc>
+                        <a:spcBef>
+                          <a:spcPts val="500"/>
+                        </a:spcBef>
+                        <a:spcAft>
+                          <a:spcPts val="500"/>
+                        </a:spcAft>
+                        <a:buNone/>
+                      </a:pPr>
+                      <a:r>
+                        <a:rPr sz="1100">
+                          <a:solidFill>
+                            <a:srgbClr val="000000">
+                              <a:alpha val="100000"/>
+                            </a:srgbClr>
+                          </a:solidFill>
+                          <a:latin typeface="Calibri"/>
+                          <a:cs typeface="Calibri"/>
+                          <a:ea typeface="Calibri"/>
+                          <a:sym typeface="Calibri"/>
+                        </a:rPr>
+                        <a:t>9.00</a:t>
+                      </a:r>
+                    </a:p>
+                  </a:txBody>
+                  <a:tcPr anchor="ctr" marB="0" marT="0" marR="0" marL="0">
+                    <a:lnL w="12700" cmpd="sng" algn="ctr" cap="flat">
+                      <a:solidFill>
+                        <a:srgbClr val="000000">
+                          <a:alpha val="100000"/>
+                        </a:srgbClr>
+                      </a:solidFill>
+                      <a:prstDash val="sysDash"/>
+                    </a:lnL>
+                    <a:lnR w="12700" cmpd="sng" algn="ctr" cap="flat">
+                      <a:solidFill>
+                        <a:srgbClr val="000000">
+                          <a:alpha val="100000"/>
+                        </a:srgbClr>
+                      </a:solidFill>
+                      <a:prstDash val="sysDash"/>
+                    </a:lnR>
+                    <a:lnT w="12700" cmpd="sng" algn="ctr" cap="flat">
+                      <a:solidFill>
+                        <a:srgbClr val="000000">
+                          <a:alpha val="100000"/>
+                        </a:srgbClr>
+                      </a:solidFill>
+                      <a:prstDash val="sysDash"/>
+                    </a:lnT>
+                    <a:lnB w="12700" cmpd="sng" algn="ctr" cap="flat">
+                      <a:solidFill>
+                        <a:srgbClr val="000000">
+                          <a:alpha val="100000"/>
+                        </a:srgbClr>
+                      </a:solidFill>
+                      <a:prstDash val="sysDash"/>
+                    </a:lnB>
+                    <a:solidFill>
+                      <a:srgbClr val="EDEDED">
+                        <a:alpha val="100000"/>
+                      </a:srgbClr>
+                    </a:solidFill>
+                  </a:tcPr>
+                </a:tc>
+                <a:tc>
+                  <a:txBody>
+                    <a:bodyPr/>
+                    <a:lstStyle/>
+                    <a:p>
+                      <a:pPr algn="r" marL="63500" marR="63500">
+                        <a:lnSpc>
+                          <a:spcPct val="100000"/>
+                        </a:lnSpc>
+                        <a:spcBef>
+                          <a:spcPts val="500"/>
+                        </a:spcBef>
+                        <a:spcAft>
+                          <a:spcPts val="500"/>
+                        </a:spcAft>
+                        <a:buNone/>
+                      </a:pPr>
+                      <a:r>
+                        <a:rPr sz="1100">
+                          <a:solidFill>
+                            <a:srgbClr val="000000">
+                              <a:alpha val="100000"/>
+                            </a:srgbClr>
+                          </a:solidFill>
+                          <a:latin typeface="Calibri"/>
+                          <a:cs typeface="Calibri"/>
+                          <a:ea typeface="Calibri"/>
+                          <a:sym typeface="Calibri"/>
+                        </a:rPr>
+                        <a:t>30.47</a:t>
+                      </a:r>
+                    </a:p>
+                  </a:txBody>
+                  <a:tcPr anchor="ctr" marB="0" marT="0" marR="0" marL="0">
+                    <a:lnL w="12700" cmpd="sng" algn="ctr" cap="flat">
+                      <a:solidFill>
+                        <a:srgbClr val="000000">
+                          <a:alpha val="100000"/>
+                        </a:srgbClr>
+                      </a:solidFill>
+                      <a:prstDash val="sysDash"/>
+                    </a:lnL>
+                    <a:lnR w="12700" cmpd="sng" algn="ctr" cap="flat">
+                      <a:solidFill>
+                        <a:srgbClr val="000000">
+                          <a:alpha val="100000"/>
+                        </a:srgbClr>
+                      </a:solidFill>
+                      <a:prstDash val="sysDash"/>
+                    </a:lnR>
+                    <a:lnT w="12700" cmpd="sng" algn="ctr" cap="flat">
+                      <a:solidFill>
+                        <a:srgbClr val="000000">
+                          <a:alpha val="100000"/>
+                        </a:srgbClr>
+                      </a:solidFill>
+                      <a:prstDash val="sysDash"/>
+                    </a:lnT>
+                    <a:lnB w="12700" cmpd="sng" algn="ctr" cap="flat">
+                      <a:solidFill>
+                        <a:srgbClr val="000000">
+                          <a:alpha val="100000"/>
+                        </a:srgbClr>
+                      </a:solidFill>
+                      <a:prstDash val="sysDash"/>
+                    </a:lnB>
+                    <a:solidFill>
+                      <a:srgbClr val="EDEDED">
+                        <a:alpha val="100000"/>
+                      </a:srgbClr>
+                    </a:solidFill>
+                  </a:tcPr>
+                </a:tc>
+                <a:tc>
+                  <a:txBody>
+                    <a:bodyPr/>
+                    <a:lstStyle/>
+                    <a:p>
+                      <a:pPr algn="r" marL="63500" marR="63500">
+                        <a:lnSpc>
+                          <a:spcPct val="100000"/>
+                        </a:lnSpc>
+                        <a:spcBef>
+                          <a:spcPts val="500"/>
+                        </a:spcBef>
+                        <a:spcAft>
+                          <a:spcPts val="500"/>
+                        </a:spcAft>
+                        <a:buNone/>
+                      </a:pPr>
+                      <a:r>
+                        <a:rPr sz="1100">
+                          <a:solidFill>
+                            <a:srgbClr val="000000">
+                              <a:alpha val="100000"/>
+                            </a:srgbClr>
+                          </a:solidFill>
+                          <a:latin typeface="Calibri"/>
+                          <a:cs typeface="Calibri"/>
+                          <a:ea typeface="Calibri"/>
+                          <a:sym typeface="Calibri"/>
+                        </a:rPr>
+                        <a:t>5.07</a:t>
+                      </a:r>
+                    </a:p>
+                  </a:txBody>
+                  <a:tcPr anchor="ctr" marB="0" marT="0" marR="0" marL="0">
+                    <a:lnL w="12700" cmpd="sng" algn="ctr" cap="flat">
+                      <a:solidFill>
+                        <a:srgbClr val="000000">
+                          <a:alpha val="100000"/>
+                        </a:srgbClr>
+                      </a:solidFill>
+                      <a:prstDash val="sysDash"/>
+                    </a:lnL>
+                    <a:lnR w="12700" cmpd="sng" algn="ctr" cap="flat">
+                      <a:solidFill>
+                        <a:srgbClr val="000000">
+                          <a:alpha val="100000"/>
+                        </a:srgbClr>
+                      </a:solidFill>
+                      <a:prstDash val="sysDash"/>
+                    </a:lnR>
+                    <a:lnT w="12700" cmpd="sng" algn="ctr" cap="flat">
+                      <a:solidFill>
+                        <a:srgbClr val="000000">
+                          <a:alpha val="100000"/>
+                        </a:srgbClr>
+                      </a:solidFill>
+                      <a:prstDash val="sysDash"/>
+                    </a:lnT>
+                    <a:lnB w="12700" cmpd="sng" algn="ctr" cap="flat">
+                      <a:solidFill>
+                        <a:srgbClr val="000000">
+                          <a:alpha val="100000"/>
+                        </a:srgbClr>
+                      </a:solidFill>
+                      <a:prstDash val="sysDash"/>
+                    </a:lnB>
+                    <a:solidFill>
+                      <a:srgbClr val="EDEDED">
+                        <a:alpha val="100000"/>
+                      </a:srgbClr>
+                    </a:solidFill>
+                  </a:tcPr>
+                </a:tc>
+                <a:tc>
+                  <a:txBody>
+                    <a:bodyPr/>
+                    <a:lstStyle/>
+                    <a:p>
+                      <a:pPr algn="r" marL="63500" marR="63500">
+                        <a:lnSpc>
+                          <a:spcPct val="100000"/>
+                        </a:lnSpc>
+                        <a:spcBef>
+                          <a:spcPts val="500"/>
+                        </a:spcBef>
+                        <a:spcAft>
+                          <a:spcPts val="500"/>
+                        </a:spcAft>
+                        <a:buNone/>
+                      </a:pPr>
+                      <a:r>
+                        <a:rPr sz="1100">
+                          <a:solidFill>
+                            <a:srgbClr val="000000">
+                              <a:alpha val="100000"/>
+                            </a:srgbClr>
+                          </a:solidFill>
+                          <a:latin typeface="Calibri"/>
+                          <a:cs typeface="Calibri"/>
+                          <a:ea typeface="Calibri"/>
+                          <a:sym typeface="Calibri"/>
+                        </a:rPr>
+                        <a:t>9.67</a:t>
+                      </a:r>
+                    </a:p>
+                  </a:txBody>
+                  <a:tcPr anchor="ctr" marB="0" marT="0" marR="0" marL="0">
+                    <a:lnL w="12700" cmpd="sng" algn="ctr" cap="flat">
+                      <a:solidFill>
+                        <a:srgbClr val="000000">
+                          <a:alpha val="100000"/>
+                        </a:srgbClr>
+                      </a:solidFill>
+                      <a:prstDash val="sysDash"/>
+                    </a:lnL>
+                    <a:lnR w="12700" cmpd="sng" algn="ctr" cap="flat">
+                      <a:solidFill>
+                        <a:srgbClr val="000000">
+                          <a:alpha val="100000"/>
+                        </a:srgbClr>
+                      </a:solidFill>
+                      <a:prstDash val="solid"/>
+                    </a:lnR>
+                    <a:lnT w="12700" cmpd="sng" algn="ctr" cap="flat">
+                      <a:solidFill>
+                        <a:srgbClr val="000000">
+                          <a:alpha val="100000"/>
+                        </a:srgbClr>
+                      </a:solidFill>
+                      <a:prstDash val="sysDash"/>
+                    </a:lnT>
+                    <a:lnB w="12700" cmpd="sng" algn="ctr" cap="flat">
+                      <a:solidFill>
+                        <a:srgbClr val="000000">
+                          <a:alpha val="100000"/>
+                        </a:srgbClr>
+                      </a:solidFill>
+                      <a:prstDash val="sysDash"/>
+                    </a:lnB>
+                    <a:solidFill>
+                      <a:srgbClr val="EDEDED">
+                        <a:alpha val="100000"/>
+                      </a:srgbClr>
+                    </a:solidFill>
+                  </a:tcPr>
+                </a:tc>
+              </a:tr>
+              <a:tr h="375371">
+                <a:tc>
+                  <a:txBody>
+                    <a:bodyPr/>
+                    <a:lstStyle/>
+                    <a:p>
+                      <a:pPr algn="l" marL="63500" marR="63500">
+                        <a:lnSpc>
+                          <a:spcPct val="100000"/>
+                        </a:lnSpc>
+                        <a:spcBef>
+                          <a:spcPts val="500"/>
+                        </a:spcBef>
+                        <a:spcAft>
+                          <a:spcPts val="500"/>
+                        </a:spcAft>
+                        <a:buNone/>
+                      </a:pPr>
+                      <a:r>
+                        <a:rPr sz="1100" i="1" b="1">
+                          <a:solidFill>
+                            <a:srgbClr val="000000">
+                              <a:alpha val="100000"/>
+                            </a:srgbClr>
+                          </a:solidFill>
+                          <a:latin typeface="Calibri"/>
+                          <a:cs typeface="Calibri"/>
+                          <a:ea typeface="Calibri"/>
+                          <a:sym typeface="Calibri"/>
+                        </a:rPr>
+                        <a:t>POpt</a:t>
+                      </a:r>
+                    </a:p>
+                  </a:txBody>
+                  <a:tcPr anchor="ctr" marB="0" marT="0" marR="0" marL="0">
+                    <a:lnL w="12700" cmpd="sng" algn="ctr" cap="flat">
+                      <a:solidFill>
+                        <a:srgbClr val="000000">
+                          <a:alpha val="100000"/>
+                        </a:srgbClr>
+                      </a:solidFill>
+                      <a:prstDash val="solid"/>
+                    </a:lnL>
+                    <a:lnR w="12700" cmpd="sng" algn="ctr" cap="flat">
+                      <a:solidFill>
+                        <a:srgbClr val="000000">
+                          <a:alpha val="100000"/>
+                        </a:srgbClr>
+                      </a:solidFill>
+                      <a:prstDash val="sysDash"/>
+                    </a:lnR>
+                    <a:lnT w="12700" cmpd="sng" algn="ctr" cap="flat">
+                      <a:solidFill>
+                        <a:srgbClr val="000000">
+                          <a:alpha val="100000"/>
+                        </a:srgbClr>
+                      </a:solidFill>
+                      <a:prstDash val="sysDash"/>
+                    </a:lnT>
+                    <a:lnB w="12700" cmpd="sng" algn="ctr" cap="flat">
+                      <a:solidFill>
+                        <a:srgbClr val="000000">
+                          <a:alpha val="100000"/>
+                        </a:srgbClr>
+                      </a:solidFill>
+                      <a:prstDash val="solid"/>
+                    </a:lnB>
+                    <a:solidFill>
+                      <a:srgbClr val="EDEDED">
+                        <a:alpha val="100000"/>
+                      </a:srgbClr>
+                    </a:solidFill>
+                  </a:tcPr>
+                </a:tc>
+                <a:tc>
+                  <a:txBody>
+                    <a:bodyPr/>
+                    <a:lstStyle/>
+                    <a:p>
+                      <a:pPr algn="r" marL="63500" marR="63500">
+                        <a:lnSpc>
+                          <a:spcPct val="100000"/>
+                        </a:lnSpc>
+                        <a:spcBef>
+                          <a:spcPts val="500"/>
+                        </a:spcBef>
+                        <a:spcAft>
+                          <a:spcPts val="500"/>
+                        </a:spcAft>
+                        <a:buNone/>
+                      </a:pPr>
+                      <a:r>
+                        <a:rPr sz="1100" i="1" b="1">
+                          <a:solidFill>
+                            <a:srgbClr val="000000">
+                              <a:alpha val="100000"/>
+                            </a:srgbClr>
+                          </a:solidFill>
+                          <a:latin typeface="Calibri"/>
+                          <a:cs typeface="Calibri"/>
+                          <a:ea typeface="Calibri"/>
+                          <a:sym typeface="Calibri"/>
+                        </a:rPr>
+                        <a:t>6.67</a:t>
+                      </a:r>
+                    </a:p>
+                  </a:txBody>
+                  <a:tcPr anchor="ctr" marB="0" marT="0" marR="0" marL="0">
+                    <a:lnL w="12700" cmpd="sng" algn="ctr" cap="flat">
+                      <a:solidFill>
+                        <a:srgbClr val="000000">
+                          <a:alpha val="100000"/>
+                        </a:srgbClr>
+                      </a:solidFill>
+                      <a:prstDash val="sysDash"/>
+                    </a:lnL>
+                    <a:lnR w="12700" cmpd="sng" algn="ctr" cap="flat">
+                      <a:solidFill>
+                        <a:srgbClr val="000000">
+                          <a:alpha val="100000"/>
+                        </a:srgbClr>
+                      </a:solidFill>
+                      <a:prstDash val="sysDash"/>
+                    </a:lnR>
+                    <a:lnT w="12700" cmpd="sng" algn="ctr" cap="flat">
+                      <a:solidFill>
+                        <a:srgbClr val="000000">
+                          <a:alpha val="100000"/>
+                        </a:srgbClr>
+                      </a:solidFill>
+                      <a:prstDash val="sysDash"/>
+                    </a:lnT>
+                    <a:lnB w="12700" cmpd="sng" algn="ctr" cap="flat">
+                      <a:solidFill>
+                        <a:srgbClr val="000000">
+                          <a:alpha val="100000"/>
+                        </a:srgbClr>
+                      </a:solidFill>
+                      <a:prstDash val="solid"/>
+                    </a:lnB>
+                    <a:solidFill>
+                      <a:srgbClr val="EDEDED">
+                        <a:alpha val="100000"/>
+                      </a:srgbClr>
+                    </a:solidFill>
+                  </a:tcPr>
+                </a:tc>
+                <a:tc>
+                  <a:txBody>
+                    <a:bodyPr/>
+                    <a:lstStyle/>
+                    <a:p>
+                      <a:pPr algn="r" marL="63500" marR="63500">
+                        <a:lnSpc>
+                          <a:spcPct val="100000"/>
+                        </a:lnSpc>
+                        <a:spcBef>
+                          <a:spcPts val="500"/>
+                        </a:spcBef>
+                        <a:spcAft>
+                          <a:spcPts val="500"/>
+                        </a:spcAft>
+                        <a:buNone/>
+                      </a:pPr>
+                      <a:r>
+                        <a:rPr sz="1100" i="1" b="1">
+                          <a:solidFill>
+                            <a:srgbClr val="FFA500">
+                              <a:alpha val="100000"/>
+                            </a:srgbClr>
+                          </a:solidFill>
+                          <a:latin typeface="Calibri"/>
+                          <a:cs typeface="Calibri"/>
+                          <a:ea typeface="Calibri"/>
+                          <a:sym typeface="Calibri"/>
+                        </a:rPr>
+                        <a:t>17.73</a:t>
+                      </a:r>
+                    </a:p>
+                  </a:txBody>
+                  <a:tcPr anchor="ctr" marB="0" marT="0" marR="0" marL="0">
+                    <a:lnL w="12700" cmpd="sng" algn="ctr" cap="flat">
+                      <a:solidFill>
+                        <a:srgbClr val="000000">
+                          <a:alpha val="100000"/>
+                        </a:srgbClr>
+                      </a:solidFill>
+                      <a:prstDash val="sysDash"/>
+                    </a:lnL>
+                    <a:lnR w="12700" cmpd="sng" algn="ctr" cap="flat">
+                      <a:solidFill>
+                        <a:srgbClr val="000000">
+                          <a:alpha val="100000"/>
+                        </a:srgbClr>
+                      </a:solidFill>
+                      <a:prstDash val="sysDash"/>
+                    </a:lnR>
+                    <a:lnT w="12700" cmpd="sng" algn="ctr" cap="flat">
+                      <a:solidFill>
+                        <a:srgbClr val="000000">
+                          <a:alpha val="100000"/>
+                        </a:srgbClr>
+                      </a:solidFill>
+                      <a:prstDash val="sysDash"/>
+                    </a:lnT>
+                    <a:lnB w="12700" cmpd="sng" algn="ctr" cap="flat">
+                      <a:solidFill>
+                        <a:srgbClr val="000000">
+                          <a:alpha val="100000"/>
+                        </a:srgbClr>
+                      </a:solidFill>
+                      <a:prstDash val="solid"/>
+                    </a:lnB>
+                    <a:solidFill>
+                      <a:srgbClr val="EDEDED">
+                        <a:alpha val="100000"/>
+                      </a:srgbClr>
+                    </a:solidFill>
+                  </a:tcPr>
+                </a:tc>
+                <a:tc>
+                  <a:txBody>
+                    <a:bodyPr/>
+                    <a:lstStyle/>
+                    <a:p>
+                      <a:pPr algn="r" marL="63500" marR="63500">
+                        <a:lnSpc>
+                          <a:spcPct val="100000"/>
+                        </a:lnSpc>
+                        <a:spcBef>
+                          <a:spcPts val="500"/>
+                        </a:spcBef>
+                        <a:spcAft>
+                          <a:spcPts val="500"/>
+                        </a:spcAft>
+                        <a:buNone/>
+                      </a:pPr>
+                      <a:r>
+                        <a:rPr sz="1100" i="1" b="1">
+                          <a:solidFill>
+                            <a:srgbClr val="FF0000">
+                              <a:alpha val="100000"/>
+                            </a:srgbClr>
+                          </a:solidFill>
+                          <a:latin typeface="Calibri"/>
+                          <a:cs typeface="Calibri"/>
+                          <a:ea typeface="Calibri"/>
+                          <a:sym typeface="Calibri"/>
+                        </a:rPr>
+                        <a:t>2.20</a:t>
+                      </a:r>
+                    </a:p>
+                  </a:txBody>
+                  <a:tcPr anchor="ctr" marB="0" marT="0" marR="0" marL="0">
+                    <a:lnL w="12700" cmpd="sng" algn="ctr" cap="flat">
+                      <a:solidFill>
+                        <a:srgbClr val="000000">
+                          <a:alpha val="100000"/>
+                        </a:srgbClr>
+                      </a:solidFill>
+                      <a:prstDash val="sysDash"/>
+                    </a:lnL>
+                    <a:lnR w="12700" cmpd="sng" algn="ctr" cap="flat">
+                      <a:solidFill>
+                        <a:srgbClr val="000000">
+                          <a:alpha val="100000"/>
+                        </a:srgbClr>
+                      </a:solidFill>
+                      <a:prstDash val="sysDash"/>
+                    </a:lnR>
+                    <a:lnT w="12700" cmpd="sng" algn="ctr" cap="flat">
+                      <a:solidFill>
+                        <a:srgbClr val="000000">
+                          <a:alpha val="100000"/>
+                        </a:srgbClr>
+                      </a:solidFill>
+                      <a:prstDash val="sysDash"/>
+                    </a:lnT>
+                    <a:lnB w="12700" cmpd="sng" algn="ctr" cap="flat">
+                      <a:solidFill>
+                        <a:srgbClr val="000000">
+                          <a:alpha val="100000"/>
+                        </a:srgbClr>
+                      </a:solidFill>
+                      <a:prstDash val="solid"/>
+                    </a:lnB>
+                    <a:solidFill>
+                      <a:srgbClr val="EDEDED">
+                        <a:alpha val="100000"/>
+                      </a:srgbClr>
+                    </a:solidFill>
+                  </a:tcPr>
+                </a:tc>
+                <a:tc>
+                  <a:txBody>
+                    <a:bodyPr/>
+                    <a:lstStyle/>
+                    <a:p>
+                      <a:pPr algn="r" marL="63500" marR="63500">
+                        <a:lnSpc>
+                          <a:spcPct val="100000"/>
+                        </a:lnSpc>
+                        <a:spcBef>
+                          <a:spcPts val="500"/>
+                        </a:spcBef>
+                        <a:spcAft>
+                          <a:spcPts val="500"/>
+                        </a:spcAft>
+                        <a:buNone/>
+                      </a:pPr>
+                      <a:r>
+                        <a:rPr sz="1100" i="1" b="1">
+                          <a:solidFill>
+                            <a:srgbClr val="000000">
+                              <a:alpha val="100000"/>
+                            </a:srgbClr>
+                          </a:solidFill>
+                          <a:latin typeface="Calibri"/>
+                          <a:cs typeface="Calibri"/>
+                          <a:ea typeface="Calibri"/>
+                          <a:sym typeface="Calibri"/>
+                        </a:rPr>
+                        <a:t>15.87</a:t>
+                      </a:r>
+                    </a:p>
+                  </a:txBody>
+                  <a:tcPr anchor="ctr" marB="0" marT="0" marR="0" marL="0">
+                    <a:lnL w="12700" cmpd="sng" algn="ctr" cap="flat">
+                      <a:solidFill>
+                        <a:srgbClr val="000000">
+                          <a:alpha val="100000"/>
+                        </a:srgbClr>
+                      </a:solidFill>
+                      <a:prstDash val="sysDash"/>
+                    </a:lnL>
+                    <a:lnR w="12700" cmpd="sng" algn="ctr" cap="flat">
+                      <a:solidFill>
+                        <a:srgbClr val="000000">
+                          <a:alpha val="100000"/>
+                        </a:srgbClr>
+                      </a:solidFill>
+                      <a:prstDash val="solid"/>
+                    </a:lnR>
+                    <a:lnT w="12700" cmpd="sng" algn="ctr" cap="flat">
+                      <a:solidFill>
+                        <a:srgbClr val="000000">
+                          <a:alpha val="100000"/>
+                        </a:srgbClr>
+                      </a:solidFill>
+                      <a:prstDash val="sysDash"/>
+                    </a:lnT>
+                    <a:lnB w="12700" cmpd="sng" algn="ctr" cap="flat">
+                      <a:solidFill>
+                        <a:srgbClr val="000000">
+                          <a:alpha val="100000"/>
+                        </a:srgbClr>
+                      </a:solidFill>
+                      <a:prstDash val="solid"/>
+                    </a:lnB>
+                    <a:solidFill>
+                      <a:srgbClr val="EDEDED">
+                        <a:alpha val="100000"/>
+                      </a:srgbClr>
+                    </a:solidFill>
+                  </a:tcPr>
+                </a:tc>
+              </a:tr>
+            </a:tbl>
+          </a:graphicData>
+        </a:graphic>
+      </p:graphicFrame>
+    </p:spTree>
+  </p:cSld>
+  <p:clrMapOvr>
+    <a:masterClrMapping/>
+  </p:clrMapOvr>
+</p:sld>
+</file>
+
+<file path=ppt/slides/slide7.xml><?xml version="1.0" encoding="utf-8"?>
+<p:sld xmlns:a="http://schemas.openxmlformats.org/drawingml/2006/main" xmlns:r="http://schemas.openxmlformats.org/officeDocument/2006/relationships" xmlns:p="http://schemas.openxmlformats.org/presentationml/2006/main">
+  <p:cSld>
+    <p:spTree>
+      <p:nvGrpSpPr>
+        <p:cNvPr id="1" name=""/>
+        <p:cNvGrpSpPr/>
+        <p:nvPr/>
+      </p:nvGrpSpPr>
+      <p:grpSpPr>
+        <a:xfrm>
+          <a:off x="0" y="0"/>
+          <a:ext cx="0" cy="0"/>
+          <a:chOff x="0" y="0"/>
+          <a:chExt cx="0" cy="0"/>
+        </a:xfrm>
+      </p:grpSpPr>
+      <p:grpSp xmlns:a="http://schemas.openxmlformats.org/drawingml/2006/main" xmlns:r="http://schemas.openxmlformats.org/officeDocument/2006/relationships" xmlns:p="http://schemas.openxmlformats.org/presentationml/2006/main" xmlns:pic="http://schemas.openxmlformats.org/drawingml/2006/picture">
+        <p:nvGrpSpPr>
+          <p:cNvPr id="2" name="Content Placeholder 2"/>
+          <p:cNvGrpSpPr/>
+          <p:nvPr/>
+        </p:nvGrpSpPr>
+        <p:grpSpPr>
+          <a:xfrm>
+            <a:off x="457200" y="1600200"/>
+            <a:ext cx="8229600" cy="4525963"/>
+            <a:chOff x="457200" y="1600200"/>
+            <a:chExt cx="8229600" cy="4525963"/>
+          </a:xfrm>
+        </p:grpSpPr>
+        <p:sp>
+          <p:nvSpPr>
+            <p:cNvPr id="3" name="rc3"/>
+            <p:cNvSpPr/>
+            <p:nvPr/>
+          </p:nvSpPr>
+          <p:spPr>
+            <a:xfrm>
+              <a:off x="457200" y="1600200"/>
+              <a:ext cx="8229600" cy="4525962"/>
+            </a:xfrm>
+            <a:prstGeom prst="rect">
+              <a:avLst/>
+            </a:prstGeom>
+            <a:solidFill>
+              <a:srgbClr val="FFFFFF">
+                <a:alpha val="100000"/>
+              </a:srgbClr>
+            </a:solidFill>
+            <a:ln w="9525" cap="rnd">
+              <a:solidFill>
+                <a:srgbClr val="FFFFFF">
+                  <a:alpha val="100000"/>
+                </a:srgbClr>
+              </a:solidFill>
+              <a:prstDash val="solid"/>
+              <a:round/>
+            </a:ln>
+          </p:spPr>
+          <p:txBody>
+            <a:bodyPr/>
+            <a:lstStyle/>
+            <a:p/>
+          </p:txBody>
+        </p:sp>
+        <p:sp>
+          <p:nvSpPr>
+            <p:cNvPr id="4" name="rc4"/>
+            <p:cNvSpPr/>
+            <p:nvPr/>
+          </p:nvSpPr>
+          <p:spPr>
+            <a:xfrm>
+              <a:off x="457200" y="1600200"/>
+              <a:ext cx="8229600" cy="4525962"/>
+            </a:xfrm>
+            <a:prstGeom prst="rect">
+              <a:avLst/>
+            </a:prstGeom>
+            <a:solidFill>
+              <a:srgbClr val="FFFFFF">
+                <a:alpha val="100000"/>
+              </a:srgbClr>
+            </a:solidFill>
+            <a:ln w="13550" cap="rnd">
+              <a:solidFill>
+                <a:srgbClr val="FFFFFF">
+                  <a:alpha val="100000"/>
+                </a:srgbClr>
+              </a:solidFill>
+              <a:prstDash val="solid"/>
+              <a:round/>
+            </a:ln>
+          </p:spPr>
+          <p:txBody>
+            <a:bodyPr/>
+            <a:lstStyle/>
+            <a:p/>
+          </p:txBody>
+        </p:sp>
+        <p:sp>
+          <p:nvSpPr>
+            <p:cNvPr id="5" name="rc5"/>
+            <p:cNvSpPr/>
+            <p:nvPr/>
+          </p:nvSpPr>
+          <p:spPr>
+            <a:xfrm>
+              <a:off x="877924" y="1669789"/>
+              <a:ext cx="6861270" cy="4056440"/>
+            </a:xfrm>
+            <a:prstGeom prst="rect">
+              <a:avLst/>
+            </a:prstGeom>
+            <a:solidFill>
+              <a:srgbClr val="FFFFFF">
+                <a:alpha val="100000"/>
+              </a:srgbClr>
+            </a:solidFill>
+          </p:spPr>
+          <p:txBody>
+            <a:bodyPr/>
+            <a:lstStyle/>
+            <a:p/>
+          </p:txBody>
+        </p:sp>
+        <p:sp>
+          <p:nvSpPr>
+            <p:cNvPr id="6" name="pl6"/>
+            <p:cNvSpPr/>
+            <p:nvPr/>
+          </p:nvSpPr>
+          <p:spPr>
+            <a:xfrm>
+              <a:off x="877924" y="4936647"/>
+              <a:ext cx="6861270" cy="0"/>
+            </a:xfrm>
+            <a:custGeom>
+              <a:avLst/>
+              <a:pathLst>
+                <a:path w="6861270" h="0">
+                  <a:moveTo>
+                    <a:pt x="0" y="0"/>
+                  </a:moveTo>
+                  <a:lnTo>
+                    <a:pt x="6861270" y="0"/>
+                  </a:lnTo>
+                  <a:lnTo>
+                    <a:pt x="6861270" y="0"/>
+                  </a:lnTo>
+                </a:path>
+              </a:pathLst>
+            </a:custGeom>
+            <a:ln w="6775" cap="flat">
+              <a:solidFill>
+                <a:srgbClr val="EBEBEB">
+                  <a:alpha val="100000"/>
+                </a:srgbClr>
+              </a:solidFill>
+              <a:prstDash val="solid"/>
+              <a:round/>
+            </a:ln>
+          </p:spPr>
+          <p:txBody>
+            <a:bodyPr/>
+            <a:lstStyle/>
+            <a:p/>
+          </p:txBody>
+        </p:sp>
+        <p:sp>
+          <p:nvSpPr>
+            <p:cNvPr id="7" name="pl7"/>
+            <p:cNvSpPr/>
+            <p:nvPr/>
+          </p:nvSpPr>
+          <p:spPr>
+            <a:xfrm>
+              <a:off x="877924" y="3726251"/>
+              <a:ext cx="6861270" cy="0"/>
+            </a:xfrm>
+            <a:custGeom>
+              <a:avLst/>
+              <a:pathLst>
+                <a:path w="6861270" h="0">
+                  <a:moveTo>
+                    <a:pt x="0" y="0"/>
+                  </a:moveTo>
+                  <a:lnTo>
+                    <a:pt x="6861270" y="0"/>
+                  </a:lnTo>
+                  <a:lnTo>
+                    <a:pt x="6861270" y="0"/>
+                  </a:lnTo>
+                </a:path>
+              </a:pathLst>
+            </a:custGeom>
+            <a:ln w="6775" cap="flat">
+              <a:solidFill>
+                <a:srgbClr val="EBEBEB">
+                  <a:alpha val="100000"/>
+                </a:srgbClr>
+              </a:solidFill>
+              <a:prstDash val="solid"/>
+              <a:round/>
+            </a:ln>
+          </p:spPr>
+          <p:txBody>
+            <a:bodyPr/>
+            <a:lstStyle/>
+            <a:p/>
+          </p:txBody>
+        </p:sp>
+        <p:sp>
+          <p:nvSpPr>
+            <p:cNvPr id="8" name="pl8"/>
+            <p:cNvSpPr/>
+            <p:nvPr/>
+          </p:nvSpPr>
+          <p:spPr>
+            <a:xfrm>
+              <a:off x="877924" y="2515855"/>
+              <a:ext cx="6861270" cy="0"/>
+            </a:xfrm>
+            <a:custGeom>
+              <a:avLst/>
+              <a:pathLst>
+                <a:path w="6861270" h="0">
+                  <a:moveTo>
+                    <a:pt x="0" y="0"/>
+                  </a:moveTo>
+                  <a:lnTo>
+                    <a:pt x="6861270" y="0"/>
+                  </a:lnTo>
+                  <a:lnTo>
+                    <a:pt x="6861270" y="0"/>
+                  </a:lnTo>
+                </a:path>
+              </a:pathLst>
+            </a:custGeom>
+            <a:ln w="6775" cap="flat">
+              <a:solidFill>
+                <a:srgbClr val="EBEBEB">
+                  <a:alpha val="100000"/>
+                </a:srgbClr>
+              </a:solidFill>
+              <a:prstDash val="solid"/>
+              <a:round/>
+            </a:ln>
+          </p:spPr>
+          <p:txBody>
+            <a:bodyPr/>
+            <a:lstStyle/>
+            <a:p/>
+          </p:txBody>
+        </p:sp>
+        <p:sp>
+          <p:nvSpPr>
+            <p:cNvPr id="9" name="pl9"/>
+            <p:cNvSpPr/>
+            <p:nvPr/>
+          </p:nvSpPr>
+          <p:spPr>
+            <a:xfrm>
+              <a:off x="877924" y="5541845"/>
+              <a:ext cx="6861270" cy="0"/>
+            </a:xfrm>
+            <a:custGeom>
+              <a:avLst/>
+              <a:pathLst>
+                <a:path w="6861270" h="0">
+                  <a:moveTo>
+                    <a:pt x="0" y="0"/>
+                  </a:moveTo>
+                  <a:lnTo>
+                    <a:pt x="6861270" y="0"/>
+                  </a:lnTo>
+                  <a:lnTo>
+                    <a:pt x="6861270" y="0"/>
+                  </a:lnTo>
+                </a:path>
+              </a:pathLst>
+            </a:custGeom>
+            <a:ln w="13550" cap="flat">
+              <a:solidFill>
+                <a:srgbClr val="EBEBEB">
+                  <a:alpha val="100000"/>
+                </a:srgbClr>
+              </a:solidFill>
+              <a:prstDash val="solid"/>
+              <a:round/>
+            </a:ln>
+          </p:spPr>
+          <p:txBody>
+            <a:bodyPr/>
+            <a:lstStyle/>
+            <a:p/>
+          </p:txBody>
+        </p:sp>
+        <p:sp>
+          <p:nvSpPr>
+            <p:cNvPr id="10" name="pl10"/>
+            <p:cNvSpPr/>
+            <p:nvPr/>
+          </p:nvSpPr>
+          <p:spPr>
+            <a:xfrm>
+              <a:off x="877924" y="4331449"/>
+              <a:ext cx="6861270" cy="0"/>
+            </a:xfrm>
+            <a:custGeom>
+              <a:avLst/>
+              <a:pathLst>
+                <a:path w="6861270" h="0">
+                  <a:moveTo>
+                    <a:pt x="0" y="0"/>
+                  </a:moveTo>
+                  <a:lnTo>
+                    <a:pt x="6861270" y="0"/>
+                  </a:lnTo>
+                  <a:lnTo>
+                    <a:pt x="6861270" y="0"/>
+                  </a:lnTo>
+                </a:path>
+              </a:pathLst>
+            </a:custGeom>
+            <a:ln w="13550" cap="flat">
+              <a:solidFill>
+                <a:srgbClr val="EBEBEB">
+                  <a:alpha val="100000"/>
+                </a:srgbClr>
+              </a:solidFill>
+              <a:prstDash val="solid"/>
+              <a:round/>
+            </a:ln>
+          </p:spPr>
+          <p:txBody>
+            <a:bodyPr/>
+            <a:lstStyle/>
+            <a:p/>
+          </p:txBody>
+        </p:sp>
+        <p:sp>
+          <p:nvSpPr>
+            <p:cNvPr id="11" name="pl11"/>
+            <p:cNvSpPr/>
+            <p:nvPr/>
+          </p:nvSpPr>
+          <p:spPr>
+            <a:xfrm>
+              <a:off x="877924" y="3121053"/>
+              <a:ext cx="6861270" cy="0"/>
+            </a:xfrm>
+            <a:custGeom>
+              <a:avLst/>
+              <a:pathLst>
+                <a:path w="6861270" h="0">
+                  <a:moveTo>
+                    <a:pt x="0" y="0"/>
+                  </a:moveTo>
+                  <a:lnTo>
+                    <a:pt x="6861270" y="0"/>
+                  </a:lnTo>
+                  <a:lnTo>
+                    <a:pt x="6861270" y="0"/>
+                  </a:lnTo>
+                </a:path>
+              </a:pathLst>
+            </a:custGeom>
+            <a:ln w="13550" cap="flat">
+              <a:solidFill>
+                <a:srgbClr val="EBEBEB">
+                  <a:alpha val="100000"/>
+                </a:srgbClr>
+              </a:solidFill>
+              <a:prstDash val="solid"/>
+              <a:round/>
+            </a:ln>
+          </p:spPr>
+          <p:txBody>
+            <a:bodyPr/>
+            <a:lstStyle/>
+            <a:p/>
+          </p:txBody>
+        </p:sp>
+        <p:sp>
+          <p:nvSpPr>
+            <p:cNvPr id="12" name="pl12"/>
+            <p:cNvSpPr/>
+            <p:nvPr/>
+          </p:nvSpPr>
+          <p:spPr>
+            <a:xfrm>
+              <a:off x="877924" y="1910657"/>
+              <a:ext cx="6861270" cy="0"/>
+            </a:xfrm>
+            <a:custGeom>
+              <a:avLst/>
+              <a:pathLst>
+                <a:path w="6861270" h="0">
+                  <a:moveTo>
+                    <a:pt x="0" y="0"/>
+                  </a:moveTo>
+                  <a:lnTo>
+                    <a:pt x="6861270" y="0"/>
+                  </a:lnTo>
+                  <a:lnTo>
+                    <a:pt x="6861270" y="0"/>
+                  </a:lnTo>
+                </a:path>
+              </a:pathLst>
+            </a:custGeom>
+            <a:ln w="13550" cap="flat">
+              <a:solidFill>
+                <a:srgbClr val="EBEBEB">
+                  <a:alpha val="100000"/>
+                </a:srgbClr>
+              </a:solidFill>
+              <a:prstDash val="solid"/>
+              <a:round/>
+            </a:ln>
+          </p:spPr>
+          <p:txBody>
+            <a:bodyPr/>
+            <a:lstStyle/>
+            <a:p/>
+          </p:txBody>
+        </p:sp>
+        <p:sp>
+          <p:nvSpPr>
+            <p:cNvPr id="13" name="pl13"/>
+            <p:cNvSpPr/>
+            <p:nvPr/>
+          </p:nvSpPr>
+          <p:spPr>
+            <a:xfrm>
+              <a:off x="1245492" y="1669789"/>
+              <a:ext cx="0" cy="4056440"/>
+            </a:xfrm>
+            <a:custGeom>
+              <a:avLst/>
+              <a:pathLst>
+                <a:path w="0" h="4056440">
+                  <a:moveTo>
+                    <a:pt x="0" y="4056440"/>
+                  </a:moveTo>
+                  <a:lnTo>
+                    <a:pt x="0" y="0"/>
+                  </a:lnTo>
+                  <a:lnTo>
+                    <a:pt x="0" y="0"/>
+                  </a:lnTo>
+                </a:path>
+              </a:pathLst>
+            </a:custGeom>
+            <a:ln w="13550" cap="flat">
+              <a:solidFill>
+                <a:srgbClr val="EBEBEB">
+                  <a:alpha val="100000"/>
+                </a:srgbClr>
+              </a:solidFill>
+              <a:prstDash val="solid"/>
+              <a:round/>
+            </a:ln>
+          </p:spPr>
+          <p:txBody>
+            <a:bodyPr/>
+            <a:lstStyle/>
+            <a:p/>
+          </p:txBody>
+        </p:sp>
+        <p:sp>
+          <p:nvSpPr>
+            <p:cNvPr id="14" name="pl14"/>
+            <p:cNvSpPr/>
+            <p:nvPr/>
+          </p:nvSpPr>
+          <p:spPr>
+            <a:xfrm>
+              <a:off x="1858106" y="1669789"/>
+              <a:ext cx="0" cy="4056440"/>
+            </a:xfrm>
+            <a:custGeom>
+              <a:avLst/>
+              <a:pathLst>
+                <a:path w="0" h="4056440">
+                  <a:moveTo>
+                    <a:pt x="0" y="4056440"/>
+                  </a:moveTo>
+                  <a:lnTo>
+                    <a:pt x="0" y="0"/>
+                  </a:lnTo>
+                  <a:lnTo>
+                    <a:pt x="0" y="0"/>
+                  </a:lnTo>
+                </a:path>
+              </a:pathLst>
+            </a:custGeom>
+            <a:ln w="13550" cap="flat">
+              <a:solidFill>
+                <a:srgbClr val="EBEBEB">
+                  <a:alpha val="100000"/>
+                </a:srgbClr>
+              </a:solidFill>
+              <a:prstDash val="solid"/>
+              <a:round/>
+            </a:ln>
+          </p:spPr>
+          <p:txBody>
+            <a:bodyPr/>
+            <a:lstStyle/>
+            <a:p/>
+          </p:txBody>
+        </p:sp>
+        <p:sp>
+          <p:nvSpPr>
+            <p:cNvPr id="15" name="pl15"/>
+            <p:cNvSpPr/>
+            <p:nvPr/>
+          </p:nvSpPr>
+          <p:spPr>
+            <a:xfrm>
+              <a:off x="2470719" y="1669789"/>
+              <a:ext cx="0" cy="4056440"/>
+            </a:xfrm>
+            <a:custGeom>
+              <a:avLst/>
+              <a:pathLst>
+                <a:path w="0" h="4056440">
+                  <a:moveTo>
+                    <a:pt x="0" y="4056440"/>
+                  </a:moveTo>
+                  <a:lnTo>
+                    <a:pt x="0" y="0"/>
+                  </a:lnTo>
+                  <a:lnTo>
+                    <a:pt x="0" y="0"/>
+                  </a:lnTo>
+                </a:path>
+              </a:pathLst>
+            </a:custGeom>
+            <a:ln w="13550" cap="flat">
+              <a:solidFill>
+                <a:srgbClr val="EBEBEB">
+                  <a:alpha val="100000"/>
+                </a:srgbClr>
+              </a:solidFill>
+              <a:prstDash val="solid"/>
+              <a:round/>
+            </a:ln>
+          </p:spPr>
+          <p:txBody>
+            <a:bodyPr/>
+            <a:lstStyle/>
+            <a:p/>
+          </p:txBody>
+        </p:sp>
+        <p:sp>
+          <p:nvSpPr>
+            <p:cNvPr id="16" name="pl16"/>
+            <p:cNvSpPr/>
+            <p:nvPr/>
+          </p:nvSpPr>
+          <p:spPr>
+            <a:xfrm>
+              <a:off x="3083333" y="1669789"/>
+              <a:ext cx="0" cy="4056440"/>
+            </a:xfrm>
+            <a:custGeom>
+              <a:avLst/>
+              <a:pathLst>
+                <a:path w="0" h="4056440">
+                  <a:moveTo>
+                    <a:pt x="0" y="4056440"/>
+                  </a:moveTo>
+                  <a:lnTo>
+                    <a:pt x="0" y="0"/>
+                  </a:lnTo>
+                  <a:lnTo>
+                    <a:pt x="0" y="0"/>
+                  </a:lnTo>
+                </a:path>
+              </a:pathLst>
+            </a:custGeom>
+            <a:ln w="13550" cap="flat">
+              <a:solidFill>
+                <a:srgbClr val="EBEBEB">
+                  <a:alpha val="100000"/>
+                </a:srgbClr>
+              </a:solidFill>
+              <a:prstDash val="solid"/>
+              <a:round/>
+            </a:ln>
+          </p:spPr>
+          <p:txBody>
+            <a:bodyPr/>
+            <a:lstStyle/>
+            <a:p/>
+          </p:txBody>
+        </p:sp>
+        <p:sp>
+          <p:nvSpPr>
+            <p:cNvPr id="17" name="pl17"/>
+            <p:cNvSpPr/>
+            <p:nvPr/>
+          </p:nvSpPr>
+          <p:spPr>
+            <a:xfrm>
+              <a:off x="3695946" y="1669789"/>
+              <a:ext cx="0" cy="4056440"/>
+            </a:xfrm>
+            <a:custGeom>
+              <a:avLst/>
+              <a:pathLst>
+                <a:path w="0" h="4056440">
+                  <a:moveTo>
+                    <a:pt x="0" y="4056440"/>
+                  </a:moveTo>
+                  <a:lnTo>
+                    <a:pt x="0" y="0"/>
+                  </a:lnTo>
+                  <a:lnTo>
+                    <a:pt x="0" y="0"/>
+                  </a:lnTo>
+                </a:path>
+              </a:pathLst>
+            </a:custGeom>
+            <a:ln w="13550" cap="flat">
+              <a:solidFill>
+                <a:srgbClr val="EBEBEB">
+                  <a:alpha val="100000"/>
+                </a:srgbClr>
+              </a:solidFill>
+              <a:prstDash val="solid"/>
+              <a:round/>
+            </a:ln>
+          </p:spPr>
+          <p:txBody>
+            <a:bodyPr/>
+            <a:lstStyle/>
+            <a:p/>
+          </p:txBody>
+        </p:sp>
+        <p:sp>
+          <p:nvSpPr>
+            <p:cNvPr id="18" name="pl18"/>
+            <p:cNvSpPr/>
+            <p:nvPr/>
+          </p:nvSpPr>
+          <p:spPr>
+            <a:xfrm>
+              <a:off x="4308560" y="1669789"/>
+              <a:ext cx="0" cy="4056440"/>
+            </a:xfrm>
+            <a:custGeom>
+              <a:avLst/>
+              <a:pathLst>
+                <a:path w="0" h="4056440">
+                  <a:moveTo>
+                    <a:pt x="0" y="4056440"/>
+                  </a:moveTo>
+                  <a:lnTo>
+                    <a:pt x="0" y="0"/>
+                  </a:lnTo>
+                  <a:lnTo>
+                    <a:pt x="0" y="0"/>
+                  </a:lnTo>
+                </a:path>
+              </a:pathLst>
+            </a:custGeom>
+            <a:ln w="13550" cap="flat">
+              <a:solidFill>
+                <a:srgbClr val="EBEBEB">
+                  <a:alpha val="100000"/>
+                </a:srgbClr>
+              </a:solidFill>
+              <a:prstDash val="solid"/>
+              <a:round/>
+            </a:ln>
+          </p:spPr>
+          <p:txBody>
+            <a:bodyPr/>
+            <a:lstStyle/>
+            <a:p/>
+          </p:txBody>
+        </p:sp>
+        <p:sp>
+          <p:nvSpPr>
+            <p:cNvPr id="19" name="pl19"/>
+            <p:cNvSpPr/>
+            <p:nvPr/>
+          </p:nvSpPr>
+          <p:spPr>
+            <a:xfrm>
+              <a:off x="4921173" y="1669789"/>
+              <a:ext cx="0" cy="4056440"/>
+            </a:xfrm>
+            <a:custGeom>
+              <a:avLst/>
+              <a:pathLst>
+                <a:path w="0" h="4056440">
+                  <a:moveTo>
+                    <a:pt x="0" y="4056440"/>
+                  </a:moveTo>
+                  <a:lnTo>
+                    <a:pt x="0" y="0"/>
+                  </a:lnTo>
+                  <a:lnTo>
+                    <a:pt x="0" y="0"/>
+                  </a:lnTo>
+                </a:path>
+              </a:pathLst>
+            </a:custGeom>
+            <a:ln w="13550" cap="flat">
+              <a:solidFill>
+                <a:srgbClr val="EBEBEB">
+                  <a:alpha val="100000"/>
+                </a:srgbClr>
+              </a:solidFill>
+              <a:prstDash val="solid"/>
+              <a:round/>
+            </a:ln>
+          </p:spPr>
+          <p:txBody>
+            <a:bodyPr/>
+            <a:lstStyle/>
+            <a:p/>
+          </p:txBody>
+        </p:sp>
+        <p:sp>
+          <p:nvSpPr>
+            <p:cNvPr id="20" name="pl20"/>
+            <p:cNvSpPr/>
+            <p:nvPr/>
+          </p:nvSpPr>
+          <p:spPr>
+            <a:xfrm>
+              <a:off x="5533787" y="1669789"/>
+              <a:ext cx="0" cy="4056440"/>
+            </a:xfrm>
+            <a:custGeom>
+              <a:avLst/>
+              <a:pathLst>
+                <a:path w="0" h="4056440">
+                  <a:moveTo>
+                    <a:pt x="0" y="4056440"/>
+                  </a:moveTo>
+                  <a:lnTo>
+                    <a:pt x="0" y="0"/>
+                  </a:lnTo>
+                  <a:lnTo>
+                    <a:pt x="0" y="0"/>
+                  </a:lnTo>
+                </a:path>
+              </a:pathLst>
+            </a:custGeom>
+            <a:ln w="13550" cap="flat">
+              <a:solidFill>
+                <a:srgbClr val="EBEBEB">
+                  <a:alpha val="100000"/>
+                </a:srgbClr>
+              </a:solidFill>
+              <a:prstDash val="solid"/>
+              <a:round/>
+            </a:ln>
+          </p:spPr>
+          <p:txBody>
+            <a:bodyPr/>
+            <a:lstStyle/>
+            <a:p/>
+          </p:txBody>
+        </p:sp>
+        <p:sp>
+          <p:nvSpPr>
+            <p:cNvPr id="21" name="pl21"/>
+            <p:cNvSpPr/>
+            <p:nvPr/>
+          </p:nvSpPr>
+          <p:spPr>
+            <a:xfrm>
+              <a:off x="6146400" y="1669789"/>
+              <a:ext cx="0" cy="4056440"/>
+            </a:xfrm>
+            <a:custGeom>
+              <a:avLst/>
+              <a:pathLst>
+                <a:path w="0" h="4056440">
+                  <a:moveTo>
+                    <a:pt x="0" y="4056440"/>
+                  </a:moveTo>
+                  <a:lnTo>
+                    <a:pt x="0" y="0"/>
+                  </a:lnTo>
+                  <a:lnTo>
+                    <a:pt x="0" y="0"/>
+                  </a:lnTo>
+                </a:path>
+              </a:pathLst>
+            </a:custGeom>
+            <a:ln w="13550" cap="flat">
+              <a:solidFill>
+                <a:srgbClr val="EBEBEB">
+                  <a:alpha val="100000"/>
+                </a:srgbClr>
+              </a:solidFill>
+              <a:prstDash val="solid"/>
+              <a:round/>
+            </a:ln>
+          </p:spPr>
+          <p:txBody>
+            <a:bodyPr/>
+            <a:lstStyle/>
+            <a:p/>
+          </p:txBody>
+        </p:sp>
+        <p:sp>
+          <p:nvSpPr>
+            <p:cNvPr id="22" name="pl22"/>
+            <p:cNvSpPr/>
+            <p:nvPr/>
+          </p:nvSpPr>
+          <p:spPr>
+            <a:xfrm>
+              <a:off x="6759013" y="1669789"/>
+              <a:ext cx="0" cy="4056440"/>
+            </a:xfrm>
+            <a:custGeom>
+              <a:avLst/>
+              <a:pathLst>
+                <a:path w="0" h="4056440">
+                  <a:moveTo>
+                    <a:pt x="0" y="4056440"/>
+                  </a:moveTo>
+                  <a:lnTo>
+                    <a:pt x="0" y="0"/>
+                  </a:lnTo>
+                  <a:lnTo>
+                    <a:pt x="0" y="0"/>
+                  </a:lnTo>
+                </a:path>
+              </a:pathLst>
+            </a:custGeom>
+            <a:ln w="13550" cap="flat">
+              <a:solidFill>
+                <a:srgbClr val="EBEBEB">
+                  <a:alpha val="100000"/>
+                </a:srgbClr>
+              </a:solidFill>
+              <a:prstDash val="solid"/>
+              <a:round/>
+            </a:ln>
+          </p:spPr>
+          <p:txBody>
+            <a:bodyPr/>
+            <a:lstStyle/>
+            <a:p/>
+          </p:txBody>
+        </p:sp>
+        <p:sp>
+          <p:nvSpPr>
+            <p:cNvPr id="23" name="pl23"/>
+            <p:cNvSpPr/>
+            <p:nvPr/>
+          </p:nvSpPr>
+          <p:spPr>
+            <a:xfrm>
+              <a:off x="7371627" y="1669789"/>
+              <a:ext cx="0" cy="4056440"/>
+            </a:xfrm>
+            <a:custGeom>
+              <a:avLst/>
+              <a:pathLst>
+                <a:path w="0" h="4056440">
+                  <a:moveTo>
+                    <a:pt x="0" y="4056440"/>
+                  </a:moveTo>
+                  <a:lnTo>
+                    <a:pt x="0" y="0"/>
+                  </a:lnTo>
+                  <a:lnTo>
+                    <a:pt x="0" y="0"/>
+                  </a:lnTo>
+                </a:path>
+              </a:pathLst>
+            </a:custGeom>
+            <a:ln w="13550" cap="flat">
+              <a:solidFill>
+                <a:srgbClr val="EBEBEB">
+                  <a:alpha val="100000"/>
+                </a:srgbClr>
+              </a:solidFill>
+              <a:prstDash val="solid"/>
+              <a:round/>
+            </a:ln>
+          </p:spPr>
+          <p:txBody>
+            <a:bodyPr/>
+            <a:lstStyle/>
+            <a:p/>
+          </p:txBody>
+        </p:sp>
+        <p:sp>
+          <p:nvSpPr>
+            <p:cNvPr id="24" name="rc24"/>
+            <p:cNvSpPr/>
+            <p:nvPr/>
+          </p:nvSpPr>
+          <p:spPr>
+            <a:xfrm>
+              <a:off x="1107654" y="4924543"/>
+              <a:ext cx="137838" cy="617301"/>
+            </a:xfrm>
+            <a:prstGeom prst="rect">
+              <a:avLst/>
+            </a:prstGeom>
+            <a:solidFill>
+              <a:srgbClr val="7CAE00">
+                <a:alpha val="100000"/>
+              </a:srgbClr>
+            </a:solidFill>
+          </p:spPr>
+          <p:txBody>
+            <a:bodyPr/>
+            <a:lstStyle/>
+            <a:p/>
+          </p:txBody>
+        </p:sp>
+        <p:sp>
+          <p:nvSpPr>
+            <p:cNvPr id="25" name="rc25"/>
+            <p:cNvSpPr/>
+            <p:nvPr/>
+          </p:nvSpPr>
+          <p:spPr>
+            <a:xfrm>
+              <a:off x="1383330" y="2854766"/>
+              <a:ext cx="137838" cy="2687079"/>
+            </a:xfrm>
+            <a:prstGeom prst="rect">
+              <a:avLst/>
+            </a:prstGeom>
+            <a:solidFill>
+              <a:srgbClr val="C77CFF">
+                <a:alpha val="100000"/>
+              </a:srgbClr>
+            </a:solidFill>
+          </p:spPr>
+          <p:txBody>
+            <a:bodyPr/>
+            <a:lstStyle/>
+            <a:p/>
+          </p:txBody>
+        </p:sp>
+        <p:sp>
+          <p:nvSpPr>
+            <p:cNvPr id="26" name="rc26"/>
+            <p:cNvSpPr/>
+            <p:nvPr/>
+          </p:nvSpPr>
+          <p:spPr>
+            <a:xfrm>
+              <a:off x="1245492" y="5541845"/>
+              <a:ext cx="137838" cy="0"/>
+            </a:xfrm>
+            <a:prstGeom prst="rect">
+              <a:avLst/>
+            </a:prstGeom>
+            <a:solidFill>
+              <a:srgbClr val="00BFC4">
+                <a:alpha val="100000"/>
+              </a:srgbClr>
+            </a:solidFill>
+          </p:spPr>
+          <p:txBody>
+            <a:bodyPr/>
+            <a:lstStyle/>
+            <a:p/>
+          </p:txBody>
+        </p:sp>
+        <p:sp>
+          <p:nvSpPr>
+            <p:cNvPr id="27" name="rc27"/>
+            <p:cNvSpPr/>
+            <p:nvPr/>
+          </p:nvSpPr>
+          <p:spPr>
+            <a:xfrm>
+              <a:off x="969816" y="4573529"/>
+              <a:ext cx="137838" cy="968316"/>
+            </a:xfrm>
+            <a:prstGeom prst="rect">
+              <a:avLst/>
+            </a:prstGeom>
+            <a:solidFill>
+              <a:srgbClr val="F8766D">
+                <a:alpha val="100000"/>
+              </a:srgbClr>
+            </a:solidFill>
+          </p:spPr>
+          <p:txBody>
+            <a:bodyPr/>
+            <a:lstStyle/>
+            <a:p/>
+          </p:txBody>
+        </p:sp>
+        <p:sp>
+          <p:nvSpPr>
+            <p:cNvPr id="28" name="rc28"/>
+            <p:cNvSpPr/>
+            <p:nvPr/>
+          </p:nvSpPr>
+          <p:spPr>
+            <a:xfrm>
+              <a:off x="1720268" y="5186796"/>
+              <a:ext cx="137838" cy="355049"/>
+            </a:xfrm>
+            <a:prstGeom prst="rect">
+              <a:avLst/>
+            </a:prstGeom>
+            <a:solidFill>
+              <a:srgbClr val="7CAE00">
+                <a:alpha val="100000"/>
+              </a:srgbClr>
+            </a:solidFill>
+          </p:spPr>
+          <p:txBody>
+            <a:bodyPr/>
+            <a:lstStyle/>
+            <a:p/>
+          </p:txBody>
+        </p:sp>
+        <p:sp>
+          <p:nvSpPr>
+            <p:cNvPr id="29" name="rc29"/>
+            <p:cNvSpPr/>
+            <p:nvPr/>
+          </p:nvSpPr>
+          <p:spPr>
+            <a:xfrm>
+              <a:off x="1995944" y="3629420"/>
+              <a:ext cx="137838" cy="1912425"/>
+            </a:xfrm>
+            <a:prstGeom prst="rect">
+              <a:avLst/>
+            </a:prstGeom>
+            <a:solidFill>
+              <a:srgbClr val="C77CFF">
+                <a:alpha val="100000"/>
+              </a:srgbClr>
+            </a:solidFill>
+          </p:spPr>
+          <p:txBody>
+            <a:bodyPr/>
+            <a:lstStyle/>
+            <a:p/>
+          </p:txBody>
+        </p:sp>
+        <p:sp>
+          <p:nvSpPr>
+            <p:cNvPr id="30" name="rc30"/>
+            <p:cNvSpPr/>
+            <p:nvPr/>
+          </p:nvSpPr>
+          <p:spPr>
+            <a:xfrm>
+              <a:off x="1858106" y="5541845"/>
+              <a:ext cx="137838" cy="0"/>
+            </a:xfrm>
+            <a:prstGeom prst="rect">
+              <a:avLst/>
+            </a:prstGeom>
+            <a:solidFill>
+              <a:srgbClr val="00BFC4">
+                <a:alpha val="100000"/>
+              </a:srgbClr>
+            </a:solidFill>
+          </p:spPr>
+          <p:txBody>
+            <a:bodyPr/>
+            <a:lstStyle/>
+            <a:p/>
+          </p:txBody>
+        </p:sp>
+        <p:sp>
+          <p:nvSpPr>
+            <p:cNvPr id="31" name="rc31"/>
+            <p:cNvSpPr/>
+            <p:nvPr/>
+          </p:nvSpPr>
+          <p:spPr>
+            <a:xfrm>
+              <a:off x="1582430" y="4944717"/>
+              <a:ext cx="137838" cy="597128"/>
+            </a:xfrm>
+            <a:prstGeom prst="rect">
+              <a:avLst/>
+            </a:prstGeom>
+            <a:solidFill>
+              <a:srgbClr val="F8766D">
+                <a:alpha val="100000"/>
+              </a:srgbClr>
+            </a:solidFill>
+          </p:spPr>
+          <p:txBody>
+            <a:bodyPr/>
+            <a:lstStyle/>
+            <a:p/>
+          </p:txBody>
+        </p:sp>
+        <p:sp>
+          <p:nvSpPr>
+            <p:cNvPr id="32" name="rc32"/>
+            <p:cNvSpPr/>
+            <p:nvPr/>
+          </p:nvSpPr>
+          <p:spPr>
+            <a:xfrm>
+              <a:off x="2332881" y="4976994"/>
+              <a:ext cx="137838" cy="564851"/>
+            </a:xfrm>
+            <a:prstGeom prst="rect">
+              <a:avLst/>
+            </a:prstGeom>
+            <a:solidFill>
+              <a:srgbClr val="7CAE00">
+                <a:alpha val="100000"/>
+              </a:srgbClr>
+            </a:solidFill>
+          </p:spPr>
+          <p:txBody>
+            <a:bodyPr/>
+            <a:lstStyle/>
+            <a:p/>
+          </p:txBody>
+        </p:sp>
+        <p:sp>
+          <p:nvSpPr>
+            <p:cNvPr id="33" name="rc33"/>
+            <p:cNvSpPr/>
+            <p:nvPr/>
+          </p:nvSpPr>
+          <p:spPr>
+            <a:xfrm>
+              <a:off x="2608557" y="4283034"/>
+              <a:ext cx="137838" cy="1258811"/>
+            </a:xfrm>
+            <a:prstGeom prst="rect">
+              <a:avLst/>
+            </a:prstGeom>
+            <a:solidFill>
+              <a:srgbClr val="C77CFF">
+                <a:alpha val="100000"/>
+              </a:srgbClr>
+            </a:solidFill>
+          </p:spPr>
+          <p:txBody>
+            <a:bodyPr/>
+            <a:lstStyle/>
+            <a:p/>
+          </p:txBody>
+        </p:sp>
+        <p:sp>
+          <p:nvSpPr>
+            <p:cNvPr id="34" name="rc34"/>
+            <p:cNvSpPr/>
+            <p:nvPr/>
+          </p:nvSpPr>
+          <p:spPr>
+            <a:xfrm>
+              <a:off x="2470719" y="5541845"/>
+              <a:ext cx="137838" cy="0"/>
+            </a:xfrm>
+            <a:prstGeom prst="rect">
+              <a:avLst/>
+            </a:prstGeom>
+            <a:solidFill>
+              <a:srgbClr val="00BFC4">
+                <a:alpha val="100000"/>
+              </a:srgbClr>
+            </a:solidFill>
+          </p:spPr>
+          <p:txBody>
+            <a:bodyPr/>
+            <a:lstStyle/>
+            <a:p/>
+          </p:txBody>
+        </p:sp>
+        <p:sp>
+          <p:nvSpPr>
+            <p:cNvPr id="35" name="rc35"/>
+            <p:cNvSpPr/>
+            <p:nvPr/>
+          </p:nvSpPr>
+          <p:spPr>
+            <a:xfrm>
+              <a:off x="2195043" y="4597737"/>
+              <a:ext cx="137838" cy="944108"/>
+            </a:xfrm>
+            <a:prstGeom prst="rect">
+              <a:avLst/>
+            </a:prstGeom>
+            <a:solidFill>
+              <a:srgbClr val="F8766D">
+                <a:alpha val="100000"/>
+              </a:srgbClr>
+            </a:solidFill>
+          </p:spPr>
+          <p:txBody>
+            <a:bodyPr/>
+            <a:lstStyle/>
+            <a:p/>
+          </p:txBody>
+        </p:sp>
+        <p:sp>
+          <p:nvSpPr>
+            <p:cNvPr id="36" name="rc36"/>
+            <p:cNvSpPr/>
+            <p:nvPr/>
+          </p:nvSpPr>
+          <p:spPr>
+            <a:xfrm>
+              <a:off x="2945495" y="5106103"/>
+              <a:ext cx="137838" cy="435742"/>
+            </a:xfrm>
+            <a:prstGeom prst="rect">
+              <a:avLst/>
+            </a:prstGeom>
+            <a:solidFill>
+              <a:srgbClr val="7CAE00">
+                <a:alpha val="100000"/>
+              </a:srgbClr>
+            </a:solidFill>
+          </p:spPr>
+          <p:txBody>
+            <a:bodyPr/>
+            <a:lstStyle/>
+            <a:p/>
+          </p:txBody>
+        </p:sp>
+        <p:sp>
+          <p:nvSpPr>
+            <p:cNvPr id="37" name="rc37"/>
+            <p:cNvSpPr/>
+            <p:nvPr/>
+          </p:nvSpPr>
+          <p:spPr>
+            <a:xfrm>
+              <a:off x="3221171" y="3532588"/>
+              <a:ext cx="137838" cy="2009257"/>
+            </a:xfrm>
+            <a:prstGeom prst="rect">
+              <a:avLst/>
+            </a:prstGeom>
+            <a:solidFill>
+              <a:srgbClr val="C77CFF">
+                <a:alpha val="100000"/>
+              </a:srgbClr>
+            </a:solidFill>
+          </p:spPr>
+          <p:txBody>
+            <a:bodyPr/>
+            <a:lstStyle/>
+            <a:p/>
+          </p:txBody>
+        </p:sp>
+        <p:sp>
+          <p:nvSpPr>
+            <p:cNvPr id="38" name="rc38"/>
+            <p:cNvSpPr/>
+            <p:nvPr/>
+          </p:nvSpPr>
+          <p:spPr>
+            <a:xfrm>
+              <a:off x="3083333" y="5541845"/>
+              <a:ext cx="137838" cy="0"/>
+            </a:xfrm>
+            <a:prstGeom prst="rect">
+              <a:avLst/>
+            </a:prstGeom>
+            <a:solidFill>
+              <a:srgbClr val="00BFC4">
+                <a:alpha val="100000"/>
+              </a:srgbClr>
+            </a:solidFill>
+          </p:spPr>
+          <p:txBody>
+            <a:bodyPr/>
+            <a:lstStyle/>
+            <a:p/>
+          </p:txBody>
+        </p:sp>
+        <p:sp>
+          <p:nvSpPr>
+            <p:cNvPr id="39" name="rc39"/>
+            <p:cNvSpPr/>
+            <p:nvPr/>
+          </p:nvSpPr>
+          <p:spPr>
+            <a:xfrm>
+              <a:off x="2807657" y="5025410"/>
+              <a:ext cx="137838" cy="516435"/>
+            </a:xfrm>
+            <a:prstGeom prst="rect">
+              <a:avLst/>
+            </a:prstGeom>
+            <a:solidFill>
+              <a:srgbClr val="F8766D">
+                <a:alpha val="100000"/>
+              </a:srgbClr>
+            </a:solidFill>
+          </p:spPr>
+          <p:txBody>
+            <a:bodyPr/>
+            <a:lstStyle/>
+            <a:p/>
+          </p:txBody>
+        </p:sp>
+        <p:sp>
+          <p:nvSpPr>
+            <p:cNvPr id="40" name="rc40"/>
+            <p:cNvSpPr/>
+            <p:nvPr/>
+          </p:nvSpPr>
+          <p:spPr>
+            <a:xfrm>
+              <a:off x="3558108" y="4831746"/>
+              <a:ext cx="137838" cy="710098"/>
+            </a:xfrm>
+            <a:prstGeom prst="rect">
+              <a:avLst/>
+            </a:prstGeom>
+            <a:solidFill>
+              <a:srgbClr val="7CAE00">
+                <a:alpha val="100000"/>
+              </a:srgbClr>
+            </a:solidFill>
+          </p:spPr>
+          <p:txBody>
+            <a:bodyPr/>
+            <a:lstStyle/>
+            <a:p/>
+          </p:txBody>
+        </p:sp>
+        <p:sp>
+          <p:nvSpPr>
+            <p:cNvPr id="41" name="rc41"/>
+            <p:cNvSpPr/>
+            <p:nvPr/>
+          </p:nvSpPr>
+          <p:spPr>
+            <a:xfrm>
+              <a:off x="3833784" y="3000014"/>
+              <a:ext cx="137838" cy="2541831"/>
+            </a:xfrm>
+            <a:prstGeom prst="rect">
+              <a:avLst/>
+            </a:prstGeom>
+            <a:solidFill>
+              <a:srgbClr val="C77CFF">
+                <a:alpha val="100000"/>
+              </a:srgbClr>
+            </a:solidFill>
+          </p:spPr>
+          <p:txBody>
+            <a:bodyPr/>
+            <a:lstStyle/>
+            <a:p/>
+          </p:txBody>
+        </p:sp>
+        <p:sp>
+          <p:nvSpPr>
+            <p:cNvPr id="42" name="rc42"/>
+            <p:cNvSpPr/>
+            <p:nvPr/>
+          </p:nvSpPr>
+          <p:spPr>
+            <a:xfrm>
+              <a:off x="3695946" y="5178727"/>
+              <a:ext cx="137838" cy="363118"/>
+            </a:xfrm>
+            <a:prstGeom prst="rect">
+              <a:avLst/>
+            </a:prstGeom>
+            <a:solidFill>
+              <a:srgbClr val="00BFC4">
+                <a:alpha val="100000"/>
+              </a:srgbClr>
+            </a:solidFill>
+          </p:spPr>
+          <p:txBody>
+            <a:bodyPr/>
+            <a:lstStyle/>
+            <a:p/>
+          </p:txBody>
+        </p:sp>
+        <p:sp>
+          <p:nvSpPr>
+            <p:cNvPr id="43" name="rc43"/>
+            <p:cNvSpPr/>
+            <p:nvPr/>
+          </p:nvSpPr>
+          <p:spPr>
+            <a:xfrm>
+              <a:off x="3420270" y="4726845"/>
+              <a:ext cx="137838" cy="814999"/>
+            </a:xfrm>
+            <a:prstGeom prst="rect">
+              <a:avLst/>
+            </a:prstGeom>
+            <a:solidFill>
+              <a:srgbClr val="F8766D">
+                <a:alpha val="100000"/>
+              </a:srgbClr>
+            </a:solidFill>
+          </p:spPr>
+          <p:txBody>
+            <a:bodyPr/>
+            <a:lstStyle/>
+            <a:p/>
+          </p:txBody>
+        </p:sp>
+        <p:sp>
+          <p:nvSpPr>
+            <p:cNvPr id="44" name="rc44"/>
+            <p:cNvSpPr/>
+            <p:nvPr/>
+          </p:nvSpPr>
+          <p:spPr>
+            <a:xfrm>
+              <a:off x="4170722" y="4549321"/>
+              <a:ext cx="137838" cy="992524"/>
+            </a:xfrm>
+            <a:prstGeom prst="rect">
+              <a:avLst/>
+            </a:prstGeom>
+            <a:solidFill>
+              <a:srgbClr val="7CAE00">
+                <a:alpha val="100000"/>
+              </a:srgbClr>
+            </a:solidFill>
+          </p:spPr>
+          <p:txBody>
+            <a:bodyPr/>
+            <a:lstStyle/>
+            <a:p/>
+          </p:txBody>
+        </p:sp>
+        <p:sp>
+          <p:nvSpPr>
+            <p:cNvPr id="45" name="rc45"/>
+            <p:cNvSpPr/>
+            <p:nvPr/>
+          </p:nvSpPr>
+          <p:spPr>
+            <a:xfrm>
+              <a:off x="4446398" y="3758529"/>
+              <a:ext cx="137838" cy="1783316"/>
+            </a:xfrm>
+            <a:prstGeom prst="rect">
+              <a:avLst/>
+            </a:prstGeom>
+            <a:solidFill>
+              <a:srgbClr val="C77CFF">
+                <a:alpha val="100000"/>
+              </a:srgbClr>
+            </a:solidFill>
+          </p:spPr>
+          <p:txBody>
+            <a:bodyPr/>
+            <a:lstStyle/>
+            <a:p/>
+          </p:txBody>
+        </p:sp>
+        <p:sp>
+          <p:nvSpPr>
+            <p:cNvPr id="46" name="rc46"/>
+            <p:cNvSpPr/>
+            <p:nvPr/>
+          </p:nvSpPr>
+          <p:spPr>
+            <a:xfrm>
+              <a:off x="4308560" y="5057687"/>
+              <a:ext cx="137838" cy="484158"/>
+            </a:xfrm>
+            <a:prstGeom prst="rect">
+              <a:avLst/>
+            </a:prstGeom>
+            <a:solidFill>
+              <a:srgbClr val="00BFC4">
+                <a:alpha val="100000"/>
+              </a:srgbClr>
+            </a:solidFill>
+          </p:spPr>
+          <p:txBody>
+            <a:bodyPr/>
+            <a:lstStyle/>
+            <a:p/>
+          </p:txBody>
+        </p:sp>
+        <p:sp>
+          <p:nvSpPr>
+            <p:cNvPr id="47" name="rc47"/>
+            <p:cNvSpPr/>
+            <p:nvPr/>
+          </p:nvSpPr>
+          <p:spPr>
+            <a:xfrm>
+              <a:off x="4032884" y="4751053"/>
+              <a:ext cx="137838" cy="790792"/>
+            </a:xfrm>
+            <a:prstGeom prst="rect">
+              <a:avLst/>
+            </a:prstGeom>
+            <a:solidFill>
+              <a:srgbClr val="F8766D">
+                <a:alpha val="100000"/>
+              </a:srgbClr>
+            </a:solidFill>
+          </p:spPr>
+          <p:txBody>
+            <a:bodyPr/>
+            <a:lstStyle/>
+            <a:p/>
+          </p:txBody>
+        </p:sp>
+        <p:sp>
+          <p:nvSpPr>
+            <p:cNvPr id="48" name="rc48"/>
+            <p:cNvSpPr/>
+            <p:nvPr/>
+          </p:nvSpPr>
+          <p:spPr>
+            <a:xfrm>
+              <a:off x="4783335" y="5202935"/>
+              <a:ext cx="137838" cy="338910"/>
+            </a:xfrm>
+            <a:prstGeom prst="rect">
+              <a:avLst/>
+            </a:prstGeom>
+            <a:solidFill>
+              <a:srgbClr val="7CAE00">
+                <a:alpha val="100000"/>
+              </a:srgbClr>
+            </a:solidFill>
+          </p:spPr>
+          <p:txBody>
+            <a:bodyPr/>
+            <a:lstStyle/>
+            <a:p/>
+          </p:txBody>
+        </p:sp>
+        <p:sp>
+          <p:nvSpPr>
+            <p:cNvPr id="49" name="rc49"/>
+            <p:cNvSpPr/>
+            <p:nvPr/>
+          </p:nvSpPr>
+          <p:spPr>
+            <a:xfrm>
+              <a:off x="5059011" y="3185608"/>
+              <a:ext cx="137838" cy="2356237"/>
+            </a:xfrm>
+            <a:prstGeom prst="rect">
+              <a:avLst/>
+            </a:prstGeom>
+            <a:solidFill>
+              <a:srgbClr val="C77CFF">
+                <a:alpha val="100000"/>
+              </a:srgbClr>
+            </a:solidFill>
+          </p:spPr>
+          <p:txBody>
+            <a:bodyPr/>
+            <a:lstStyle/>
+            <a:p/>
+          </p:txBody>
+        </p:sp>
+        <p:sp>
+          <p:nvSpPr>
+            <p:cNvPr id="50" name="rc50"/>
+            <p:cNvSpPr/>
+            <p:nvPr/>
+          </p:nvSpPr>
+          <p:spPr>
+            <a:xfrm>
+              <a:off x="4921173" y="5436944"/>
+              <a:ext cx="137838" cy="104900"/>
+            </a:xfrm>
+            <a:prstGeom prst="rect">
+              <a:avLst/>
+            </a:prstGeom>
+            <a:solidFill>
+              <a:srgbClr val="00BFC4">
+                <a:alpha val="100000"/>
+              </a:srgbClr>
+            </a:solidFill>
+          </p:spPr>
+          <p:txBody>
+            <a:bodyPr/>
+            <a:lstStyle/>
+            <a:p/>
+          </p:txBody>
+        </p:sp>
+        <p:sp>
+          <p:nvSpPr>
+            <p:cNvPr id="51" name="rc51"/>
+            <p:cNvSpPr/>
+            <p:nvPr/>
+          </p:nvSpPr>
+          <p:spPr>
+            <a:xfrm>
+              <a:off x="4645497" y="4936647"/>
+              <a:ext cx="137838" cy="605198"/>
+            </a:xfrm>
+            <a:prstGeom prst="rect">
+              <a:avLst/>
+            </a:prstGeom>
+            <a:solidFill>
+              <a:srgbClr val="F8766D">
+                <a:alpha val="100000"/>
+              </a:srgbClr>
+            </a:solidFill>
+          </p:spPr>
+          <p:txBody>
+            <a:bodyPr/>
+            <a:lstStyle/>
+            <a:p/>
+          </p:txBody>
+        </p:sp>
+        <p:sp>
+          <p:nvSpPr>
+            <p:cNvPr id="52" name="rc52"/>
+            <p:cNvSpPr/>
+            <p:nvPr/>
+          </p:nvSpPr>
+          <p:spPr>
+            <a:xfrm>
+              <a:off x="5395949" y="5243281"/>
+              <a:ext cx="137838" cy="298564"/>
+            </a:xfrm>
+            <a:prstGeom prst="rect">
+              <a:avLst/>
+            </a:prstGeom>
+            <a:solidFill>
+              <a:srgbClr val="7CAE00">
+                <a:alpha val="100000"/>
+              </a:srgbClr>
+            </a:solidFill>
+          </p:spPr>
+          <p:txBody>
+            <a:bodyPr/>
+            <a:lstStyle/>
+            <a:p/>
+          </p:txBody>
+        </p:sp>
+        <p:sp>
+          <p:nvSpPr>
+            <p:cNvPr id="53" name="rc53"/>
+            <p:cNvSpPr/>
+            <p:nvPr/>
+          </p:nvSpPr>
+          <p:spPr>
+            <a:xfrm>
+              <a:off x="5671625" y="3815014"/>
+              <a:ext cx="137838" cy="1726831"/>
+            </a:xfrm>
+            <a:prstGeom prst="rect">
+              <a:avLst/>
+            </a:prstGeom>
+            <a:solidFill>
+              <a:srgbClr val="C77CFF">
+                <a:alpha val="100000"/>
+              </a:srgbClr>
+            </a:solidFill>
+          </p:spPr>
+          <p:txBody>
+            <a:bodyPr/>
+            <a:lstStyle/>
+            <a:p/>
+          </p:txBody>
+        </p:sp>
+        <p:sp>
+          <p:nvSpPr>
+            <p:cNvPr id="54" name="rc54"/>
+            <p:cNvSpPr/>
+            <p:nvPr/>
+          </p:nvSpPr>
+          <p:spPr>
+            <a:xfrm>
+              <a:off x="5533787" y="5428875"/>
+              <a:ext cx="137838" cy="112970"/>
+            </a:xfrm>
+            <a:prstGeom prst="rect">
+              <a:avLst/>
+            </a:prstGeom>
+            <a:solidFill>
+              <a:srgbClr val="00BFC4">
+                <a:alpha val="100000"/>
+              </a:srgbClr>
+            </a:solidFill>
+          </p:spPr>
+          <p:txBody>
+            <a:bodyPr/>
+            <a:lstStyle/>
+            <a:p/>
+          </p:txBody>
+        </p:sp>
+        <p:sp>
+          <p:nvSpPr>
+            <p:cNvPr id="55" name="rc55"/>
+            <p:cNvSpPr/>
+            <p:nvPr/>
+          </p:nvSpPr>
+          <p:spPr>
+            <a:xfrm>
+              <a:off x="5258111" y="4202340"/>
+              <a:ext cx="137838" cy="1339504"/>
+            </a:xfrm>
+            <a:prstGeom prst="rect">
+              <a:avLst/>
+            </a:prstGeom>
+            <a:solidFill>
+              <a:srgbClr val="F8766D">
+                <a:alpha val="100000"/>
+              </a:srgbClr>
+            </a:solidFill>
+          </p:spPr>
+          <p:txBody>
+            <a:bodyPr/>
+            <a:lstStyle/>
+            <a:p/>
+          </p:txBody>
+        </p:sp>
+        <p:sp>
+          <p:nvSpPr>
+            <p:cNvPr id="56" name="rc56"/>
+            <p:cNvSpPr/>
+            <p:nvPr/>
+          </p:nvSpPr>
+          <p:spPr>
+            <a:xfrm>
+              <a:off x="6008562" y="5057687"/>
+              <a:ext cx="137838" cy="484158"/>
+            </a:xfrm>
+            <a:prstGeom prst="rect">
+              <a:avLst/>
+            </a:prstGeom>
+            <a:solidFill>
+              <a:srgbClr val="7CAE00">
+                <a:alpha val="100000"/>
+              </a:srgbClr>
+            </a:solidFill>
+          </p:spPr>
+          <p:txBody>
+            <a:bodyPr/>
+            <a:lstStyle/>
+            <a:p/>
+          </p:txBody>
+        </p:sp>
+        <p:sp>
+          <p:nvSpPr>
+            <p:cNvPr id="57" name="rc57"/>
+            <p:cNvSpPr/>
+            <p:nvPr/>
+          </p:nvSpPr>
+          <p:spPr>
+            <a:xfrm>
+              <a:off x="6284238" y="3927984"/>
+              <a:ext cx="137838" cy="1613861"/>
+            </a:xfrm>
+            <a:prstGeom prst="rect">
+              <a:avLst/>
+            </a:prstGeom>
+            <a:solidFill>
+              <a:srgbClr val="C77CFF">
+                <a:alpha val="100000"/>
+              </a:srgbClr>
+            </a:solidFill>
+          </p:spPr>
+          <p:txBody>
+            <a:bodyPr/>
+            <a:lstStyle/>
+            <a:p/>
+          </p:txBody>
+        </p:sp>
+        <p:sp>
+          <p:nvSpPr>
+            <p:cNvPr id="58" name="rc58"/>
+            <p:cNvSpPr/>
+            <p:nvPr/>
+          </p:nvSpPr>
+          <p:spPr>
+            <a:xfrm>
+              <a:off x="6146400" y="5541845"/>
+              <a:ext cx="137838" cy="0"/>
+            </a:xfrm>
+            <a:prstGeom prst="rect">
+              <a:avLst/>
+            </a:prstGeom>
+            <a:solidFill>
+              <a:srgbClr val="00BFC4">
+                <a:alpha val="100000"/>
+              </a:srgbClr>
+            </a:solidFill>
+          </p:spPr>
+          <p:txBody>
+            <a:bodyPr/>
+            <a:lstStyle/>
+            <a:p/>
+          </p:txBody>
+        </p:sp>
+        <p:sp>
+          <p:nvSpPr>
+            <p:cNvPr id="59" name="rc59"/>
+            <p:cNvSpPr/>
+            <p:nvPr/>
+          </p:nvSpPr>
+          <p:spPr>
+            <a:xfrm>
+              <a:off x="5870724" y="4420212"/>
+              <a:ext cx="137838" cy="1121633"/>
+            </a:xfrm>
+            <a:prstGeom prst="rect">
+              <a:avLst/>
+            </a:prstGeom>
+            <a:solidFill>
+              <a:srgbClr val="F8766D">
+                <a:alpha val="100000"/>
+              </a:srgbClr>
+            </a:solidFill>
+          </p:spPr>
+          <p:txBody>
+            <a:bodyPr/>
+            <a:lstStyle/>
+            <a:p/>
+          </p:txBody>
+        </p:sp>
+        <p:sp>
+          <p:nvSpPr>
+            <p:cNvPr id="60" name="rc60"/>
+            <p:cNvSpPr/>
+            <p:nvPr/>
+          </p:nvSpPr>
+          <p:spPr>
+            <a:xfrm>
+              <a:off x="6621175" y="4452489"/>
+              <a:ext cx="137838" cy="1089356"/>
+            </a:xfrm>
+            <a:prstGeom prst="rect">
+              <a:avLst/>
+            </a:prstGeom>
+            <a:solidFill>
+              <a:srgbClr val="7CAE00">
+                <a:alpha val="100000"/>
+              </a:srgbClr>
+            </a:solidFill>
+          </p:spPr>
+          <p:txBody>
+            <a:bodyPr/>
+            <a:lstStyle/>
+            <a:p/>
+          </p:txBody>
+        </p:sp>
+        <p:sp>
+          <p:nvSpPr>
+            <p:cNvPr id="61" name="rc61"/>
+            <p:cNvSpPr/>
+            <p:nvPr/>
+          </p:nvSpPr>
+          <p:spPr>
+            <a:xfrm>
+              <a:off x="6896852" y="1854172"/>
+              <a:ext cx="137838" cy="3687673"/>
+            </a:xfrm>
+            <a:prstGeom prst="rect">
+              <a:avLst/>
+            </a:prstGeom>
+            <a:solidFill>
+              <a:srgbClr val="C77CFF">
+                <a:alpha val="100000"/>
+              </a:srgbClr>
+            </a:solidFill>
+          </p:spPr>
+          <p:txBody>
+            <a:bodyPr/>
+            <a:lstStyle/>
+            <a:p/>
+          </p:txBody>
+        </p:sp>
+        <p:sp>
+          <p:nvSpPr>
+            <p:cNvPr id="62" name="rc62"/>
+            <p:cNvSpPr/>
+            <p:nvPr/>
+          </p:nvSpPr>
+          <p:spPr>
+            <a:xfrm>
+              <a:off x="6759013" y="4928578"/>
+              <a:ext cx="137838" cy="613267"/>
+            </a:xfrm>
+            <a:prstGeom prst="rect">
+              <a:avLst/>
+            </a:prstGeom>
+            <a:solidFill>
+              <a:srgbClr val="00BFC4">
+                <a:alpha val="100000"/>
+              </a:srgbClr>
+            </a:solidFill>
+          </p:spPr>
+          <p:txBody>
+            <a:bodyPr/>
+            <a:lstStyle/>
+            <a:p/>
+          </p:txBody>
+        </p:sp>
+        <p:sp>
+          <p:nvSpPr>
+            <p:cNvPr id="63" name="rc63"/>
+            <p:cNvSpPr/>
+            <p:nvPr/>
+          </p:nvSpPr>
+          <p:spPr>
+            <a:xfrm>
+              <a:off x="6483337" y="4371796"/>
+              <a:ext cx="137838" cy="1170049"/>
+            </a:xfrm>
+            <a:prstGeom prst="rect">
+              <a:avLst/>
+            </a:prstGeom>
+            <a:solidFill>
+              <a:srgbClr val="F8766D">
+                <a:alpha val="100000"/>
+              </a:srgbClr>
+            </a:solidFill>
+          </p:spPr>
+          <p:txBody>
+            <a:bodyPr/>
+            <a:lstStyle/>
+            <a:p/>
+          </p:txBody>
+        </p:sp>
+        <p:sp>
+          <p:nvSpPr>
+            <p:cNvPr id="64" name="rc64"/>
+            <p:cNvSpPr/>
+            <p:nvPr/>
+          </p:nvSpPr>
+          <p:spPr>
+            <a:xfrm>
+              <a:off x="7233789" y="4734915"/>
+              <a:ext cx="137838" cy="806930"/>
+            </a:xfrm>
+            <a:prstGeom prst="rect">
+              <a:avLst/>
+            </a:prstGeom>
+            <a:solidFill>
+              <a:srgbClr val="7CAE00">
+                <a:alpha val="100000"/>
+              </a:srgbClr>
+            </a:solidFill>
+          </p:spPr>
+          <p:txBody>
+            <a:bodyPr/>
+            <a:lstStyle/>
+            <a:p/>
+          </p:txBody>
+        </p:sp>
+        <p:sp>
+          <p:nvSpPr>
+            <p:cNvPr id="65" name="rc65"/>
+            <p:cNvSpPr/>
+            <p:nvPr/>
+          </p:nvSpPr>
+          <p:spPr>
+            <a:xfrm>
+              <a:off x="7509465" y="3395410"/>
+              <a:ext cx="137838" cy="2146435"/>
+            </a:xfrm>
+            <a:prstGeom prst="rect">
+              <a:avLst/>
+            </a:prstGeom>
+            <a:solidFill>
+              <a:srgbClr val="C77CFF">
+                <a:alpha val="100000"/>
+              </a:srgbClr>
+            </a:solidFill>
+          </p:spPr>
+          <p:txBody>
+            <a:bodyPr/>
+            <a:lstStyle/>
+            <a:p/>
+          </p:txBody>
+        </p:sp>
+        <p:sp>
+          <p:nvSpPr>
+            <p:cNvPr id="66" name="rc66"/>
+            <p:cNvSpPr/>
+            <p:nvPr/>
+          </p:nvSpPr>
+          <p:spPr>
+            <a:xfrm>
+              <a:off x="7371627" y="5275558"/>
+              <a:ext cx="137838" cy="266287"/>
+            </a:xfrm>
+            <a:prstGeom prst="rect">
+              <a:avLst/>
+            </a:prstGeom>
+            <a:solidFill>
+              <a:srgbClr val="00BFC4">
+                <a:alpha val="100000"/>
+              </a:srgbClr>
+            </a:solidFill>
+          </p:spPr>
+          <p:txBody>
+            <a:bodyPr/>
+            <a:lstStyle/>
+            <a:p/>
+          </p:txBody>
+        </p:sp>
+        <p:sp>
+          <p:nvSpPr>
+            <p:cNvPr id="67" name="rc67"/>
+            <p:cNvSpPr/>
+            <p:nvPr/>
+          </p:nvSpPr>
+          <p:spPr>
+            <a:xfrm>
+              <a:off x="7095951" y="3621350"/>
+              <a:ext cx="137838" cy="1920495"/>
+            </a:xfrm>
+            <a:prstGeom prst="rect">
+              <a:avLst/>
+            </a:prstGeom>
+            <a:solidFill>
+              <a:srgbClr val="F8766D">
+                <a:alpha val="100000"/>
+              </a:srgbClr>
+            </a:solidFill>
+          </p:spPr>
+          <p:txBody>
+            <a:bodyPr/>
+            <a:lstStyle/>
+            <a:p/>
+          </p:txBody>
+        </p:sp>
+        <p:sp>
+          <p:nvSpPr>
+            <p:cNvPr id="68" name="rc68"/>
+            <p:cNvSpPr/>
+            <p:nvPr/>
+          </p:nvSpPr>
+          <p:spPr>
+            <a:xfrm>
+              <a:off x="877924" y="1669789"/>
+              <a:ext cx="6861270" cy="4056440"/>
+            </a:xfrm>
+            <a:prstGeom prst="rect">
+              <a:avLst/>
+            </a:prstGeom>
+            <a:ln w="13550" cap="rnd">
+              <a:solidFill>
+                <a:srgbClr val="333333">
+                  <a:alpha val="100000"/>
+                </a:srgbClr>
+              </a:solidFill>
+              <a:prstDash val="solid"/>
+              <a:round/>
+            </a:ln>
+          </p:spPr>
+          <p:txBody>
+            <a:bodyPr/>
+            <a:lstStyle/>
+            <a:p/>
+          </p:txBody>
+        </p:sp>
+        <p:sp>
+          <p:nvSpPr>
+            <p:cNvPr id="69" name="tx69"/>
+            <p:cNvSpPr/>
+            <p:nvPr/>
+          </p:nvSpPr>
+          <p:spPr>
+            <a:xfrm>
+              <a:off x="753139" y="5500154"/>
+              <a:ext cx="62155" cy="81691"/>
+            </a:xfrm>
+            <a:prstGeom prst="rect">
+              <a:avLst/>
+            </a:prstGeom>
+            <a:noFill/>
+          </p:spPr>
+          <p:txBody>
+            <a:bodyPr lIns="0" rIns="0" tIns="0" bIns="0" anchorCtr="1" anchor="ctr" wrap="none"/>
+            <a:lstStyle/>
+            <a:p>
+              <a:pPr algn="l" marL="0" marR="0" indent="0">
+                <a:lnSpc>
+                  <a:spcPts val="880"/>
+                </a:lnSpc>
+                <a:spcBef>
+                  <a:spcPts val="0"/>
+                </a:spcBef>
+                <a:spcAft>
+                  <a:spcPts val="0"/>
+                </a:spcAft>
+              </a:pPr>
+              <a:r>
+                <a:rPr sz="880">
+                  <a:solidFill>
+                    <a:srgbClr val="4D4D4D">
+                      <a:alpha val="100000"/>
+                    </a:srgbClr>
+                  </a:solidFill>
+                  <a:latin typeface="Arial"/>
+                  <a:cs typeface="Arial"/>
+                </a:rPr>
+                <a:t>0</a:t>
+              </a:r>
+            </a:p>
+          </p:txBody>
+        </p:sp>
+        <p:sp>
+          <p:nvSpPr>
+            <p:cNvPr id="70" name="tx70"/>
+            <p:cNvSpPr/>
+            <p:nvPr/>
+          </p:nvSpPr>
+          <p:spPr>
+            <a:xfrm>
+              <a:off x="690983" y="4289758"/>
+              <a:ext cx="124311" cy="81691"/>
+            </a:xfrm>
+            <a:prstGeom prst="rect">
+              <a:avLst/>
+            </a:prstGeom>
+            <a:noFill/>
+          </p:spPr>
+          <p:txBody>
+            <a:bodyPr lIns="0" rIns="0" tIns="0" bIns="0" anchorCtr="1" anchor="ctr" wrap="none"/>
+            <a:lstStyle/>
+            <a:p>
+              <a:pPr algn="l" marL="0" marR="0" indent="0">
+                <a:lnSpc>
+                  <a:spcPts val="880"/>
+                </a:lnSpc>
+                <a:spcBef>
+                  <a:spcPts val="0"/>
+                </a:spcBef>
+                <a:spcAft>
+                  <a:spcPts val="0"/>
+                </a:spcAft>
+              </a:pPr>
+              <a:r>
+                <a:rPr sz="880">
+                  <a:solidFill>
+                    <a:srgbClr val="4D4D4D">
+                      <a:alpha val="100000"/>
+                    </a:srgbClr>
+                  </a:solidFill>
+                  <a:latin typeface="Arial"/>
+                  <a:cs typeface="Arial"/>
+                </a:rPr>
+                <a:t>10</a:t>
+              </a:r>
+            </a:p>
+          </p:txBody>
+        </p:sp>
+        <p:sp>
+          <p:nvSpPr>
+            <p:cNvPr id="71" name="tx71"/>
+            <p:cNvSpPr/>
+            <p:nvPr/>
+          </p:nvSpPr>
+          <p:spPr>
+            <a:xfrm>
+              <a:off x="690983" y="3079362"/>
+              <a:ext cx="124311" cy="81691"/>
+            </a:xfrm>
+            <a:prstGeom prst="rect">
+              <a:avLst/>
+            </a:prstGeom>
+            <a:noFill/>
+          </p:spPr>
+          <p:txBody>
+            <a:bodyPr lIns="0" rIns="0" tIns="0" bIns="0" anchorCtr="1" anchor="ctr" wrap="none"/>
+            <a:lstStyle/>
+            <a:p>
+              <a:pPr algn="l" marL="0" marR="0" indent="0">
+                <a:lnSpc>
+                  <a:spcPts val="880"/>
+                </a:lnSpc>
+                <a:spcBef>
+                  <a:spcPts val="0"/>
+                </a:spcBef>
+                <a:spcAft>
+                  <a:spcPts val="0"/>
+                </a:spcAft>
+              </a:pPr>
+              <a:r>
+                <a:rPr sz="880">
+                  <a:solidFill>
+                    <a:srgbClr val="4D4D4D">
+                      <a:alpha val="100000"/>
+                    </a:srgbClr>
+                  </a:solidFill>
+                  <a:latin typeface="Arial"/>
+                  <a:cs typeface="Arial"/>
+                </a:rPr>
+                <a:t>20</a:t>
+              </a:r>
+            </a:p>
+          </p:txBody>
+        </p:sp>
+        <p:sp>
+          <p:nvSpPr>
+            <p:cNvPr id="72" name="tx72"/>
+            <p:cNvSpPr/>
+            <p:nvPr/>
+          </p:nvSpPr>
+          <p:spPr>
+            <a:xfrm>
+              <a:off x="690983" y="1868911"/>
+              <a:ext cx="124311" cy="81746"/>
+            </a:xfrm>
+            <a:prstGeom prst="rect">
+              <a:avLst/>
+            </a:prstGeom>
+            <a:noFill/>
+          </p:spPr>
+          <p:txBody>
+            <a:bodyPr lIns="0" rIns="0" tIns="0" bIns="0" anchorCtr="1" anchor="ctr" wrap="none"/>
+            <a:lstStyle/>
+            <a:p>
+              <a:pPr algn="l" marL="0" marR="0" indent="0">
+                <a:lnSpc>
+                  <a:spcPts val="880"/>
+                </a:lnSpc>
+                <a:spcBef>
+                  <a:spcPts val="0"/>
+                </a:spcBef>
+                <a:spcAft>
+                  <a:spcPts val="0"/>
+                </a:spcAft>
+              </a:pPr>
+              <a:r>
+                <a:rPr sz="880">
+                  <a:solidFill>
+                    <a:srgbClr val="4D4D4D">
+                      <a:alpha val="100000"/>
+                    </a:srgbClr>
+                  </a:solidFill>
+                  <a:latin typeface="Arial"/>
+                  <a:cs typeface="Arial"/>
+                </a:rPr>
+                <a:t>30</a:t>
+              </a:r>
+            </a:p>
+          </p:txBody>
+        </p:sp>
+        <p:sp>
+          <p:nvSpPr>
+            <p:cNvPr id="73" name="pl73"/>
+            <p:cNvSpPr/>
+            <p:nvPr/>
+          </p:nvSpPr>
+          <p:spPr>
+            <a:xfrm>
+              <a:off x="843130" y="5541845"/>
+              <a:ext cx="34794" cy="0"/>
+            </a:xfrm>
+            <a:custGeom>
+              <a:avLst/>
+              <a:pathLst>
+                <a:path w="34794" h="0">
+                  <a:moveTo>
+                    <a:pt x="0" y="0"/>
+                  </a:moveTo>
+                  <a:lnTo>
+                    <a:pt x="34794" y="0"/>
+                  </a:lnTo>
+                </a:path>
+              </a:pathLst>
+            </a:custGeom>
+            <a:ln w="13550" cap="flat">
+              <a:solidFill>
+                <a:srgbClr val="333333">
+                  <a:alpha val="100000"/>
+                </a:srgbClr>
+              </a:solidFill>
+              <a:prstDash val="solid"/>
+              <a:round/>
+            </a:ln>
+          </p:spPr>
+          <p:txBody>
+            <a:bodyPr/>
+            <a:lstStyle/>
+            <a:p/>
+          </p:txBody>
+        </p:sp>
+        <p:sp>
+          <p:nvSpPr>
+            <p:cNvPr id="74" name="pl74"/>
+            <p:cNvSpPr/>
+            <p:nvPr/>
+          </p:nvSpPr>
+          <p:spPr>
+            <a:xfrm>
+              <a:off x="843130" y="4331449"/>
+              <a:ext cx="34794" cy="0"/>
+            </a:xfrm>
+            <a:custGeom>
+              <a:avLst/>
+              <a:pathLst>
+                <a:path w="34794" h="0">
+                  <a:moveTo>
+                    <a:pt x="0" y="0"/>
+                  </a:moveTo>
+                  <a:lnTo>
+                    <a:pt x="34794" y="0"/>
+                  </a:lnTo>
+                </a:path>
+              </a:pathLst>
+            </a:custGeom>
+            <a:ln w="13550" cap="flat">
+              <a:solidFill>
+                <a:srgbClr val="333333">
+                  <a:alpha val="100000"/>
+                </a:srgbClr>
+              </a:solidFill>
+              <a:prstDash val="solid"/>
+              <a:round/>
+            </a:ln>
+          </p:spPr>
+          <p:txBody>
+            <a:bodyPr/>
+            <a:lstStyle/>
+            <a:p/>
+          </p:txBody>
+        </p:sp>
+        <p:sp>
+          <p:nvSpPr>
+            <p:cNvPr id="75" name="pl75"/>
+            <p:cNvSpPr/>
+            <p:nvPr/>
+          </p:nvSpPr>
+          <p:spPr>
+            <a:xfrm>
+              <a:off x="843130" y="3121053"/>
+              <a:ext cx="34794" cy="0"/>
+            </a:xfrm>
+            <a:custGeom>
+              <a:avLst/>
+              <a:pathLst>
+                <a:path w="34794" h="0">
+                  <a:moveTo>
+                    <a:pt x="0" y="0"/>
+                  </a:moveTo>
+                  <a:lnTo>
+                    <a:pt x="34794" y="0"/>
+                  </a:lnTo>
+                </a:path>
+              </a:pathLst>
+            </a:custGeom>
+            <a:ln w="13550" cap="flat">
+              <a:solidFill>
+                <a:srgbClr val="333333">
+                  <a:alpha val="100000"/>
+                </a:srgbClr>
+              </a:solidFill>
+              <a:prstDash val="solid"/>
+              <a:round/>
+            </a:ln>
+          </p:spPr>
+          <p:txBody>
+            <a:bodyPr/>
+            <a:lstStyle/>
+            <a:p/>
+          </p:txBody>
+        </p:sp>
+        <p:sp>
+          <p:nvSpPr>
+            <p:cNvPr id="76" name="pl76"/>
+            <p:cNvSpPr/>
+            <p:nvPr/>
+          </p:nvSpPr>
+          <p:spPr>
+            <a:xfrm>
+              <a:off x="843130" y="1910657"/>
+              <a:ext cx="34794" cy="0"/>
+            </a:xfrm>
+            <a:custGeom>
+              <a:avLst/>
+              <a:pathLst>
+                <a:path w="34794" h="0">
+                  <a:moveTo>
+                    <a:pt x="0" y="0"/>
+                  </a:moveTo>
+                  <a:lnTo>
+                    <a:pt x="34794" y="0"/>
+                  </a:lnTo>
+                </a:path>
+              </a:pathLst>
+            </a:custGeom>
+            <a:ln w="13550" cap="flat">
+              <a:solidFill>
+                <a:srgbClr val="333333">
+                  <a:alpha val="100000"/>
+                </a:srgbClr>
+              </a:solidFill>
+              <a:prstDash val="solid"/>
+              <a:round/>
+            </a:ln>
+          </p:spPr>
+          <p:txBody>
+            <a:bodyPr/>
+            <a:lstStyle/>
+            <a:p/>
+          </p:txBody>
+        </p:sp>
+        <p:sp>
+          <p:nvSpPr>
+            <p:cNvPr id="77" name="pl77"/>
+            <p:cNvSpPr/>
+            <p:nvPr/>
+          </p:nvSpPr>
+          <p:spPr>
+            <a:xfrm>
+              <a:off x="1245492" y="5726229"/>
+              <a:ext cx="0" cy="34794"/>
+            </a:xfrm>
+            <a:custGeom>
+              <a:avLst/>
+              <a:pathLst>
+                <a:path w="0" h="34794">
+                  <a:moveTo>
+                    <a:pt x="0" y="34794"/>
+                  </a:moveTo>
+                  <a:lnTo>
+                    <a:pt x="0" y="0"/>
+                  </a:lnTo>
+                </a:path>
+              </a:pathLst>
+            </a:custGeom>
+            <a:ln w="13550" cap="flat">
+              <a:solidFill>
+                <a:srgbClr val="333333">
+                  <a:alpha val="100000"/>
+                </a:srgbClr>
+              </a:solidFill>
+              <a:prstDash val="solid"/>
+              <a:round/>
+            </a:ln>
+          </p:spPr>
+          <p:txBody>
+            <a:bodyPr/>
+            <a:lstStyle/>
+            <a:p/>
+          </p:txBody>
+        </p:sp>
+        <p:sp>
+          <p:nvSpPr>
+            <p:cNvPr id="78" name="pl78"/>
+            <p:cNvSpPr/>
+            <p:nvPr/>
+          </p:nvSpPr>
+          <p:spPr>
+            <a:xfrm>
+              <a:off x="1858106" y="5726229"/>
+              <a:ext cx="0" cy="34794"/>
+            </a:xfrm>
+            <a:custGeom>
+              <a:avLst/>
+              <a:pathLst>
+                <a:path w="0" h="34794">
+                  <a:moveTo>
+                    <a:pt x="0" y="34794"/>
+                  </a:moveTo>
+                  <a:lnTo>
+                    <a:pt x="0" y="0"/>
+                  </a:lnTo>
+                </a:path>
+              </a:pathLst>
+            </a:custGeom>
+            <a:ln w="13550" cap="flat">
+              <a:solidFill>
+                <a:srgbClr val="333333">
+                  <a:alpha val="100000"/>
+                </a:srgbClr>
+              </a:solidFill>
+              <a:prstDash val="solid"/>
+              <a:round/>
+            </a:ln>
+          </p:spPr>
+          <p:txBody>
+            <a:bodyPr/>
+            <a:lstStyle/>
+            <a:p/>
+          </p:txBody>
+        </p:sp>
+        <p:sp>
+          <p:nvSpPr>
+            <p:cNvPr id="79" name="pl79"/>
+            <p:cNvSpPr/>
+            <p:nvPr/>
+          </p:nvSpPr>
+          <p:spPr>
+            <a:xfrm>
+              <a:off x="2470719" y="5726229"/>
+              <a:ext cx="0" cy="34794"/>
+            </a:xfrm>
+            <a:custGeom>
+              <a:avLst/>
+              <a:pathLst>
+                <a:path w="0" h="34794">
+                  <a:moveTo>
+                    <a:pt x="0" y="34794"/>
+                  </a:moveTo>
+                  <a:lnTo>
+                    <a:pt x="0" y="0"/>
+                  </a:lnTo>
+                </a:path>
+              </a:pathLst>
+            </a:custGeom>
+            <a:ln w="13550" cap="flat">
+              <a:solidFill>
+                <a:srgbClr val="333333">
+                  <a:alpha val="100000"/>
+                </a:srgbClr>
+              </a:solidFill>
+              <a:prstDash val="solid"/>
+              <a:round/>
+            </a:ln>
+          </p:spPr>
+          <p:txBody>
+            <a:bodyPr/>
+            <a:lstStyle/>
+            <a:p/>
+          </p:txBody>
+        </p:sp>
+        <p:sp>
+          <p:nvSpPr>
+            <p:cNvPr id="80" name="pl80"/>
+            <p:cNvSpPr/>
+            <p:nvPr/>
+          </p:nvSpPr>
+          <p:spPr>
+            <a:xfrm>
+              <a:off x="3083333" y="5726229"/>
+              <a:ext cx="0" cy="34794"/>
+            </a:xfrm>
+            <a:custGeom>
+              <a:avLst/>
+              <a:pathLst>
+                <a:path w="0" h="34794">
+                  <a:moveTo>
+                    <a:pt x="0" y="34794"/>
+                  </a:moveTo>
+                  <a:lnTo>
+                    <a:pt x="0" y="0"/>
+                  </a:lnTo>
+                </a:path>
+              </a:pathLst>
+            </a:custGeom>
+            <a:ln w="13550" cap="flat">
+              <a:solidFill>
+                <a:srgbClr val="333333">
+                  <a:alpha val="100000"/>
+                </a:srgbClr>
+              </a:solidFill>
+              <a:prstDash val="solid"/>
+              <a:round/>
+            </a:ln>
+          </p:spPr>
+          <p:txBody>
+            <a:bodyPr/>
+            <a:lstStyle/>
+            <a:p/>
+          </p:txBody>
+        </p:sp>
+        <p:sp>
+          <p:nvSpPr>
+            <p:cNvPr id="81" name="pl81"/>
+            <p:cNvSpPr/>
+            <p:nvPr/>
+          </p:nvSpPr>
+          <p:spPr>
+            <a:xfrm>
+              <a:off x="3695946" y="5726229"/>
+              <a:ext cx="0" cy="34794"/>
+            </a:xfrm>
+            <a:custGeom>
+              <a:avLst/>
+              <a:pathLst>
+                <a:path w="0" h="34794">
+                  <a:moveTo>
+                    <a:pt x="0" y="34794"/>
+                  </a:moveTo>
+                  <a:lnTo>
+                    <a:pt x="0" y="0"/>
+                  </a:lnTo>
+                </a:path>
+              </a:pathLst>
+            </a:custGeom>
+            <a:ln w="13550" cap="flat">
+              <a:solidFill>
+                <a:srgbClr val="333333">
+                  <a:alpha val="100000"/>
+                </a:srgbClr>
+              </a:solidFill>
+              <a:prstDash val="solid"/>
+              <a:round/>
+            </a:ln>
+          </p:spPr>
+          <p:txBody>
+            <a:bodyPr/>
+            <a:lstStyle/>
+            <a:p/>
+          </p:txBody>
+        </p:sp>
+        <p:sp>
+          <p:nvSpPr>
+            <p:cNvPr id="82" name="pl82"/>
+            <p:cNvSpPr/>
+            <p:nvPr/>
+          </p:nvSpPr>
+          <p:spPr>
+            <a:xfrm>
+              <a:off x="4308560" y="5726229"/>
+              <a:ext cx="0" cy="34794"/>
+            </a:xfrm>
+            <a:custGeom>
+              <a:avLst/>
+              <a:pathLst>
+                <a:path w="0" h="34794">
+                  <a:moveTo>
+                    <a:pt x="0" y="34794"/>
+                  </a:moveTo>
+                  <a:lnTo>
+                    <a:pt x="0" y="0"/>
+                  </a:lnTo>
+                </a:path>
+              </a:pathLst>
+            </a:custGeom>
+            <a:ln w="13550" cap="flat">
+              <a:solidFill>
+                <a:srgbClr val="333333">
+                  <a:alpha val="100000"/>
+                </a:srgbClr>
+              </a:solidFill>
+              <a:prstDash val="solid"/>
+              <a:round/>
+            </a:ln>
+          </p:spPr>
+          <p:txBody>
+            <a:bodyPr/>
+            <a:lstStyle/>
+            <a:p/>
+          </p:txBody>
+        </p:sp>
+        <p:sp>
+          <p:nvSpPr>
+            <p:cNvPr id="83" name="pl83"/>
+            <p:cNvSpPr/>
+            <p:nvPr/>
+          </p:nvSpPr>
+          <p:spPr>
+            <a:xfrm>
+              <a:off x="4921173" y="5726229"/>
+              <a:ext cx="0" cy="34794"/>
+            </a:xfrm>
+            <a:custGeom>
+              <a:avLst/>
+              <a:pathLst>
+                <a:path w="0" h="34794">
+                  <a:moveTo>
+                    <a:pt x="0" y="34794"/>
+                  </a:moveTo>
+                  <a:lnTo>
+                    <a:pt x="0" y="0"/>
+                  </a:lnTo>
+                </a:path>
+              </a:pathLst>
+            </a:custGeom>
+            <a:ln w="13550" cap="flat">
+              <a:solidFill>
+                <a:srgbClr val="333333">
+                  <a:alpha val="100000"/>
+                </a:srgbClr>
+              </a:solidFill>
+              <a:prstDash val="solid"/>
+              <a:round/>
+            </a:ln>
+          </p:spPr>
+          <p:txBody>
+            <a:bodyPr/>
+            <a:lstStyle/>
+            <a:p/>
+          </p:txBody>
+        </p:sp>
+        <p:sp>
+          <p:nvSpPr>
+            <p:cNvPr id="84" name="pl84"/>
+            <p:cNvSpPr/>
+            <p:nvPr/>
+          </p:nvSpPr>
+          <p:spPr>
+            <a:xfrm>
+              <a:off x="5533787" y="5726229"/>
+              <a:ext cx="0" cy="34794"/>
+            </a:xfrm>
+            <a:custGeom>
+              <a:avLst/>
+              <a:pathLst>
+                <a:path w="0" h="34794">
+                  <a:moveTo>
+                    <a:pt x="0" y="34794"/>
+                  </a:moveTo>
+                  <a:lnTo>
+                    <a:pt x="0" y="0"/>
+                  </a:lnTo>
+                </a:path>
+              </a:pathLst>
+            </a:custGeom>
+            <a:ln w="13550" cap="flat">
+              <a:solidFill>
+                <a:srgbClr val="333333">
+                  <a:alpha val="100000"/>
+                </a:srgbClr>
+              </a:solidFill>
+              <a:prstDash val="solid"/>
+              <a:round/>
+            </a:ln>
+          </p:spPr>
+          <p:txBody>
+            <a:bodyPr/>
+            <a:lstStyle/>
+            <a:p/>
+          </p:txBody>
+        </p:sp>
+        <p:sp>
+          <p:nvSpPr>
+            <p:cNvPr id="85" name="pl85"/>
+            <p:cNvSpPr/>
+            <p:nvPr/>
+          </p:nvSpPr>
+          <p:spPr>
+            <a:xfrm>
+              <a:off x="6146400" y="5726229"/>
+              <a:ext cx="0" cy="34794"/>
+            </a:xfrm>
+            <a:custGeom>
+              <a:avLst/>
+              <a:pathLst>
+                <a:path w="0" h="34794">
+                  <a:moveTo>
+                    <a:pt x="0" y="34794"/>
+                  </a:moveTo>
+                  <a:lnTo>
+                    <a:pt x="0" y="0"/>
+                  </a:lnTo>
+                </a:path>
+              </a:pathLst>
+            </a:custGeom>
+            <a:ln w="13550" cap="flat">
+              <a:solidFill>
+                <a:srgbClr val="333333">
+                  <a:alpha val="100000"/>
+                </a:srgbClr>
+              </a:solidFill>
+              <a:prstDash val="solid"/>
+              <a:round/>
+            </a:ln>
+          </p:spPr>
+          <p:txBody>
+            <a:bodyPr/>
+            <a:lstStyle/>
+            <a:p/>
+          </p:txBody>
+        </p:sp>
+        <p:sp>
+          <p:nvSpPr>
+            <p:cNvPr id="86" name="pl86"/>
+            <p:cNvSpPr/>
+            <p:nvPr/>
+          </p:nvSpPr>
+          <p:spPr>
+            <a:xfrm>
+              <a:off x="6759013" y="5726229"/>
+              <a:ext cx="0" cy="34794"/>
+            </a:xfrm>
+            <a:custGeom>
+              <a:avLst/>
+              <a:pathLst>
+                <a:path w="0" h="34794">
+                  <a:moveTo>
+                    <a:pt x="0" y="34794"/>
+                  </a:moveTo>
+                  <a:lnTo>
+                    <a:pt x="0" y="0"/>
+                  </a:lnTo>
+                </a:path>
+              </a:pathLst>
+            </a:custGeom>
+            <a:ln w="13550" cap="flat">
+              <a:solidFill>
+                <a:srgbClr val="333333">
+                  <a:alpha val="100000"/>
+                </a:srgbClr>
+              </a:solidFill>
+              <a:prstDash val="solid"/>
+              <a:round/>
+            </a:ln>
+          </p:spPr>
+          <p:txBody>
+            <a:bodyPr/>
+            <a:lstStyle/>
+            <a:p/>
+          </p:txBody>
+        </p:sp>
+        <p:sp>
+          <p:nvSpPr>
+            <p:cNvPr id="87" name="pl87"/>
+            <p:cNvSpPr/>
+            <p:nvPr/>
+          </p:nvSpPr>
+          <p:spPr>
+            <a:xfrm>
+              <a:off x="7371627" y="5726229"/>
+              <a:ext cx="0" cy="34794"/>
+            </a:xfrm>
+            <a:custGeom>
+              <a:avLst/>
+              <a:pathLst>
+                <a:path w="0" h="34794">
+                  <a:moveTo>
+                    <a:pt x="0" y="34794"/>
+                  </a:moveTo>
+                  <a:lnTo>
+                    <a:pt x="0" y="0"/>
+                  </a:lnTo>
+                </a:path>
+              </a:pathLst>
+            </a:custGeom>
+            <a:ln w="13550" cap="flat">
+              <a:solidFill>
+                <a:srgbClr val="333333">
+                  <a:alpha val="100000"/>
+                </a:srgbClr>
+              </a:solidFill>
+              <a:prstDash val="solid"/>
+              <a:round/>
+            </a:ln>
+          </p:spPr>
+          <p:txBody>
+            <a:bodyPr/>
+            <a:lstStyle/>
+            <a:p/>
+          </p:txBody>
+        </p:sp>
+        <p:sp>
+          <p:nvSpPr>
+            <p:cNvPr id="88" name="tx88"/>
+            <p:cNvSpPr/>
+            <p:nvPr/>
+          </p:nvSpPr>
+          <p:spPr>
+            <a:xfrm>
+              <a:off x="1146065" y="5787168"/>
+              <a:ext cx="198854" cy="81691"/>
+            </a:xfrm>
+            <a:prstGeom prst="rect">
+              <a:avLst/>
+            </a:prstGeom>
+            <a:noFill/>
+          </p:spPr>
+          <p:txBody>
+            <a:bodyPr lIns="0" rIns="0" tIns="0" bIns="0" anchorCtr="1" anchor="ctr" wrap="none"/>
+            <a:lstStyle/>
+            <a:p>
+              <a:pPr algn="l" marL="0" marR="0" indent="0">
+                <a:lnSpc>
+                  <a:spcPts val="880"/>
+                </a:lnSpc>
+                <a:spcBef>
+                  <a:spcPts val="0"/>
+                </a:spcBef>
+                <a:spcAft>
+                  <a:spcPts val="0"/>
+                </a:spcAft>
+              </a:pPr>
+              <a:r>
+                <a:rPr sz="880">
+                  <a:solidFill>
+                    <a:srgbClr val="4D4D4D">
+                      <a:alpha val="100000"/>
+                    </a:srgbClr>
+                  </a:solidFill>
+                  <a:latin typeface="Arial"/>
+                  <a:cs typeface="Arial"/>
+                </a:rPr>
+                <a:t>P01</a:t>
+              </a:r>
+            </a:p>
+          </p:txBody>
+        </p:sp>
+        <p:sp>
+          <p:nvSpPr>
+            <p:cNvPr id="89" name="tx89"/>
+            <p:cNvSpPr/>
+            <p:nvPr/>
+          </p:nvSpPr>
+          <p:spPr>
+            <a:xfrm>
+              <a:off x="1758679" y="5787168"/>
+              <a:ext cx="198854" cy="81691"/>
+            </a:xfrm>
+            <a:prstGeom prst="rect">
+              <a:avLst/>
+            </a:prstGeom>
+            <a:noFill/>
+          </p:spPr>
+          <p:txBody>
+            <a:bodyPr lIns="0" rIns="0" tIns="0" bIns="0" anchorCtr="1" anchor="ctr" wrap="none"/>
+            <a:lstStyle/>
+            <a:p>
+              <a:pPr algn="l" marL="0" marR="0" indent="0">
+                <a:lnSpc>
+                  <a:spcPts val="880"/>
+                </a:lnSpc>
+                <a:spcBef>
+                  <a:spcPts val="0"/>
+                </a:spcBef>
+                <a:spcAft>
+                  <a:spcPts val="0"/>
+                </a:spcAft>
+              </a:pPr>
+              <a:r>
+                <a:rPr sz="880">
+                  <a:solidFill>
+                    <a:srgbClr val="4D4D4D">
+                      <a:alpha val="100000"/>
+                    </a:srgbClr>
+                  </a:solidFill>
+                  <a:latin typeface="Arial"/>
+                  <a:cs typeface="Arial"/>
+                </a:rPr>
+                <a:t>P02</a:t>
+              </a:r>
+            </a:p>
+          </p:txBody>
+        </p:sp>
+        <p:sp>
+          <p:nvSpPr>
+            <p:cNvPr id="90" name="tx90"/>
+            <p:cNvSpPr/>
+            <p:nvPr/>
+          </p:nvSpPr>
+          <p:spPr>
+            <a:xfrm>
+              <a:off x="2371292" y="5787113"/>
+              <a:ext cx="198854" cy="81746"/>
+            </a:xfrm>
+            <a:prstGeom prst="rect">
+              <a:avLst/>
+            </a:prstGeom>
+            <a:noFill/>
+          </p:spPr>
+          <p:txBody>
+            <a:bodyPr lIns="0" rIns="0" tIns="0" bIns="0" anchorCtr="1" anchor="ctr" wrap="none"/>
+            <a:lstStyle/>
+            <a:p>
+              <a:pPr algn="l" marL="0" marR="0" indent="0">
+                <a:lnSpc>
+                  <a:spcPts val="880"/>
+                </a:lnSpc>
+                <a:spcBef>
+                  <a:spcPts val="0"/>
+                </a:spcBef>
+                <a:spcAft>
+                  <a:spcPts val="0"/>
+                </a:spcAft>
+              </a:pPr>
+              <a:r>
+                <a:rPr sz="880">
+                  <a:solidFill>
+                    <a:srgbClr val="4D4D4D">
+                      <a:alpha val="100000"/>
+                    </a:srgbClr>
+                  </a:solidFill>
+                  <a:latin typeface="Arial"/>
+                  <a:cs typeface="Arial"/>
+                </a:rPr>
+                <a:t>P03</a:t>
+              </a:r>
+            </a:p>
+          </p:txBody>
+        </p:sp>
+        <p:sp>
+          <p:nvSpPr>
+            <p:cNvPr id="91" name="tx91"/>
+            <p:cNvSpPr/>
+            <p:nvPr/>
+          </p:nvSpPr>
+          <p:spPr>
+            <a:xfrm>
+              <a:off x="2983906" y="5787168"/>
+              <a:ext cx="198854" cy="81691"/>
+            </a:xfrm>
+            <a:prstGeom prst="rect">
+              <a:avLst/>
+            </a:prstGeom>
+            <a:noFill/>
+          </p:spPr>
+          <p:txBody>
+            <a:bodyPr lIns="0" rIns="0" tIns="0" bIns="0" anchorCtr="1" anchor="ctr" wrap="none"/>
+            <a:lstStyle/>
+            <a:p>
+              <a:pPr algn="l" marL="0" marR="0" indent="0">
+                <a:lnSpc>
+                  <a:spcPts val="880"/>
+                </a:lnSpc>
+                <a:spcBef>
+                  <a:spcPts val="0"/>
+                </a:spcBef>
+                <a:spcAft>
+                  <a:spcPts val="0"/>
+                </a:spcAft>
+              </a:pPr>
+              <a:r>
+                <a:rPr sz="880">
+                  <a:solidFill>
+                    <a:srgbClr val="4D4D4D">
+                      <a:alpha val="100000"/>
+                    </a:srgbClr>
+                  </a:solidFill>
+                  <a:latin typeface="Arial"/>
+                  <a:cs typeface="Arial"/>
+                </a:rPr>
+                <a:t>P04</a:t>
+              </a:r>
+            </a:p>
+          </p:txBody>
+        </p:sp>
+        <p:sp>
+          <p:nvSpPr>
+            <p:cNvPr id="92" name="tx92"/>
+            <p:cNvSpPr/>
+            <p:nvPr/>
+          </p:nvSpPr>
+          <p:spPr>
+            <a:xfrm>
+              <a:off x="3596519" y="5787168"/>
+              <a:ext cx="198854" cy="81691"/>
+            </a:xfrm>
+            <a:prstGeom prst="rect">
+              <a:avLst/>
+            </a:prstGeom>
+            <a:noFill/>
+          </p:spPr>
+          <p:txBody>
+            <a:bodyPr lIns="0" rIns="0" tIns="0" bIns="0" anchorCtr="1" anchor="ctr" wrap="none"/>
+            <a:lstStyle/>
+            <a:p>
+              <a:pPr algn="l" marL="0" marR="0" indent="0">
+                <a:lnSpc>
+                  <a:spcPts val="880"/>
+                </a:lnSpc>
+                <a:spcBef>
+                  <a:spcPts val="0"/>
+                </a:spcBef>
+                <a:spcAft>
+                  <a:spcPts val="0"/>
+                </a:spcAft>
+              </a:pPr>
+              <a:r>
+                <a:rPr sz="880">
+                  <a:solidFill>
+                    <a:srgbClr val="4D4D4D">
+                      <a:alpha val="100000"/>
+                    </a:srgbClr>
+                  </a:solidFill>
+                  <a:latin typeface="Arial"/>
+                  <a:cs typeface="Arial"/>
+                </a:rPr>
+                <a:t>P05</a:t>
+              </a:r>
+            </a:p>
+          </p:txBody>
+        </p:sp>
+        <p:sp>
+          <p:nvSpPr>
+            <p:cNvPr id="93" name="tx93"/>
+            <p:cNvSpPr/>
+            <p:nvPr/>
+          </p:nvSpPr>
+          <p:spPr>
+            <a:xfrm>
+              <a:off x="4209133" y="5787168"/>
+              <a:ext cx="198854" cy="81691"/>
+            </a:xfrm>
+            <a:prstGeom prst="rect">
+              <a:avLst/>
+            </a:prstGeom>
+            <a:noFill/>
+          </p:spPr>
+          <p:txBody>
+            <a:bodyPr lIns="0" rIns="0" tIns="0" bIns="0" anchorCtr="1" anchor="ctr" wrap="none"/>
+            <a:lstStyle/>
+            <a:p>
+              <a:pPr algn="l" marL="0" marR="0" indent="0">
+                <a:lnSpc>
+                  <a:spcPts val="880"/>
+                </a:lnSpc>
+                <a:spcBef>
+                  <a:spcPts val="0"/>
+                </a:spcBef>
+                <a:spcAft>
+                  <a:spcPts val="0"/>
+                </a:spcAft>
+              </a:pPr>
+              <a:r>
+                <a:rPr sz="880">
+                  <a:solidFill>
+                    <a:srgbClr val="4D4D4D">
+                      <a:alpha val="100000"/>
+                    </a:srgbClr>
+                  </a:solidFill>
+                  <a:latin typeface="Arial"/>
+                  <a:cs typeface="Arial"/>
+                </a:rPr>
+                <a:t>P06</a:t>
+              </a:r>
+            </a:p>
+          </p:txBody>
+        </p:sp>
+        <p:sp>
+          <p:nvSpPr>
+            <p:cNvPr id="94" name="tx94"/>
+            <p:cNvSpPr/>
+            <p:nvPr/>
+          </p:nvSpPr>
+          <p:spPr>
+            <a:xfrm>
+              <a:off x="4821746" y="5787168"/>
+              <a:ext cx="198854" cy="81691"/>
+            </a:xfrm>
+            <a:prstGeom prst="rect">
+              <a:avLst/>
+            </a:prstGeom>
+            <a:noFill/>
+          </p:spPr>
+          <p:txBody>
+            <a:bodyPr lIns="0" rIns="0" tIns="0" bIns="0" anchorCtr="1" anchor="ctr" wrap="none"/>
+            <a:lstStyle/>
+            <a:p>
+              <a:pPr algn="l" marL="0" marR="0" indent="0">
+                <a:lnSpc>
+                  <a:spcPts val="880"/>
+                </a:lnSpc>
+                <a:spcBef>
+                  <a:spcPts val="0"/>
+                </a:spcBef>
+                <a:spcAft>
+                  <a:spcPts val="0"/>
+                </a:spcAft>
+              </a:pPr>
+              <a:r>
+                <a:rPr sz="880">
+                  <a:solidFill>
+                    <a:srgbClr val="4D4D4D">
+                      <a:alpha val="100000"/>
+                    </a:srgbClr>
+                  </a:solidFill>
+                  <a:latin typeface="Arial"/>
+                  <a:cs typeface="Arial"/>
+                </a:rPr>
+                <a:t>P07</a:t>
+              </a:r>
+            </a:p>
+          </p:txBody>
+        </p:sp>
+        <p:sp>
+          <p:nvSpPr>
+            <p:cNvPr id="95" name="tx95"/>
+            <p:cNvSpPr/>
+            <p:nvPr/>
+          </p:nvSpPr>
+          <p:spPr>
+            <a:xfrm>
+              <a:off x="5434359" y="5787168"/>
+              <a:ext cx="198854" cy="81691"/>
+            </a:xfrm>
+            <a:prstGeom prst="rect">
+              <a:avLst/>
+            </a:prstGeom>
+            <a:noFill/>
+          </p:spPr>
+          <p:txBody>
+            <a:bodyPr lIns="0" rIns="0" tIns="0" bIns="0" anchorCtr="1" anchor="ctr" wrap="none"/>
+            <a:lstStyle/>
+            <a:p>
+              <a:pPr algn="l" marL="0" marR="0" indent="0">
+                <a:lnSpc>
+                  <a:spcPts val="880"/>
+                </a:lnSpc>
+                <a:spcBef>
+                  <a:spcPts val="0"/>
+                </a:spcBef>
+                <a:spcAft>
+                  <a:spcPts val="0"/>
+                </a:spcAft>
+              </a:pPr>
+              <a:r>
+                <a:rPr sz="880">
+                  <a:solidFill>
+                    <a:srgbClr val="4D4D4D">
+                      <a:alpha val="100000"/>
+                    </a:srgbClr>
+                  </a:solidFill>
+                  <a:latin typeface="Arial"/>
+                  <a:cs typeface="Arial"/>
+                </a:rPr>
+                <a:t>P08</a:t>
+              </a:r>
+            </a:p>
+          </p:txBody>
+        </p:sp>
+        <p:sp>
+          <p:nvSpPr>
+            <p:cNvPr id="96" name="tx96"/>
+            <p:cNvSpPr/>
+            <p:nvPr/>
+          </p:nvSpPr>
+          <p:spPr>
+            <a:xfrm>
+              <a:off x="6046973" y="5787168"/>
+              <a:ext cx="198854" cy="81691"/>
+            </a:xfrm>
+            <a:prstGeom prst="rect">
+              <a:avLst/>
+            </a:prstGeom>
+            <a:noFill/>
+          </p:spPr>
+          <p:txBody>
+            <a:bodyPr lIns="0" rIns="0" tIns="0" bIns="0" anchorCtr="1" anchor="ctr" wrap="none"/>
+            <a:lstStyle/>
+            <a:p>
+              <a:pPr algn="l" marL="0" marR="0" indent="0">
+                <a:lnSpc>
+                  <a:spcPts val="880"/>
+                </a:lnSpc>
+                <a:spcBef>
+                  <a:spcPts val="0"/>
+                </a:spcBef>
+                <a:spcAft>
+                  <a:spcPts val="0"/>
+                </a:spcAft>
+              </a:pPr>
+              <a:r>
+                <a:rPr sz="880">
+                  <a:solidFill>
+                    <a:srgbClr val="4D4D4D">
+                      <a:alpha val="100000"/>
+                    </a:srgbClr>
+                  </a:solidFill>
+                  <a:latin typeface="Arial"/>
+                  <a:cs typeface="Arial"/>
+                </a:rPr>
+                <a:t>P09</a:t>
+              </a:r>
+            </a:p>
+          </p:txBody>
+        </p:sp>
+        <p:sp>
+          <p:nvSpPr>
+            <p:cNvPr id="97" name="tx97"/>
+            <p:cNvSpPr/>
+            <p:nvPr/>
+          </p:nvSpPr>
+          <p:spPr>
+            <a:xfrm>
+              <a:off x="6659586" y="5787168"/>
+              <a:ext cx="198854" cy="81691"/>
+            </a:xfrm>
+            <a:prstGeom prst="rect">
+              <a:avLst/>
+            </a:prstGeom>
+            <a:noFill/>
+          </p:spPr>
+          <p:txBody>
+            <a:bodyPr lIns="0" rIns="0" tIns="0" bIns="0" anchorCtr="1" anchor="ctr" wrap="none"/>
+            <a:lstStyle/>
+            <a:p>
+              <a:pPr algn="l" marL="0" marR="0" indent="0">
+                <a:lnSpc>
+                  <a:spcPts val="880"/>
+                </a:lnSpc>
+                <a:spcBef>
+                  <a:spcPts val="0"/>
+                </a:spcBef>
+                <a:spcAft>
+                  <a:spcPts val="0"/>
+                </a:spcAft>
+              </a:pPr>
+              <a:r>
+                <a:rPr sz="880">
+                  <a:solidFill>
+                    <a:srgbClr val="4D4D4D">
+                      <a:alpha val="100000"/>
+                    </a:srgbClr>
+                  </a:solidFill>
+                  <a:latin typeface="Arial"/>
+                  <a:cs typeface="Arial"/>
+                </a:rPr>
+                <a:t>P10</a:t>
+              </a:r>
+            </a:p>
+          </p:txBody>
+        </p:sp>
+        <p:sp>
+          <p:nvSpPr>
+            <p:cNvPr id="98" name="tx98"/>
+            <p:cNvSpPr/>
+            <p:nvPr/>
+          </p:nvSpPr>
+          <p:spPr>
+            <a:xfrm>
+              <a:off x="7244287" y="5765230"/>
+              <a:ext cx="254679" cy="103629"/>
+            </a:xfrm>
+            <a:prstGeom prst="rect">
+              <a:avLst/>
+            </a:prstGeom>
+            <a:noFill/>
+          </p:spPr>
+          <p:txBody>
+            <a:bodyPr lIns="0" rIns="0" tIns="0" bIns="0" anchorCtr="1" anchor="ctr" wrap="none"/>
+            <a:lstStyle/>
+            <a:p>
+              <a:pPr algn="l" marL="0" marR="0" indent="0">
+                <a:lnSpc>
+                  <a:spcPts val="880"/>
+                </a:lnSpc>
+                <a:spcBef>
+                  <a:spcPts val="0"/>
+                </a:spcBef>
+                <a:spcAft>
+                  <a:spcPts val="0"/>
+                </a:spcAft>
+              </a:pPr>
+              <a:r>
+                <a:rPr sz="880">
+                  <a:solidFill>
+                    <a:srgbClr val="4D4D4D">
+                      <a:alpha val="100000"/>
+                    </a:srgbClr>
+                  </a:solidFill>
+                  <a:latin typeface="Arial"/>
+                  <a:cs typeface="Arial"/>
+                </a:rPr>
+                <a:t>POpt</a:t>
+              </a:r>
+            </a:p>
+          </p:txBody>
+        </p:sp>
+        <p:sp>
+          <p:nvSpPr>
+            <p:cNvPr id="99" name="tx99"/>
+            <p:cNvSpPr/>
+            <p:nvPr/>
+          </p:nvSpPr>
+          <p:spPr>
+            <a:xfrm rot="-5400000">
+              <a:off x="397320" y="3647190"/>
+              <a:ext cx="357299" cy="101637"/>
+            </a:xfrm>
+            <a:prstGeom prst="rect">
+              <a:avLst/>
+            </a:prstGeom>
+            <a:noFill/>
+          </p:spPr>
+          <p:txBody>
+            <a:bodyPr lIns="0" rIns="0" tIns="0" bIns="0" anchorCtr="1" anchor="ctr" wrap="none"/>
+            <a:lstStyle/>
+            <a:p>
+              <a:pPr algn="l" marL="0" marR="0" indent="0">
+                <a:lnSpc>
+                  <a:spcPts val="1100"/>
+                </a:lnSpc>
+                <a:spcBef>
+                  <a:spcPts val="0"/>
+                </a:spcBef>
+                <a:spcAft>
+                  <a:spcPts val="0"/>
+                </a:spcAft>
+              </a:pPr>
+              <a:r>
+                <a:rPr sz="1100">
+                  <a:solidFill>
+                    <a:srgbClr val="000000">
+                      <a:alpha val="100000"/>
+                    </a:srgbClr>
+                  </a:solidFill>
+                  <a:latin typeface="Arial"/>
+                  <a:cs typeface="Arial"/>
+                </a:rPr>
+                <a:t>Value</a:t>
+              </a:r>
+            </a:p>
+          </p:txBody>
+        </p:sp>
+        <p:sp>
+          <p:nvSpPr>
+            <p:cNvPr id="100" name="rc100"/>
+            <p:cNvSpPr/>
+            <p:nvPr/>
+          </p:nvSpPr>
+          <p:spPr>
+            <a:xfrm>
+              <a:off x="7878373" y="3090013"/>
+              <a:ext cx="738837" cy="1215990"/>
+            </a:xfrm>
+            <a:prstGeom prst="rect">
+              <a:avLst/>
+            </a:prstGeom>
+            <a:solidFill>
+              <a:srgbClr val="FFFFFF">
+                <a:alpha val="100000"/>
+              </a:srgbClr>
+            </a:solidFill>
+          </p:spPr>
+          <p:txBody>
+            <a:bodyPr/>
+            <a:lstStyle/>
+            <a:p/>
+          </p:txBody>
+        </p:sp>
+        <p:sp>
+          <p:nvSpPr>
+            <p:cNvPr id="101" name="tx101"/>
+            <p:cNvSpPr/>
+            <p:nvPr/>
+          </p:nvSpPr>
+          <p:spPr>
+            <a:xfrm>
+              <a:off x="7947962" y="3172665"/>
+              <a:ext cx="520259" cy="101637"/>
+            </a:xfrm>
+            <a:prstGeom prst="rect">
+              <a:avLst/>
+            </a:prstGeom>
+            <a:noFill/>
+          </p:spPr>
+          <p:txBody>
+            <a:bodyPr lIns="0" rIns="0" tIns="0" bIns="0" anchorCtr="1" anchor="ctr" wrap="none"/>
+            <a:lstStyle/>
+            <a:p>
+              <a:pPr algn="l" marL="0" marR="0" indent="0">
+                <a:lnSpc>
+                  <a:spcPts val="1100"/>
+                </a:lnSpc>
+                <a:spcBef>
+                  <a:spcPts val="0"/>
+                </a:spcBef>
+                <a:spcAft>
+                  <a:spcPts val="0"/>
+                </a:spcAft>
+              </a:pPr>
+              <a:r>
+                <a:rPr sz="1100">
+                  <a:solidFill>
+                    <a:srgbClr val="000000">
+                      <a:alpha val="100000"/>
+                    </a:srgbClr>
+                  </a:solidFill>
+                  <a:latin typeface="Arial"/>
+                  <a:cs typeface="Arial"/>
+                </a:rPr>
+                <a:t>Attribute</a:t>
+              </a:r>
+            </a:p>
+          </p:txBody>
+        </p:sp>
+        <p:sp>
+          <p:nvSpPr>
+            <p:cNvPr id="102" name="rc102"/>
+            <p:cNvSpPr/>
+            <p:nvPr/>
+          </p:nvSpPr>
+          <p:spPr>
+            <a:xfrm>
+              <a:off x="7947962" y="3358591"/>
+              <a:ext cx="219455" cy="219455"/>
+            </a:xfrm>
+            <a:prstGeom prst="rect">
+              <a:avLst/>
+            </a:prstGeom>
+            <a:solidFill>
+              <a:srgbClr val="FFFFFF">
+                <a:alpha val="100000"/>
+              </a:srgbClr>
+            </a:solidFill>
+          </p:spPr>
+          <p:txBody>
+            <a:bodyPr/>
+            <a:lstStyle/>
+            <a:p/>
+          </p:txBody>
+        </p:sp>
+        <p:sp>
+          <p:nvSpPr>
+            <p:cNvPr id="103" name="rc103"/>
+            <p:cNvSpPr/>
+            <p:nvPr/>
+          </p:nvSpPr>
+          <p:spPr>
+            <a:xfrm>
+              <a:off x="7956962" y="3367591"/>
+              <a:ext cx="201455" cy="201456"/>
+            </a:xfrm>
+            <a:prstGeom prst="rect">
+              <a:avLst/>
+            </a:prstGeom>
+            <a:solidFill>
+              <a:srgbClr val="F8766D">
+                <a:alpha val="100000"/>
+              </a:srgbClr>
+            </a:solidFill>
+          </p:spPr>
+          <p:txBody>
+            <a:bodyPr/>
+            <a:lstStyle/>
+            <a:p/>
+          </p:txBody>
+        </p:sp>
+        <p:sp>
+          <p:nvSpPr>
+            <p:cNvPr id="104" name="rc104"/>
+            <p:cNvSpPr/>
+            <p:nvPr/>
+          </p:nvSpPr>
+          <p:spPr>
+            <a:xfrm>
+              <a:off x="7947962" y="3578047"/>
+              <a:ext cx="219455" cy="219455"/>
+            </a:xfrm>
+            <a:prstGeom prst="rect">
+              <a:avLst/>
+            </a:prstGeom>
+            <a:solidFill>
+              <a:srgbClr val="FFFFFF">
+                <a:alpha val="100000"/>
+              </a:srgbClr>
+            </a:solidFill>
+          </p:spPr>
+          <p:txBody>
+            <a:bodyPr/>
+            <a:lstStyle/>
+            <a:p/>
+          </p:txBody>
+        </p:sp>
+        <p:sp>
+          <p:nvSpPr>
+            <p:cNvPr id="105" name="rc105"/>
+            <p:cNvSpPr/>
+            <p:nvPr/>
+          </p:nvSpPr>
+          <p:spPr>
+            <a:xfrm>
+              <a:off x="7956962" y="3587047"/>
+              <a:ext cx="201455" cy="201456"/>
+            </a:xfrm>
+            <a:prstGeom prst="rect">
+              <a:avLst/>
+            </a:prstGeom>
+            <a:solidFill>
+              <a:srgbClr val="7CAE00">
+                <a:alpha val="100000"/>
+              </a:srgbClr>
+            </a:solidFill>
+          </p:spPr>
+          <p:txBody>
+            <a:bodyPr/>
+            <a:lstStyle/>
+            <a:p/>
+          </p:txBody>
+        </p:sp>
+        <p:sp>
+          <p:nvSpPr>
+            <p:cNvPr id="106" name="rc106"/>
+            <p:cNvSpPr/>
+            <p:nvPr/>
+          </p:nvSpPr>
+          <p:spPr>
+            <a:xfrm>
+              <a:off x="7947962" y="3797503"/>
+              <a:ext cx="219455" cy="219455"/>
+            </a:xfrm>
+            <a:prstGeom prst="rect">
+              <a:avLst/>
+            </a:prstGeom>
+            <a:solidFill>
+              <a:srgbClr val="FFFFFF">
+                <a:alpha val="100000"/>
+              </a:srgbClr>
+            </a:solidFill>
+          </p:spPr>
+          <p:txBody>
+            <a:bodyPr/>
+            <a:lstStyle/>
+            <a:p/>
+          </p:txBody>
+        </p:sp>
+        <p:sp>
+          <p:nvSpPr>
+            <p:cNvPr id="107" name="rc107"/>
+            <p:cNvSpPr/>
+            <p:nvPr/>
+          </p:nvSpPr>
+          <p:spPr>
+            <a:xfrm>
+              <a:off x="7956962" y="3806503"/>
+              <a:ext cx="201455" cy="201456"/>
+            </a:xfrm>
+            <a:prstGeom prst="rect">
+              <a:avLst/>
+            </a:prstGeom>
+            <a:solidFill>
+              <a:srgbClr val="00BFC4">
+                <a:alpha val="100000"/>
+              </a:srgbClr>
+            </a:solidFill>
+          </p:spPr>
+          <p:txBody>
+            <a:bodyPr/>
+            <a:lstStyle/>
+            <a:p/>
+          </p:txBody>
+        </p:sp>
+        <p:sp>
+          <p:nvSpPr>
+            <p:cNvPr id="108" name="rc108"/>
+            <p:cNvSpPr/>
+            <p:nvPr/>
+          </p:nvSpPr>
+          <p:spPr>
+            <a:xfrm>
+              <a:off x="7947962" y="4016959"/>
+              <a:ext cx="219455" cy="219456"/>
+            </a:xfrm>
+            <a:prstGeom prst="rect">
+              <a:avLst/>
+            </a:prstGeom>
+            <a:solidFill>
+              <a:srgbClr val="FFFFFF">
+                <a:alpha val="100000"/>
+              </a:srgbClr>
+            </a:solidFill>
+          </p:spPr>
+          <p:txBody>
+            <a:bodyPr/>
+            <a:lstStyle/>
+            <a:p/>
+          </p:txBody>
+        </p:sp>
+        <p:sp>
+          <p:nvSpPr>
+            <p:cNvPr id="109" name="rc109"/>
+            <p:cNvSpPr/>
+            <p:nvPr/>
+          </p:nvSpPr>
+          <p:spPr>
+            <a:xfrm>
+              <a:off x="7956962" y="4025959"/>
+              <a:ext cx="201455" cy="201455"/>
+            </a:xfrm>
+            <a:prstGeom prst="rect">
+              <a:avLst/>
+            </a:prstGeom>
+            <a:solidFill>
+              <a:srgbClr val="C77CFF">
+                <a:alpha val="100000"/>
+              </a:srgbClr>
+            </a:solidFill>
+          </p:spPr>
+          <p:txBody>
+            <a:bodyPr/>
+            <a:lstStyle/>
+            <a:p/>
+          </p:txBody>
+        </p:sp>
+        <p:sp>
+          <p:nvSpPr>
+            <p:cNvPr id="110" name="tx110"/>
+            <p:cNvSpPr/>
+            <p:nvPr/>
+          </p:nvSpPr>
+          <p:spPr>
+            <a:xfrm>
+              <a:off x="8237007" y="3427010"/>
+              <a:ext cx="260846" cy="81309"/>
+            </a:xfrm>
+            <a:prstGeom prst="rect">
+              <a:avLst/>
+            </a:prstGeom>
+            <a:noFill/>
+          </p:spPr>
+          <p:txBody>
+            <a:bodyPr lIns="0" rIns="0" tIns="0" bIns="0" anchorCtr="1" anchor="ctr" wrap="none"/>
+            <a:lstStyle/>
+            <a:p>
+              <a:pPr algn="l" marL="0" marR="0" indent="0">
+                <a:lnSpc>
+                  <a:spcPts val="880"/>
+                </a:lnSpc>
+                <a:spcBef>
+                  <a:spcPts val="0"/>
+                </a:spcBef>
+                <a:spcAft>
+                  <a:spcPts val="0"/>
+                </a:spcAft>
+              </a:pPr>
+              <a:r>
+                <a:rPr sz="880">
+                  <a:solidFill>
+                    <a:srgbClr val="000000">
+                      <a:alpha val="100000"/>
+                    </a:srgbClr>
+                  </a:solidFill>
+                  <a:latin typeface="Arial"/>
+                  <a:cs typeface="Arial"/>
+                </a:rPr>
+                <a:t>Bitter</a:t>
+              </a:r>
+            </a:p>
+          </p:txBody>
+        </p:sp>
+        <p:sp>
+          <p:nvSpPr>
+            <p:cNvPr id="111" name="tx111"/>
+            <p:cNvSpPr/>
+            <p:nvPr/>
+          </p:nvSpPr>
+          <p:spPr>
+            <a:xfrm>
+              <a:off x="8237007" y="3622891"/>
+              <a:ext cx="248458" cy="104884"/>
+            </a:xfrm>
+            <a:prstGeom prst="rect">
+              <a:avLst/>
+            </a:prstGeom>
+            <a:noFill/>
+          </p:spPr>
+          <p:txBody>
+            <a:bodyPr lIns="0" rIns="0" tIns="0" bIns="0" anchorCtr="1" anchor="ctr" wrap="none"/>
+            <a:lstStyle/>
+            <a:p>
+              <a:pPr algn="l" marL="0" marR="0" indent="0">
+                <a:lnSpc>
+                  <a:spcPts val="880"/>
+                </a:lnSpc>
+                <a:spcBef>
+                  <a:spcPts val="0"/>
+                </a:spcBef>
+                <a:spcAft>
+                  <a:spcPts val="0"/>
+                </a:spcAft>
+              </a:pPr>
+              <a:r>
+                <a:rPr sz="880">
+                  <a:solidFill>
+                    <a:srgbClr val="000000">
+                      <a:alpha val="100000"/>
+                    </a:srgbClr>
+                  </a:solidFill>
+                  <a:latin typeface="Arial"/>
+                  <a:cs typeface="Arial"/>
+                </a:rPr>
+                <a:t>Salty</a:t>
+              </a:r>
+            </a:p>
+          </p:txBody>
+        </p:sp>
+        <p:sp>
+          <p:nvSpPr>
+            <p:cNvPr id="112" name="tx112"/>
+            <p:cNvSpPr/>
+            <p:nvPr/>
+          </p:nvSpPr>
+          <p:spPr>
+            <a:xfrm>
+              <a:off x="8237007" y="3864503"/>
+              <a:ext cx="236071" cy="82728"/>
+            </a:xfrm>
+            <a:prstGeom prst="rect">
+              <a:avLst/>
+            </a:prstGeom>
+            <a:noFill/>
+          </p:spPr>
+          <p:txBody>
+            <a:bodyPr lIns="0" rIns="0" tIns="0" bIns="0" anchorCtr="1" anchor="ctr" wrap="none"/>
+            <a:lstStyle/>
+            <a:p>
+              <a:pPr algn="l" marL="0" marR="0" indent="0">
+                <a:lnSpc>
+                  <a:spcPts val="880"/>
+                </a:lnSpc>
+                <a:spcBef>
+                  <a:spcPts val="0"/>
+                </a:spcBef>
+                <a:spcAft>
+                  <a:spcPts val="0"/>
+                </a:spcAft>
+              </a:pPr>
+              <a:r>
+                <a:rPr sz="880">
+                  <a:solidFill>
+                    <a:srgbClr val="000000">
+                      <a:alpha val="100000"/>
+                    </a:srgbClr>
+                  </a:solidFill>
+                  <a:latin typeface="Arial"/>
+                  <a:cs typeface="Arial"/>
+                </a:rPr>
+                <a:t>Sour</a:t>
+              </a:r>
+            </a:p>
+          </p:txBody>
+        </p:sp>
+        <p:sp>
+          <p:nvSpPr>
+            <p:cNvPr id="113" name="tx113"/>
+            <p:cNvSpPr/>
+            <p:nvPr/>
+          </p:nvSpPr>
+          <p:spPr>
+            <a:xfrm>
+              <a:off x="8237007" y="4083959"/>
+              <a:ext cx="310614" cy="82728"/>
+            </a:xfrm>
+            <a:prstGeom prst="rect">
+              <a:avLst/>
+            </a:prstGeom>
+            <a:noFill/>
+          </p:spPr>
+          <p:txBody>
+            <a:bodyPr lIns="0" rIns="0" tIns="0" bIns="0" anchorCtr="1" anchor="ctr" wrap="none"/>
+            <a:lstStyle/>
+            <a:p>
+              <a:pPr algn="l" marL="0" marR="0" indent="0">
+                <a:lnSpc>
+                  <a:spcPts val="880"/>
+                </a:lnSpc>
+                <a:spcBef>
+                  <a:spcPts val="0"/>
+                </a:spcBef>
+                <a:spcAft>
+                  <a:spcPts val="0"/>
+                </a:spcAft>
+              </a:pPr>
+              <a:r>
+                <a:rPr sz="880">
+                  <a:solidFill>
+                    <a:srgbClr val="000000">
+                      <a:alpha val="100000"/>
+                    </a:srgbClr>
+                  </a:solidFill>
+                  <a:latin typeface="Arial"/>
+                  <a:cs typeface="Arial"/>
+                </a:rPr>
+                <a:t>Sweet</a:t>
+              </a:r>
+            </a:p>
+          </p:txBody>
+        </p:sp>
+      </p:grpSp>
+    </p:spTree>
+  </p:cSld>
+  <p:clrMapOvr>
+    <a:masterClrMapping/>
+  </p:clrMapOvr>
+</p:sld>
+</file>
+
+<file path=ppt/slides/slide8.xml><?xml version="1.0" encoding="utf-8"?>
+<p:sld xmlns:a="http://schemas.openxmlformats.org/drawingml/2006/main" xmlns:r="http://schemas.openxmlformats.org/officeDocument/2006/relationships" xmlns:p="http://schemas.openxmlformats.org/presentationml/2006/main">
+  <p:cSld>
+    <p:spTree>
+      <p:nvGrpSpPr>
+        <p:cNvPr id="1" name=""/>
+        <p:cNvGrpSpPr/>
+        <p:nvPr/>
+      </p:nvGrpSpPr>
+      <p:grpSpPr>
+        <a:xfrm>
+          <a:off x="0" y="0"/>
+          <a:ext cx="0" cy="0"/>
+          <a:chOff x="0" y="0"/>
+          <a:chExt cx="0" cy="0"/>
+        </a:xfrm>
+      </p:grpSpPr>
+      <p:graphicFrame xmlns:a="http://schemas.openxmlformats.org/drawingml/2006/main" xmlns:r="http://schemas.openxmlformats.org/officeDocument/2006/relationships" xmlns:p="http://schemas.openxmlformats.org/presentationml/2006/main">
+        <p:nvGraphicFramePr>
+          <p:cNvPr id="2" name="Content Placeholder 2"/>
+          <p:cNvGraphicFramePr>
+            <a:graphicFrameLocks noGrp="true"/>
+          </p:cNvGraphicFramePr>
+          <p:nvPr/>
+        </p:nvGraphicFramePr>
+        <p:xfrm rot="0">
+          <a:off x="457200" y="1600200"/>
+          <a:ext cx="8229600" cy="4525963"/>
+        </p:xfrm>
+        <a:graphic>
+          <a:graphicData uri="http://schemas.openxmlformats.org/drawingml/2006/chart">
+            <c:chart xmlns:c="http://schemas.openxmlformats.org/drawingml/2006/chart" xmlns:r="http://schemas.openxmlformats.org/officeDocument/2006/relationships" r:id="rId2"/>
+          </a:graphicData>
+        </a:graphic>
+      </p:graphicFrame>
+    </p:spTree>
+  </p:cSld>
+  <p:clrMapOvr>
+    <a:masterClrMapping/>
+  </p:clrMapOvr>
+</p:sld>
+</file>
+
 <file path=ppt/tags/tag1.xml><?xml version="1.0" encoding="utf-8"?>
 <p:tagLst xmlns:a="http://schemas.openxmlformats.org/drawingml/2006/main" xmlns:r="http://schemas.openxmlformats.org/officeDocument/2006/relationships" xmlns:p="http://schemas.openxmlformats.org/presentationml/2006/main">
   <p:tag name="_AMO_UNIQUEIDENTIFIER" val="Empty"/>

--- a/temp/my powerpoint export.pptx
+++ b/temp/my powerpoint export.pptx
@@ -12,7 +12,6 @@
     <p:sldId id="260" r:id="rId12"/>
     <p:sldId id="261" r:id="rId13"/>
     <p:sldId id="262" r:id="rId14"/>
-    <p:sldId id="263" r:id="rId15"/>
   </p:sldIdLst>
   <p:sldSz cx="9144000" cy="6858000" type="screen4x3"/>
   <p:notesSz cx="6858000" cy="9144000"/>
@@ -115,828 +114,6 @@
     </a:lvl9pPr>
   </p:defaultTextStyle>
 </p:presentation>
-</file>
-
-<file path=ppt/charts/chart147045e43ef.xml><?xml version="1.0" encoding="utf-8"?>
-<c:chartSpace xmlns:c="http://schemas.openxmlformats.org/drawingml/2006/chart" xmlns:a="http://schemas.openxmlformats.org/drawingml/2006/main" xmlns:r="http://schemas.openxmlformats.org/officeDocument/2006/relationships">
-  <c:date1904 val="0"/>
-  <c:lang val="fr-FR"/>
-  <c:roundedCorners val="0"/>
-  <mc:AlternateContent xmlns:mc="http://schemas.openxmlformats.org/markup-compatibility/2006">
-    <mc:Choice xmlns:c14="http://schemas.microsoft.com/office/drawing/2007/8/2/chart" Requires="c14">
-      <c14:style val="118"/>
-    </mc:Choice>
-    <mc:Fallback>
-      <c:style val="18"/>
-    </mc:Fallback>
-  </mc:AlternateContent>
-  <c:chart>
-    <c:autoTitleDeleted val="1"/>
-    <c:plotArea xmlns:c="http://schemas.openxmlformats.org/drawingml/2006/chart" xmlns:a="http://schemas.openxmlformats.org/drawingml/2006/main" xmlns:r="http://schemas.openxmlformats.org/officeDocument/2006/relationships">
-      <c:layout/>
-      <c:barChart>
-        <c:barDir val="col"/>
-        <c:grouping val="clustered"/>
-        <c:varyColors val="0"/>
-        <c:ser>
-          <c:idx val="0"/>
-          <c:order val="0"/>
-          <c:tx>
-            <c:strRef>
-              <c:f>sheet1!$B$1</c:f>
-              <c:strCache>
-                <c:ptCount val="1"/>
-                <c:pt idx="0">
-                  <c:v>Bitter</c:v>
-                </c:pt>
-              </c:strCache>
-            </c:strRef>
-          </c:tx>
-          <c:spPr>
-            <a:solidFill>
-              <a:srgbClr val="4477AA">
-                <a:alpha val="100000"/>
-              </a:srgbClr>
-            </a:solidFill>
-            <a:ln w="25400">
-              <a:solidFill>
-                <a:srgbClr val="4477AA">
-                  <a:alpha val="100000"/>
-                </a:srgbClr>
-              </a:solidFill>
-            </a:ln>
-            <a:effectLst/>
-          </c:spPr>
-          <c:invertIfNegative val="0"/>
-          <c:dLbls>
-            <c:dLblPos val="ctr"/>
-            <c:numFmt formatCode="General" sourceLinked="0"/>
-            <c:separator val=", "/>
-            <c:showBubbleSize val="0"/>
-            <c:showCatName val="0"/>
-            <c:showLegendKey val="0"/>
-            <c:showPercent val="0"/>
-            <c:showSerName val="0"/>
-            <c:showVal val="0"/>
-            <c:txPr>
-              <a:bodyPr/>
-              <a:lstStyle/>
-              <a:p>
-                <a:pPr>
-                  <a:defRPr cap="none" i="0" b="0" u="none">
-                    <a:solidFill>
-                      <a:srgbClr val="000000">
-                        <a:alpha val="100000"/>
-                      </a:srgbClr>
-                    </a:solidFill>
-                    <a:latin typeface="Arial"/>
-                    <a:cs typeface="Arial"/>
-                    <a:ea typeface="Arial"/>
-                    <a:sym typeface="Arial"/>
-                  </a:defRPr>
-                </a:pPr>
-              </a:p>
-            </c:txPr>
-          </c:dLbls>
-          <c:cat>
-            <c:strRef>
-              <c:f>sheet1!$A$2:$A$12</c:f>
-              <c:strCache>
-                <c:ptCount val="11"/>
-                <c:pt idx="0">
-                  <c:v>P01</c:v>
-                </c:pt>
-                <c:pt idx="1">
-                  <c:v>P02</c:v>
-                </c:pt>
-                <c:pt idx="2">
-                  <c:v>P03</c:v>
-                </c:pt>
-                <c:pt idx="3">
-                  <c:v>P04</c:v>
-                </c:pt>
-                <c:pt idx="4">
-                  <c:v>P05</c:v>
-                </c:pt>
-                <c:pt idx="5">
-                  <c:v>P06</c:v>
-                </c:pt>
-                <c:pt idx="6">
-                  <c:v>P07</c:v>
-                </c:pt>
-                <c:pt idx="7">
-                  <c:v>P08</c:v>
-                </c:pt>
-                <c:pt idx="8">
-                  <c:v>P09</c:v>
-                </c:pt>
-                <c:pt idx="9">
-                  <c:v>P10</c:v>
-                </c:pt>
-                <c:pt idx="10">
-                  <c:v>POpt</c:v>
-                </c:pt>
-              </c:strCache>
-            </c:strRef>
-          </c:cat>
-          <c:val>
-            <c:numRef>
-              <c:f>sheet1!$B$2:$B$12</c:f>
-              <c:numCache>
-                <c:ptCount val="11"/>
-                <c:pt idx="0">
-                  <c:v>8.000000</c:v>
-                </c:pt>
-                <c:pt idx="1">
-                  <c:v>4.933333</c:v>
-                </c:pt>
-                <c:pt idx="2">
-                  <c:v>7.800000</c:v>
-                </c:pt>
-                <c:pt idx="3">
-                  <c:v>4.266667</c:v>
-                </c:pt>
-                <c:pt idx="4">
-                  <c:v>6.733333</c:v>
-                </c:pt>
-                <c:pt idx="5">
-                  <c:v>6.533333</c:v>
-                </c:pt>
-                <c:pt idx="6">
-                  <c:v>5.000000</c:v>
-                </c:pt>
-                <c:pt idx="7">
-                  <c:v>11.066667</c:v>
-                </c:pt>
-                <c:pt idx="8">
-                  <c:v>9.266667</c:v>
-                </c:pt>
-                <c:pt idx="9">
-                  <c:v>9.666667</c:v>
-                </c:pt>
-                <c:pt idx="10">
-                  <c:v>15.866667</c:v>
-                </c:pt>
-              </c:numCache>
-            </c:numRef>
-          </c:val>
-        </c:ser>
-        <c:ser>
-          <c:idx val="1"/>
-          <c:order val="1"/>
-          <c:tx>
-            <c:strRef>
-              <c:f>sheet1!$C$1</c:f>
-              <c:strCache>
-                <c:ptCount val="1"/>
-                <c:pt idx="0">
-                  <c:v>Salty</c:v>
-                </c:pt>
-              </c:strCache>
-            </c:strRef>
-          </c:tx>
-          <c:spPr>
-            <a:solidFill>
-              <a:srgbClr val="117733">
-                <a:alpha val="100000"/>
-              </a:srgbClr>
-            </a:solidFill>
-            <a:ln w="25400">
-              <a:solidFill>
-                <a:srgbClr val="117733">
-                  <a:alpha val="100000"/>
-                </a:srgbClr>
-              </a:solidFill>
-            </a:ln>
-            <a:effectLst/>
-          </c:spPr>
-          <c:invertIfNegative val="0"/>
-          <c:dLbls>
-            <c:dLblPos val="ctr"/>
-            <c:numFmt formatCode="General" sourceLinked="0"/>
-            <c:separator val=", "/>
-            <c:showBubbleSize val="0"/>
-            <c:showCatName val="0"/>
-            <c:showLegendKey val="0"/>
-            <c:showPercent val="0"/>
-            <c:showSerName val="0"/>
-            <c:showVal val="0"/>
-            <c:txPr>
-              <a:bodyPr/>
-              <a:lstStyle/>
-              <a:p>
-                <a:pPr>
-                  <a:defRPr cap="none" i="0" b="0" u="none">
-                    <a:solidFill>
-                      <a:srgbClr val="000000">
-                        <a:alpha val="100000"/>
-                      </a:srgbClr>
-                    </a:solidFill>
-                    <a:latin typeface="Arial"/>
-                    <a:cs typeface="Arial"/>
-                    <a:ea typeface="Arial"/>
-                    <a:sym typeface="Arial"/>
-                  </a:defRPr>
-                </a:pPr>
-              </a:p>
-            </c:txPr>
-          </c:dLbls>
-          <c:cat>
-            <c:strRef>
-              <c:f>sheet1!$A$2:$A$12</c:f>
-              <c:strCache>
-                <c:ptCount val="11"/>
-                <c:pt idx="0">
-                  <c:v>P01</c:v>
-                </c:pt>
-                <c:pt idx="1">
-                  <c:v>P02</c:v>
-                </c:pt>
-                <c:pt idx="2">
-                  <c:v>P03</c:v>
-                </c:pt>
-                <c:pt idx="3">
-                  <c:v>P04</c:v>
-                </c:pt>
-                <c:pt idx="4">
-                  <c:v>P05</c:v>
-                </c:pt>
-                <c:pt idx="5">
-                  <c:v>P06</c:v>
-                </c:pt>
-                <c:pt idx="6">
-                  <c:v>P07</c:v>
-                </c:pt>
-                <c:pt idx="7">
-                  <c:v>P08</c:v>
-                </c:pt>
-                <c:pt idx="8">
-                  <c:v>P09</c:v>
-                </c:pt>
-                <c:pt idx="9">
-                  <c:v>P10</c:v>
-                </c:pt>
-                <c:pt idx="10">
-                  <c:v>POpt</c:v>
-                </c:pt>
-              </c:strCache>
-            </c:strRef>
-          </c:cat>
-          <c:val>
-            <c:numRef>
-              <c:f>sheet1!$C$2:$C$12</c:f>
-              <c:numCache>
-                <c:ptCount val="11"/>
-                <c:pt idx="0">
-                  <c:v>5.100000</c:v>
-                </c:pt>
-                <c:pt idx="1">
-                  <c:v>2.933333</c:v>
-                </c:pt>
-                <c:pt idx="2">
-                  <c:v>4.666667</c:v>
-                </c:pt>
-                <c:pt idx="3">
-                  <c:v>3.600000</c:v>
-                </c:pt>
-                <c:pt idx="4">
-                  <c:v>5.866667</c:v>
-                </c:pt>
-                <c:pt idx="5">
-                  <c:v>8.200000</c:v>
-                </c:pt>
-                <c:pt idx="6">
-                  <c:v>2.800000</c:v>
-                </c:pt>
-                <c:pt idx="7">
-                  <c:v>2.466667</c:v>
-                </c:pt>
-                <c:pt idx="8">
-                  <c:v>4.000000</c:v>
-                </c:pt>
-                <c:pt idx="9">
-                  <c:v>9.000000</c:v>
-                </c:pt>
-                <c:pt idx="10">
-                  <c:v>6.666667</c:v>
-                </c:pt>
-              </c:numCache>
-            </c:numRef>
-          </c:val>
-        </c:ser>
-        <c:ser>
-          <c:idx val="2"/>
-          <c:order val="2"/>
-          <c:tx>
-            <c:strRef>
-              <c:f>sheet1!$D$1</c:f>
-              <c:strCache>
-                <c:ptCount val="1"/>
-                <c:pt idx="0">
-                  <c:v>Sour</c:v>
-                </c:pt>
-              </c:strCache>
-            </c:strRef>
-          </c:tx>
-          <c:spPr>
-            <a:solidFill>
-              <a:srgbClr val="DDCC77">
-                <a:alpha val="100000"/>
-              </a:srgbClr>
-            </a:solidFill>
-            <a:ln w="25400">
-              <a:solidFill>
-                <a:srgbClr val="DDCC77">
-                  <a:alpha val="100000"/>
-                </a:srgbClr>
-              </a:solidFill>
-            </a:ln>
-            <a:effectLst/>
-          </c:spPr>
-          <c:invertIfNegative val="0"/>
-          <c:dLbls>
-            <c:dLblPos val="ctr"/>
-            <c:numFmt formatCode="General" sourceLinked="0"/>
-            <c:separator val=", "/>
-            <c:showBubbleSize val="0"/>
-            <c:showCatName val="0"/>
-            <c:showLegendKey val="0"/>
-            <c:showPercent val="0"/>
-            <c:showSerName val="0"/>
-            <c:showVal val="0"/>
-            <c:txPr>
-              <a:bodyPr/>
-              <a:lstStyle/>
-              <a:p>
-                <a:pPr>
-                  <a:defRPr cap="none" i="0" b="0" u="none">
-                    <a:solidFill>
-                      <a:srgbClr val="000000">
-                        <a:alpha val="100000"/>
-                      </a:srgbClr>
-                    </a:solidFill>
-                    <a:latin typeface="Arial"/>
-                    <a:cs typeface="Arial"/>
-                    <a:ea typeface="Arial"/>
-                    <a:sym typeface="Arial"/>
-                  </a:defRPr>
-                </a:pPr>
-              </a:p>
-            </c:txPr>
-          </c:dLbls>
-          <c:cat>
-            <c:strRef>
-              <c:f>sheet1!$A$2:$A$12</c:f>
-              <c:strCache>
-                <c:ptCount val="11"/>
-                <c:pt idx="0">
-                  <c:v>P01</c:v>
-                </c:pt>
-                <c:pt idx="1">
-                  <c:v>P02</c:v>
-                </c:pt>
-                <c:pt idx="2">
-                  <c:v>P03</c:v>
-                </c:pt>
-                <c:pt idx="3">
-                  <c:v>P04</c:v>
-                </c:pt>
-                <c:pt idx="4">
-                  <c:v>P05</c:v>
-                </c:pt>
-                <c:pt idx="5">
-                  <c:v>P06</c:v>
-                </c:pt>
-                <c:pt idx="6">
-                  <c:v>P07</c:v>
-                </c:pt>
-                <c:pt idx="7">
-                  <c:v>P08</c:v>
-                </c:pt>
-                <c:pt idx="8">
-                  <c:v>P09</c:v>
-                </c:pt>
-                <c:pt idx="9">
-                  <c:v>P10</c:v>
-                </c:pt>
-                <c:pt idx="10">
-                  <c:v>POpt</c:v>
-                </c:pt>
-              </c:strCache>
-            </c:strRef>
-          </c:cat>
-          <c:val>
-            <c:numRef>
-              <c:f>sheet1!$D$2:$D$12</c:f>
-              <c:numCache>
-                <c:ptCount val="11"/>
-                <c:pt idx="0">
-                  <c:v>0.0000000</c:v>
-                </c:pt>
-                <c:pt idx="1">
-                  <c:v>0.0000000</c:v>
-                </c:pt>
-                <c:pt idx="2">
-                  <c:v>0.0000000</c:v>
-                </c:pt>
-                <c:pt idx="3">
-                  <c:v>0.0000000</c:v>
-                </c:pt>
-                <c:pt idx="4">
-                  <c:v>3.0000000</c:v>
-                </c:pt>
-                <c:pt idx="5">
-                  <c:v>4.0000000</c:v>
-                </c:pt>
-                <c:pt idx="6">
-                  <c:v>0.8666667</c:v>
-                </c:pt>
-                <c:pt idx="7">
-                  <c:v>0.9333333</c:v>
-                </c:pt>
-                <c:pt idx="8">
-                  <c:v>0.0000000</c:v>
-                </c:pt>
-                <c:pt idx="9">
-                  <c:v>5.0666667</c:v>
-                </c:pt>
-                <c:pt idx="10">
-                  <c:v>2.2000000</c:v>
-                </c:pt>
-              </c:numCache>
-            </c:numRef>
-          </c:val>
-        </c:ser>
-        <c:ser>
-          <c:idx val="3"/>
-          <c:order val="3"/>
-          <c:tx>
-            <c:strRef>
-              <c:f>sheet1!$E$1</c:f>
-              <c:strCache>
-                <c:ptCount val="1"/>
-                <c:pt idx="0">
-                  <c:v>Sweet</c:v>
-                </c:pt>
-              </c:strCache>
-            </c:strRef>
-          </c:tx>
-          <c:spPr>
-            <a:solidFill>
-              <a:srgbClr val="CC6677">
-                <a:alpha val="100000"/>
-              </a:srgbClr>
-            </a:solidFill>
-            <a:ln w="25400">
-              <a:solidFill>
-                <a:srgbClr val="CC6677">
-                  <a:alpha val="100000"/>
-                </a:srgbClr>
-              </a:solidFill>
-            </a:ln>
-            <a:effectLst/>
-          </c:spPr>
-          <c:invertIfNegative val="0"/>
-          <c:dLbls>
-            <c:dLblPos val="ctr"/>
-            <c:numFmt formatCode="General" sourceLinked="0"/>
-            <c:separator val=", "/>
-            <c:showBubbleSize val="0"/>
-            <c:showCatName val="0"/>
-            <c:showLegendKey val="0"/>
-            <c:showPercent val="0"/>
-            <c:showSerName val="0"/>
-            <c:showVal val="0"/>
-            <c:txPr>
-              <a:bodyPr/>
-              <a:lstStyle/>
-              <a:p>
-                <a:pPr>
-                  <a:defRPr cap="none" i="0" b="0" u="none">
-                    <a:solidFill>
-                      <a:srgbClr val="000000">
-                        <a:alpha val="100000"/>
-                      </a:srgbClr>
-                    </a:solidFill>
-                    <a:latin typeface="Arial"/>
-                    <a:cs typeface="Arial"/>
-                    <a:ea typeface="Arial"/>
-                    <a:sym typeface="Arial"/>
-                  </a:defRPr>
-                </a:pPr>
-              </a:p>
-            </c:txPr>
-          </c:dLbls>
-          <c:cat>
-            <c:strRef>
-              <c:f>sheet1!$A$2:$A$12</c:f>
-              <c:strCache>
-                <c:ptCount val="11"/>
-                <c:pt idx="0">
-                  <c:v>P01</c:v>
-                </c:pt>
-                <c:pt idx="1">
-                  <c:v>P02</c:v>
-                </c:pt>
-                <c:pt idx="2">
-                  <c:v>P03</c:v>
-                </c:pt>
-                <c:pt idx="3">
-                  <c:v>P04</c:v>
-                </c:pt>
-                <c:pt idx="4">
-                  <c:v>P05</c:v>
-                </c:pt>
-                <c:pt idx="5">
-                  <c:v>P06</c:v>
-                </c:pt>
-                <c:pt idx="6">
-                  <c:v>P07</c:v>
-                </c:pt>
-                <c:pt idx="7">
-                  <c:v>P08</c:v>
-                </c:pt>
-                <c:pt idx="8">
-                  <c:v>P09</c:v>
-                </c:pt>
-                <c:pt idx="9">
-                  <c:v>P10</c:v>
-                </c:pt>
-                <c:pt idx="10">
-                  <c:v>POpt</c:v>
-                </c:pt>
-              </c:strCache>
-            </c:strRef>
-          </c:cat>
-          <c:val>
-            <c:numRef>
-              <c:f>sheet1!$E$2:$E$12</c:f>
-              <c:numCache>
-                <c:ptCount val="11"/>
-                <c:pt idx="0">
-                  <c:v>22.20000</c:v>
-                </c:pt>
-                <c:pt idx="1">
-                  <c:v>15.80000</c:v>
-                </c:pt>
-                <c:pt idx="2">
-                  <c:v>10.40000</c:v>
-                </c:pt>
-                <c:pt idx="3">
-                  <c:v>16.60000</c:v>
-                </c:pt>
-                <c:pt idx="4">
-                  <c:v>21.00000</c:v>
-                </c:pt>
-                <c:pt idx="5">
-                  <c:v>14.73333</c:v>
-                </c:pt>
-                <c:pt idx="6">
-                  <c:v>19.46667</c:v>
-                </c:pt>
-                <c:pt idx="7">
-                  <c:v>14.26667</c:v>
-                </c:pt>
-                <c:pt idx="8">
-                  <c:v>13.33333</c:v>
-                </c:pt>
-                <c:pt idx="9">
-                  <c:v>30.46667</c:v>
-                </c:pt>
-                <c:pt idx="10">
-                  <c:v>17.73333</c:v>
-                </c:pt>
-              </c:numCache>
-            </c:numRef>
-          </c:val>
-        </c:ser>
-        <c:dLbls>
-          <c:dLblPos val="ctr"/>
-          <c:numFmt formatCode="General" sourceLinked="0"/>
-          <c:separator val=", "/>
-          <c:showBubbleSize val="0"/>
-          <c:showCatName val="0"/>
-          <c:showLegendKey val="0"/>
-          <c:showPercent val="0"/>
-          <c:showSerName val="0"/>
-          <c:showVal val="0"/>
-        </c:dLbls>
-        <c:gapWidth val="150"/>
-        <c:overlap val="0"/>
-        <c:axId val="64451712"/>
-        <c:axId val="64453248"/>
-      </c:barChart>
-      <c:catAx>
-        <c:axId val="64451712"/>
-        <c:scaling>
-          <c:orientation val="minMax"/>
-        </c:scaling>
-        <c:delete val="0"/>
-        <c:axPos val="b"/>
-        <c:majorGridlines>
-          <c:spPr>
-            <a:ln algn="ctr" w="12700">
-              <a:solidFill>
-                <a:srgbClr val="999999">
-                  <a:alpha val="60000"/>
-                </a:srgbClr>
-              </a:solidFill>
-              <a:prstDash val="sysDash"/>
-            </a:ln>
-          </c:spPr>
-        </c:majorGridlines>
-        <c:title>
-          <c:tx>
-            <c:rich>
-              <a:bodyPr rot="0" vert="horz" anchor="ctr"/>
-              <a:lstStyle/>
-              <a:p>
-                <a:pPr>
-                  <a:defRPr/>
-                </a:pPr>
-                <a:r>
-                  <a:rPr cap="none" sz="1600" i="0" b="1" u="none">
-                    <a:solidFill>
-                      <a:srgbClr val="000000">
-                        <a:alpha val="100000"/>
-                      </a:srgbClr>
-                    </a:solidFill>
-                    <a:latin typeface="Arial"/>
-                    <a:cs typeface="Arial"/>
-                    <a:ea typeface="Arial"/>
-                    <a:sym typeface="Arial"/>
-                  </a:rPr>
-                  <a:t>Product</a:t>
-                </a:r>
-              </a:p>
-            </c:rich>
-          </c:tx>
-          <c:layout/>
-          <c:overlay val="0"/>
-        </c:title>
-        <c:majorTickMark val="cross"/>
-        <c:minorTickMark val="none"/>
-        <c:tickLblPos val="nextTo"/>
-        <c:txPr>
-          <a:bodyPr rot="0" vert="horz"/>
-          <a:lstStyle/>
-          <a:p>
-            <a:pPr>
-              <a:defRPr cap="none" sz="1000" i="0" b="0" u="none">
-                <a:solidFill>
-                  <a:srgbClr val="000000">
-                    <a:alpha val="100000"/>
-                  </a:srgbClr>
-                </a:solidFill>
-                <a:latin typeface="Arial"/>
-                <a:cs typeface="Arial"/>
-                <a:ea typeface="Arial"/>
-                <a:sym typeface="Arial"/>
-              </a:defRPr>
-            </a:pPr>
-          </a:p>
-        </c:txPr>
-        <c:spPr>
-          <a:ln algn="ctr" w="12700">
-            <a:solidFill>
-              <a:srgbClr val="999999">
-                <a:alpha val="60000"/>
-              </a:srgbClr>
-            </a:solidFill>
-            <a:prstDash val="solid"/>
-          </a:ln>
-        </c:spPr>
-        <c:numFmt formatCode="General" sourceLinked="0"/>
-        <c:crossAx val="64453248"/>
-        <c:crosses val="autoZero"/>
-      </c:catAx>
-      <c:valAx>
-        <c:axId val="64453248"/>
-        <c:scaling>
-          <c:orientation val="minMax"/>
-        </c:scaling>
-        <c:delete val="0"/>
-        <c:axPos val="l"/>
-        <c:majorGridlines>
-          <c:spPr>
-            <a:ln algn="ctr" w="12700">
-              <a:solidFill>
-                <a:srgbClr val="999999">
-                  <a:alpha val="60000"/>
-                </a:srgbClr>
-              </a:solidFill>
-              <a:prstDash val="sysDash"/>
-            </a:ln>
-          </c:spPr>
-        </c:majorGridlines>
-        <c:title>
-          <c:tx>
-            <c:rich>
-              <a:bodyPr rot="16200000" vert="horz" anchor="ctr"/>
-              <a:lstStyle/>
-              <a:p>
-                <a:pPr>
-                  <a:defRPr/>
-                </a:pPr>
-                <a:r>
-                  <a:rPr cap="none" sz="1600" i="0" b="1" u="none">
-                    <a:solidFill>
-                      <a:srgbClr val="000000">
-                        <a:alpha val="100000"/>
-                      </a:srgbClr>
-                    </a:solidFill>
-                    <a:latin typeface="Arial"/>
-                    <a:cs typeface="Arial"/>
-                    <a:ea typeface="Arial"/>
-                    <a:sym typeface="Arial"/>
-                  </a:rPr>
-                  <a:t>Value</a:t>
-                </a:r>
-              </a:p>
-            </c:rich>
-          </c:tx>
-          <c:layout/>
-          <c:overlay val="0"/>
-        </c:title>
-        <c:majorTickMark val="cross"/>
-        <c:minorTickMark val="none"/>
-        <c:tickLblPos val="nextTo"/>
-        <c:txPr>
-          <a:bodyPr rot="0" vert="horz"/>
-          <a:lstStyle/>
-          <a:p>
-            <a:pPr>
-              <a:defRPr cap="none" sz="1000" i="0" b="0" u="none">
-                <a:solidFill>
-                  <a:srgbClr val="000000">
-                    <a:alpha val="100000"/>
-                  </a:srgbClr>
-                </a:solidFill>
-                <a:latin typeface="Arial"/>
-                <a:cs typeface="Arial"/>
-                <a:ea typeface="Arial"/>
-                <a:sym typeface="Arial"/>
-              </a:defRPr>
-            </a:pPr>
-          </a:p>
-        </c:txPr>
-        <c:spPr>
-          <a:ln algn="ctr" w="12700">
-            <a:solidFill>
-              <a:srgbClr val="999999">
-                <a:alpha val="60000"/>
-              </a:srgbClr>
-            </a:solidFill>
-            <a:prstDash val="solid"/>
-          </a:ln>
-        </c:spPr>
-        <c:numFmt formatCode="General" sourceLinked="0"/>
-        <c:crossAx val="64451712"/>
-        <c:crosses val="autoZero"/>
-      </c:valAx>
-    </c:plotArea>
-    <c:legend>
-      <c:legendPos val="b"/>
-      <c:layout/>
-      <c:overlay val="0"/>
-      <c:txPr xmlns:c="http://schemas.openxmlformats.org/drawingml/2006/chart" xmlns:a="http://schemas.openxmlformats.org/drawingml/2006/main">
-        <a:bodyPr/>
-        <a:lstStyle/>
-        <a:p>
-          <a:pPr>
-            <a:defRPr cap="none" sz="1400" i="0" b="0" u="none">
-              <a:solidFill>
-                <a:srgbClr val="000000">
-                  <a:alpha val="100000"/>
-                </a:srgbClr>
-              </a:solidFill>
-              <a:latin typeface="Arial"/>
-              <a:cs typeface="Arial"/>
-              <a:ea typeface="Arial"/>
-              <a:sym typeface="Arial"/>
-            </a:defRPr>
-          </a:pPr>
-        </a:p>
-      </c:txPr>
-    </c:legend>
-    <c:plotVisOnly val="1"/>
-    <c:dispBlanksAs val="gap"/>
-    <c:showDLblsOverMax val="0"/>
-  </c:chart>
-  <c:txPr>
-    <a:bodyPr/>
-    <a:lstStyle/>
-    <a:p>
-      <a:pPr>
-        <a:defRPr sz="1800"/>
-      </a:pPr>
-      <a:endParaRPr lang="fr-FR"/>
-    </a:p>
-  </c:txPr>
-  <c:externalData r:id="rId1">
-    <c:autoUpdate val="0"/>
-  </c:externalData>
-</c:chartSpace>
 </file>
 
 <file path=ppt/slideLayouts/slideLayout1.xml><?xml version="1.0" encoding="utf-8"?>
@@ -12481,49 +11658,6 @@
 </p:sld>
 </file>
 
-<file path=ppt/slides/slide8.xml><?xml version="1.0" encoding="utf-8"?>
-<p:sld xmlns:a="http://schemas.openxmlformats.org/drawingml/2006/main" xmlns:r="http://schemas.openxmlformats.org/officeDocument/2006/relationships" xmlns:p="http://schemas.openxmlformats.org/presentationml/2006/main">
-  <p:cSld>
-    <p:spTree>
-      <p:nvGrpSpPr>
-        <p:cNvPr id="1" name=""/>
-        <p:cNvGrpSpPr/>
-        <p:nvPr/>
-      </p:nvGrpSpPr>
-      <p:grpSpPr>
-        <a:xfrm>
-          <a:off x="0" y="0"/>
-          <a:ext cx="0" cy="0"/>
-          <a:chOff x="0" y="0"/>
-          <a:chExt cx="0" cy="0"/>
-        </a:xfrm>
-      </p:grpSpPr>
-      <p:graphicFrame xmlns:a="http://schemas.openxmlformats.org/drawingml/2006/main" xmlns:r="http://schemas.openxmlformats.org/officeDocument/2006/relationships" xmlns:p="http://schemas.openxmlformats.org/presentationml/2006/main">
-        <p:nvGraphicFramePr>
-          <p:cNvPr id="2" name="Content Placeholder 2"/>
-          <p:cNvGraphicFramePr>
-            <a:graphicFrameLocks noGrp="true"/>
-          </p:cNvGraphicFramePr>
-          <p:nvPr/>
-        </p:nvGraphicFramePr>
-        <p:xfrm rot="0">
-          <a:off x="457200" y="1600200"/>
-          <a:ext cx="8229600" cy="4525963"/>
-        </p:xfrm>
-        <a:graphic>
-          <a:graphicData uri="http://schemas.openxmlformats.org/drawingml/2006/chart">
-            <c:chart xmlns:c="http://schemas.openxmlformats.org/drawingml/2006/chart" xmlns:r="http://schemas.openxmlformats.org/officeDocument/2006/relationships" r:id="rId2"/>
-          </a:graphicData>
-        </a:graphic>
-      </p:graphicFrame>
-    </p:spTree>
-  </p:cSld>
-  <p:clrMapOvr>
-    <a:masterClrMapping/>
-  </p:clrMapOvr>
-</p:sld>
-</file>
-
 <file path=ppt/tags/tag1.xml><?xml version="1.0" encoding="utf-8"?>
 <p:tagLst xmlns:a="http://schemas.openxmlformats.org/drawingml/2006/main" xmlns:r="http://schemas.openxmlformats.org/officeDocument/2006/relationships" xmlns:p="http://schemas.openxmlformats.org/presentationml/2006/main">
   <p:tag name="_AMO_UNIQUEIDENTIFIER" val="Empty"/>
